--- a/5_Donem_Ders_Notlari/AA/Sunum/İleriSeviye2.pptx
+++ b/5_Donem_Ders_Notlari/AA/Sunum/İleriSeviye2.pptx
@@ -5,7 +5,7 @@
     <p:sldMasterId id="2147483660" r:id="rId1"/>
   </p:sldMasterIdLst>
   <p:notesMasterIdLst>
-    <p:notesMasterId r:id="rId24"/>
+    <p:notesMasterId r:id="rId22"/>
   </p:notesMasterIdLst>
   <p:sldIdLst>
     <p:sldId id="256" r:id="rId2"/>
@@ -15,21 +15,19 @@
     <p:sldId id="270" r:id="rId6"/>
     <p:sldId id="300" r:id="rId7"/>
     <p:sldId id="312" r:id="rId8"/>
-    <p:sldId id="313" r:id="rId9"/>
-    <p:sldId id="302" r:id="rId10"/>
-    <p:sldId id="304" r:id="rId11"/>
-    <p:sldId id="314" r:id="rId12"/>
-    <p:sldId id="315" r:id="rId13"/>
-    <p:sldId id="305" r:id="rId14"/>
-    <p:sldId id="316" r:id="rId15"/>
-    <p:sldId id="317" r:id="rId16"/>
-    <p:sldId id="307" r:id="rId17"/>
-    <p:sldId id="308" r:id="rId18"/>
-    <p:sldId id="309" r:id="rId19"/>
-    <p:sldId id="310" r:id="rId20"/>
-    <p:sldId id="273" r:id="rId21"/>
-    <p:sldId id="289" r:id="rId22"/>
-    <p:sldId id="311" r:id="rId23"/>
+    <p:sldId id="302" r:id="rId9"/>
+    <p:sldId id="304" r:id="rId10"/>
+    <p:sldId id="314" r:id="rId11"/>
+    <p:sldId id="305" r:id="rId12"/>
+    <p:sldId id="316" r:id="rId13"/>
+    <p:sldId id="317" r:id="rId14"/>
+    <p:sldId id="307" r:id="rId15"/>
+    <p:sldId id="308" r:id="rId16"/>
+    <p:sldId id="309" r:id="rId17"/>
+    <p:sldId id="310" r:id="rId18"/>
+    <p:sldId id="273" r:id="rId19"/>
+    <p:sldId id="289" r:id="rId20"/>
+    <p:sldId id="311" r:id="rId21"/>
   </p:sldIdLst>
   <p:sldSz cx="9144000" cy="6858000" type="screen4x3"/>
   <p:notesSz cx="6858000" cy="9144000"/>
@@ -144,11 +142,9 @@
             <p14:sldId id="270"/>
             <p14:sldId id="300"/>
             <p14:sldId id="312"/>
-            <p14:sldId id="313"/>
             <p14:sldId id="302"/>
             <p14:sldId id="304"/>
             <p14:sldId id="314"/>
-            <p14:sldId id="315"/>
             <p14:sldId id="305"/>
             <p14:sldId id="316"/>
             <p14:sldId id="317"/>
@@ -261,7 +257,7 @@
           <a:p>
             <a:fld id="{57BA61FF-94A8-4B09-A88E-D72E5C20E533}" type="datetimeFigureOut">
               <a:rPr lang="en-US" smtClean="0"/>
-              <a:t>12/16/2024</a:t>
+              <a:t>12/31/2024</a:t>
             </a:fld>
             <a:endParaRPr lang="en-US"/>
           </a:p>
@@ -885,7 +881,7 @@
           <a:p>
             <a:fld id="{F24BBBE5-648B-492C-BA23-ABE519607C9E}" type="datetime1">
               <a:rPr lang="en-US" smtClean="0"/>
-              <a:t>12/16/2024</a:t>
+              <a:t>12/31/2024</a:t>
             </a:fld>
             <a:endParaRPr lang="en-US"/>
           </a:p>
@@ -1055,7 +1051,7 @@
           <a:p>
             <a:fld id="{8D516611-4541-4188-BC16-6AB1E344D8F4}" type="datetime1">
               <a:rPr lang="en-US" smtClean="0"/>
-              <a:t>12/16/2024</a:t>
+              <a:t>12/31/2024</a:t>
             </a:fld>
             <a:endParaRPr lang="en-US"/>
           </a:p>
@@ -1235,7 +1231,7 @@
           <a:p>
             <a:fld id="{44527FBF-6CFE-448B-833E-C6E6FA71189A}" type="datetime1">
               <a:rPr lang="en-US" smtClean="0"/>
-              <a:t>12/16/2024</a:t>
+              <a:t>12/31/2024</a:t>
             </a:fld>
             <a:endParaRPr lang="en-US"/>
           </a:p>
@@ -1405,7 +1401,7 @@
           <a:p>
             <a:fld id="{BDA1D695-95DF-4D6A-9B11-EDE06CF30C68}" type="datetime1">
               <a:rPr lang="en-US" smtClean="0"/>
-              <a:t>12/16/2024</a:t>
+              <a:t>12/31/2024</a:t>
             </a:fld>
             <a:endParaRPr lang="en-US"/>
           </a:p>
@@ -1649,7 +1645,7 @@
           <a:p>
             <a:fld id="{78A10FCA-2E4B-47D4-BC02-62EDDFE07D54}" type="datetime1">
               <a:rPr lang="en-US" smtClean="0"/>
-              <a:t>12/16/2024</a:t>
+              <a:t>12/31/2024</a:t>
             </a:fld>
             <a:endParaRPr lang="en-US"/>
           </a:p>
@@ -1881,7 +1877,7 @@
           <a:p>
             <a:fld id="{B41C7032-AC08-4F49-98AC-46FD998D902D}" type="datetime1">
               <a:rPr lang="en-US" smtClean="0"/>
-              <a:t>12/16/2024</a:t>
+              <a:t>12/31/2024</a:t>
             </a:fld>
             <a:endParaRPr lang="en-US"/>
           </a:p>
@@ -2248,7 +2244,7 @@
           <a:p>
             <a:fld id="{67990542-7CBE-435D-9DAF-314434D13D02}" type="datetime1">
               <a:rPr lang="en-US" smtClean="0"/>
-              <a:t>12/16/2024</a:t>
+              <a:t>12/31/2024</a:t>
             </a:fld>
             <a:endParaRPr lang="en-US"/>
           </a:p>
@@ -2366,7 +2362,7 @@
           <a:p>
             <a:fld id="{1A533CB0-5E6F-4B18-9A63-E9463DE0C735}" type="datetime1">
               <a:rPr lang="en-US" smtClean="0"/>
-              <a:t>12/16/2024</a:t>
+              <a:t>12/31/2024</a:t>
             </a:fld>
             <a:endParaRPr lang="en-US"/>
           </a:p>
@@ -2461,7 +2457,7 @@
           <a:p>
             <a:fld id="{E8098F84-AB0F-4E11-8DC1-50190BADCC09}" type="datetime1">
               <a:rPr lang="en-US" smtClean="0"/>
-              <a:t>12/16/2024</a:t>
+              <a:t>12/31/2024</a:t>
             </a:fld>
             <a:endParaRPr lang="en-US"/>
           </a:p>
@@ -2738,7 +2734,7 @@
           <a:p>
             <a:fld id="{C99E0D4B-5B9F-4650-9FCE-45BFBA1DE096}" type="datetime1">
               <a:rPr lang="en-US" smtClean="0"/>
-              <a:t>12/16/2024</a:t>
+              <a:t>12/31/2024</a:t>
             </a:fld>
             <a:endParaRPr lang="en-US"/>
           </a:p>
@@ -2995,7 +2991,7 @@
           <a:p>
             <a:fld id="{36EE2242-78BB-4814-8CA8-F26EEDA6BA3E}" type="datetime1">
               <a:rPr lang="en-US" smtClean="0"/>
-              <a:t>12/16/2024</a:t>
+              <a:t>12/31/2024</a:t>
             </a:fld>
             <a:endParaRPr lang="en-US"/>
           </a:p>
@@ -3208,7 +3204,7 @@
           <a:p>
             <a:fld id="{7FE73AC3-66B0-4AEB-BA52-7746E4E658DF}" type="datetime1">
               <a:rPr lang="en-US" smtClean="0"/>
-              <a:t>12/16/2024</a:t>
+              <a:t>12/31/2024</a:t>
             </a:fld>
             <a:endParaRPr lang="en-US"/>
           </a:p>
@@ -4041,7 +4037,7 @@
           <p:cNvPr id="2" name="Title 1">
             <a:extLst>
               <a:ext uri="{FF2B5EF4-FFF2-40B4-BE49-F238E27FC236}">
-                <a16:creationId xmlns:a16="http://schemas.microsoft.com/office/drawing/2014/main" id="{063B1997-01F6-FE23-E03D-CC4641ACA113}"/>
+                <a16:creationId xmlns:a16="http://schemas.microsoft.com/office/drawing/2014/main" id="{F3334472-F167-918C-5E66-2212BF568BD5}"/>
               </a:ext>
             </a:extLst>
           </p:cNvPr>
@@ -4057,453 +4053,7 @@
           <a:bodyPr/>
           <a:lstStyle/>
           <a:p>
-            <a:endParaRPr lang="en-US" dirty="0"/>
-          </a:p>
-        </p:txBody>
-      </p:sp>
-      <p:sp>
-        <p:nvSpPr>
-          <p:cNvPr id="3" name="Content Placeholder 2">
-            <a:extLst>
-              <a:ext uri="{FF2B5EF4-FFF2-40B4-BE49-F238E27FC236}">
-                <a16:creationId xmlns:a16="http://schemas.microsoft.com/office/drawing/2014/main" id="{B5FD4C51-2A84-576E-02E7-2DC51D1CED84}"/>
-              </a:ext>
-            </a:extLst>
-          </p:cNvPr>
-          <p:cNvSpPr>
-            <a:spLocks noGrp="1"/>
-          </p:cNvSpPr>
-          <p:nvPr>
-            <p:ph idx="1"/>
-          </p:nvPr>
-        </p:nvSpPr>
-        <p:spPr>
-          <a:xfrm>
-            <a:off x="628650" y="1825625"/>
-            <a:ext cx="7886700" cy="4351338"/>
-          </a:xfrm>
-        </p:spPr>
-        <p:txBody>
-          <a:bodyPr vert="horz" lIns="91440" tIns="45720" rIns="91440" bIns="45720" rtlCol="0" anchor="t">
-            <a:normAutofit/>
-          </a:bodyPr>
-          <a:lstStyle/>
-          <a:p>
-            <a:pPr marL="0" indent="0">
-              <a:buNone/>
-            </a:pPr>
-            <a:r>
-              <a:rPr lang="en-US" b="1" dirty="0">
-                <a:solidFill>
-                  <a:srgbClr val="C00000"/>
-                </a:solidFill>
-                <a:latin typeface="JetBrains Mono SemiBold"/>
-                <a:cs typeface="Times New Roman"/>
-              </a:rPr>
-              <a:t>preprocess(): </a:t>
-            </a:r>
-            <a:r>
-              <a:rPr lang="en-US" dirty="0">
-                <a:latin typeface="JetBrains Mono SemiBold"/>
-                <a:cs typeface="Times New Roman"/>
-              </a:rPr>
-              <a:t>Bu </a:t>
-            </a:r>
-            <a:r>
-              <a:rPr lang="en-US" dirty="0" err="1">
-                <a:latin typeface="JetBrains Mono SemiBold"/>
-                <a:cs typeface="Times New Roman"/>
-              </a:rPr>
-              <a:t>yöntem</a:t>
-            </a:r>
-            <a:r>
-              <a:rPr lang="en-US" dirty="0">
-                <a:latin typeface="JetBrains Mono SemiBold"/>
-                <a:cs typeface="Times New Roman"/>
-              </a:rPr>
-              <a:t>, </a:t>
-            </a:r>
-            <a:r>
-              <a:rPr lang="en-US" dirty="0" err="1">
-                <a:latin typeface="JetBrains Mono SemiBold"/>
-                <a:cs typeface="Times New Roman"/>
-              </a:rPr>
-              <a:t>bir</a:t>
-            </a:r>
-            <a:r>
-              <a:rPr lang="en-US" dirty="0">
-                <a:latin typeface="JetBrains Mono SemiBold"/>
-                <a:cs typeface="Times New Roman"/>
-              </a:rPr>
-              <a:t> contraction hierarchy </a:t>
-            </a:r>
-            <a:r>
-              <a:rPr lang="en-US" dirty="0" err="1">
-                <a:latin typeface="JetBrains Mono SemiBold"/>
-                <a:cs typeface="Times New Roman"/>
-              </a:rPr>
-              <a:t>ön</a:t>
-            </a:r>
-            <a:r>
-              <a:rPr lang="en-US" dirty="0">
-                <a:latin typeface="JetBrains Mono SemiBold"/>
-                <a:cs typeface="Times New Roman"/>
-              </a:rPr>
-              <a:t> </a:t>
-            </a:r>
-            <a:r>
-              <a:rPr lang="en-US" dirty="0" err="1">
-                <a:latin typeface="JetBrains Mono SemiBold"/>
-                <a:cs typeface="Times New Roman"/>
-              </a:rPr>
-              <a:t>işleme</a:t>
-            </a:r>
-            <a:r>
-              <a:rPr lang="en-US" dirty="0">
-                <a:latin typeface="JetBrains Mono SemiBold"/>
-                <a:cs typeface="Times New Roman"/>
-              </a:rPr>
-              <a:t> </a:t>
-            </a:r>
-            <a:r>
-              <a:rPr lang="en-US" dirty="0" err="1">
-                <a:latin typeface="JetBrains Mono SemiBold"/>
-                <a:cs typeface="Times New Roman"/>
-              </a:rPr>
-              <a:t>adımını</a:t>
-            </a:r>
-            <a:r>
-              <a:rPr lang="en-US" dirty="0">
-                <a:latin typeface="JetBrains Mono SemiBold"/>
-                <a:cs typeface="Times New Roman"/>
-              </a:rPr>
-              <a:t> </a:t>
-            </a:r>
-            <a:r>
-              <a:rPr lang="en-US" dirty="0" err="1">
-                <a:latin typeface="JetBrains Mono SemiBold"/>
-                <a:cs typeface="Times New Roman"/>
-              </a:rPr>
-              <a:t>gerçekleştirir</a:t>
-            </a:r>
-            <a:r>
-              <a:rPr lang="en-US" dirty="0">
-                <a:latin typeface="JetBrains Mono SemiBold"/>
-                <a:cs typeface="Times New Roman"/>
-              </a:rPr>
-              <a:t>. Her </a:t>
-            </a:r>
-            <a:r>
-              <a:rPr lang="en-US" dirty="0" err="1">
-                <a:latin typeface="JetBrains Mono SemiBold"/>
-                <a:cs typeface="Times New Roman"/>
-              </a:rPr>
-              <a:t>düğümün</a:t>
-            </a:r>
-            <a:r>
-              <a:rPr lang="en-US" dirty="0">
-                <a:latin typeface="JetBrains Mono SemiBold"/>
-                <a:cs typeface="Times New Roman"/>
-              </a:rPr>
-              <a:t> "</a:t>
-            </a:r>
-            <a:r>
-              <a:rPr lang="en-US" dirty="0" err="1">
-                <a:latin typeface="JetBrains Mono SemiBold"/>
-                <a:cs typeface="Times New Roman"/>
-              </a:rPr>
-              <a:t>önemini</a:t>
-            </a:r>
-            <a:r>
-              <a:rPr lang="en-US" dirty="0">
-                <a:latin typeface="JetBrains Mono SemiBold"/>
-                <a:cs typeface="Times New Roman"/>
-              </a:rPr>
-              <a:t>" </a:t>
-            </a:r>
-            <a:r>
-              <a:rPr lang="en-US" dirty="0" err="1">
-                <a:latin typeface="JetBrains Mono SemiBold"/>
-                <a:cs typeface="Times New Roman"/>
-              </a:rPr>
-              <a:t>kenar</a:t>
-            </a:r>
-            <a:r>
-              <a:rPr lang="en-US" dirty="0">
-                <a:latin typeface="JetBrains Mono SemiBold"/>
-                <a:cs typeface="Times New Roman"/>
-              </a:rPr>
-              <a:t> </a:t>
-            </a:r>
-            <a:r>
-              <a:rPr lang="en-US" dirty="0" err="1">
-                <a:latin typeface="JetBrains Mono SemiBold"/>
-                <a:cs typeface="Times New Roman"/>
-              </a:rPr>
-              <a:t>farkları</a:t>
-            </a:r>
-            <a:r>
-              <a:rPr lang="en-US" dirty="0">
-                <a:latin typeface="JetBrains Mono SemiBold"/>
-                <a:cs typeface="Times New Roman"/>
-              </a:rPr>
-              <a:t> </a:t>
-            </a:r>
-            <a:r>
-              <a:rPr lang="en-US" dirty="0" err="1">
-                <a:latin typeface="JetBrains Mono SemiBold"/>
-                <a:cs typeface="Times New Roman"/>
-              </a:rPr>
-              <a:t>kullanarak</a:t>
-            </a:r>
-            <a:r>
-              <a:rPr lang="en-US" dirty="0">
-                <a:latin typeface="JetBrains Mono SemiBold"/>
-                <a:cs typeface="Times New Roman"/>
-              </a:rPr>
-              <a:t> </a:t>
-            </a:r>
-            <a:r>
-              <a:rPr lang="en-US" dirty="0" err="1">
-                <a:latin typeface="JetBrains Mono SemiBold"/>
-                <a:cs typeface="Times New Roman"/>
-              </a:rPr>
-              <a:t>hesaplar</a:t>
-            </a:r>
-            <a:r>
-              <a:rPr lang="en-US" dirty="0">
-                <a:latin typeface="JetBrains Mono SemiBold"/>
-                <a:cs typeface="Times New Roman"/>
-              </a:rPr>
-              <a:t> </a:t>
-            </a:r>
-            <a:r>
-              <a:rPr lang="en-US" dirty="0" err="1">
-                <a:latin typeface="JetBrains Mono SemiBold"/>
-                <a:cs typeface="Times New Roman"/>
-              </a:rPr>
-              <a:t>ve</a:t>
-            </a:r>
-            <a:r>
-              <a:rPr lang="en-US" dirty="0">
-                <a:latin typeface="JetBrains Mono SemiBold"/>
-                <a:cs typeface="Times New Roman"/>
-              </a:rPr>
-              <a:t> </a:t>
-            </a:r>
-            <a:r>
-              <a:rPr lang="en-US" dirty="0" err="1">
-                <a:latin typeface="JetBrains Mono SemiBold"/>
-                <a:cs typeface="Times New Roman"/>
-              </a:rPr>
-              <a:t>en</a:t>
-            </a:r>
-            <a:r>
-              <a:rPr lang="en-US" dirty="0">
-                <a:latin typeface="JetBrains Mono SemiBold"/>
-                <a:cs typeface="Times New Roman"/>
-              </a:rPr>
-              <a:t> </a:t>
-            </a:r>
-            <a:r>
-              <a:rPr lang="en-US" dirty="0" err="1">
-                <a:latin typeface="JetBrains Mono SemiBold"/>
-                <a:cs typeface="Times New Roman"/>
-              </a:rPr>
-              <a:t>az</a:t>
-            </a:r>
-            <a:r>
-              <a:rPr lang="en-US" dirty="0">
-                <a:latin typeface="JetBrains Mono SemiBold"/>
-                <a:cs typeface="Times New Roman"/>
-              </a:rPr>
-              <a:t> </a:t>
-            </a:r>
-            <a:r>
-              <a:rPr lang="en-US" dirty="0" err="1">
-                <a:latin typeface="JetBrains Mono SemiBold"/>
-                <a:cs typeface="Times New Roman"/>
-              </a:rPr>
-              <a:t>önemli</a:t>
-            </a:r>
-            <a:r>
-              <a:rPr lang="en-US" dirty="0">
-                <a:latin typeface="JetBrains Mono SemiBold"/>
-                <a:cs typeface="Times New Roman"/>
-              </a:rPr>
-              <a:t> </a:t>
-            </a:r>
-            <a:r>
-              <a:rPr lang="en-US" dirty="0" err="1">
-                <a:latin typeface="JetBrains Mono SemiBold"/>
-                <a:cs typeface="Times New Roman"/>
-              </a:rPr>
-              <a:t>düğümleri</a:t>
-            </a:r>
-            <a:r>
-              <a:rPr lang="en-US" dirty="0">
-                <a:latin typeface="JetBrains Mono SemiBold"/>
-                <a:cs typeface="Times New Roman"/>
-              </a:rPr>
-              <a:t> </a:t>
-            </a:r>
-            <a:r>
-              <a:rPr lang="en-US" dirty="0" err="1">
-                <a:latin typeface="JetBrains Mono SemiBold"/>
-                <a:cs typeface="Times New Roman"/>
-              </a:rPr>
-              <a:t>kontrat</a:t>
-            </a:r>
-            <a:r>
-              <a:rPr lang="en-US" dirty="0">
-                <a:latin typeface="JetBrains Mono SemiBold"/>
-                <a:cs typeface="Times New Roman"/>
-              </a:rPr>
-              <a:t> </a:t>
-            </a:r>
-            <a:r>
-              <a:rPr lang="en-US" dirty="0" err="1">
-                <a:latin typeface="JetBrains Mono SemiBold"/>
-                <a:cs typeface="Times New Roman"/>
-              </a:rPr>
-              <a:t>eder</a:t>
-            </a:r>
-            <a:r>
-              <a:rPr lang="en-US" dirty="0">
-                <a:latin typeface="JetBrains Mono SemiBold"/>
-                <a:cs typeface="Times New Roman"/>
-              </a:rPr>
-              <a:t>. Bu, </a:t>
-            </a:r>
-            <a:r>
-              <a:rPr lang="en-US" dirty="0" err="1">
-                <a:latin typeface="JetBrains Mono SemiBold"/>
-                <a:cs typeface="Times New Roman"/>
-              </a:rPr>
-              <a:t>yol</a:t>
-            </a:r>
-            <a:r>
-              <a:rPr lang="en-US" dirty="0">
-                <a:latin typeface="JetBrains Mono SemiBold"/>
-                <a:cs typeface="Times New Roman"/>
-              </a:rPr>
-              <a:t> </a:t>
-            </a:r>
-            <a:r>
-              <a:rPr lang="en-US" dirty="0" err="1">
-                <a:latin typeface="JetBrains Mono SemiBold"/>
-                <a:cs typeface="Times New Roman"/>
-              </a:rPr>
-              <a:t>bulma</a:t>
-            </a:r>
-            <a:r>
-              <a:rPr lang="en-US" dirty="0">
-                <a:latin typeface="JetBrains Mono SemiBold"/>
-                <a:cs typeface="Times New Roman"/>
-              </a:rPr>
-              <a:t> </a:t>
-            </a:r>
-            <a:r>
-              <a:rPr lang="en-US" dirty="0" err="1">
-                <a:latin typeface="JetBrains Mono SemiBold"/>
-                <a:cs typeface="Times New Roman"/>
-              </a:rPr>
-              <a:t>sorguları</a:t>
-            </a:r>
-            <a:r>
-              <a:rPr lang="en-US" dirty="0">
-                <a:latin typeface="JetBrains Mono SemiBold"/>
-                <a:cs typeface="Times New Roman"/>
-              </a:rPr>
-              <a:t> </a:t>
-            </a:r>
-            <a:r>
-              <a:rPr lang="en-US" dirty="0" err="1">
-                <a:latin typeface="JetBrains Mono SemiBold"/>
-                <a:cs typeface="Times New Roman"/>
-              </a:rPr>
-              <a:t>sırasında</a:t>
-            </a:r>
-            <a:r>
-              <a:rPr lang="en-US" dirty="0">
-                <a:latin typeface="JetBrains Mono SemiBold"/>
-                <a:cs typeface="Times New Roman"/>
-              </a:rPr>
-              <a:t> </a:t>
-            </a:r>
-            <a:r>
-              <a:rPr lang="en-US" dirty="0" err="1">
-                <a:latin typeface="JetBrains Mono SemiBold"/>
-                <a:cs typeface="Times New Roman"/>
-              </a:rPr>
-              <a:t>arama</a:t>
-            </a:r>
-            <a:r>
-              <a:rPr lang="en-US" dirty="0">
-                <a:latin typeface="JetBrains Mono SemiBold"/>
-                <a:cs typeface="Times New Roman"/>
-              </a:rPr>
-              <a:t> </a:t>
-            </a:r>
-            <a:r>
-              <a:rPr lang="en-US" dirty="0" err="1">
-                <a:latin typeface="JetBrains Mono SemiBold"/>
-                <a:cs typeface="Times New Roman"/>
-              </a:rPr>
-              <a:t>alanını</a:t>
-            </a:r>
-            <a:r>
-              <a:rPr lang="en-US" dirty="0">
-                <a:latin typeface="JetBrains Mono SemiBold"/>
-                <a:cs typeface="Times New Roman"/>
-              </a:rPr>
-              <a:t> </a:t>
-            </a:r>
-            <a:r>
-              <a:rPr lang="en-US" dirty="0" err="1">
-                <a:latin typeface="JetBrains Mono SemiBold"/>
-                <a:cs typeface="Times New Roman"/>
-              </a:rPr>
-              <a:t>azaltmaya</a:t>
-            </a:r>
-            <a:r>
-              <a:rPr lang="en-US" dirty="0">
-                <a:latin typeface="JetBrains Mono SemiBold"/>
-                <a:cs typeface="Times New Roman"/>
-              </a:rPr>
-              <a:t> </a:t>
-            </a:r>
-            <a:r>
-              <a:rPr lang="en-US" dirty="0" err="1">
-                <a:latin typeface="JetBrains Mono SemiBold"/>
-                <a:cs typeface="Times New Roman"/>
-              </a:rPr>
-              <a:t>yardımcı</a:t>
-            </a:r>
-            <a:r>
-              <a:rPr lang="en-US" dirty="0">
-                <a:latin typeface="JetBrains Mono SemiBold"/>
-                <a:cs typeface="Times New Roman"/>
-              </a:rPr>
-              <a:t> </a:t>
-            </a:r>
-            <a:r>
-              <a:rPr lang="en-US" dirty="0" err="1">
-                <a:latin typeface="JetBrains Mono SemiBold"/>
-                <a:cs typeface="Times New Roman"/>
-              </a:rPr>
-              <a:t>olur</a:t>
-            </a:r>
-            <a:r>
-              <a:rPr lang="en-US" dirty="0">
-                <a:latin typeface="JetBrains Mono SemiBold"/>
-                <a:cs typeface="Times New Roman"/>
-              </a:rPr>
-              <a:t>.</a:t>
-            </a:r>
-            <a:endParaRPr lang="en-US" dirty="0">
-              <a:latin typeface="JetBrains Mono SemiBold"/>
-            </a:endParaRPr>
+            <a:endParaRPr lang="tr-TR"/>
           </a:p>
         </p:txBody>
       </p:sp>
@@ -4512,7 +4062,7 @@
           <p:cNvPr id="4" name="Slide Number Placeholder 3">
             <a:extLst>
               <a:ext uri="{FF2B5EF4-FFF2-40B4-BE49-F238E27FC236}">
-                <a16:creationId xmlns:a16="http://schemas.microsoft.com/office/drawing/2014/main" id="{4726161D-57E6-A958-259E-7C266968AEF7}"/>
+                <a16:creationId xmlns:a16="http://schemas.microsoft.com/office/drawing/2014/main" id="{0DC7219E-D0D9-B719-BC8E-D74BCD61146C}"/>
               </a:ext>
             </a:extLst>
           </p:cNvPr>
@@ -4536,10 +4086,72 @@
           </a:p>
         </p:txBody>
       </p:sp>
+      <p:pic>
+        <p:nvPicPr>
+          <p:cNvPr id="6" name="Picture 5">
+            <a:extLst>
+              <a:ext uri="{FF2B5EF4-FFF2-40B4-BE49-F238E27FC236}">
+                <a16:creationId xmlns:a16="http://schemas.microsoft.com/office/drawing/2014/main" id="{291F568B-1C46-37A0-10B7-EB0DFF0CAFB5}"/>
+              </a:ext>
+            </a:extLst>
+          </p:cNvPr>
+          <p:cNvPicPr>
+            <a:picLocks noChangeAspect="1"/>
+          </p:cNvPicPr>
+          <p:nvPr/>
+        </p:nvPicPr>
+        <p:blipFill>
+          <a:blip r:embed="rId2"/>
+          <a:stretch>
+            <a:fillRect/>
+          </a:stretch>
+        </p:blipFill>
+        <p:spPr>
+          <a:xfrm>
+            <a:off x="1903089" y="211087"/>
+            <a:ext cx="4554859" cy="2738139"/>
+          </a:xfrm>
+          <a:prstGeom prst="rect">
+            <a:avLst/>
+          </a:prstGeom>
+        </p:spPr>
+      </p:pic>
+      <p:pic>
+        <p:nvPicPr>
+          <p:cNvPr id="5" name="Picture 5">
+            <a:extLst>
+              <a:ext uri="{FF2B5EF4-FFF2-40B4-BE49-F238E27FC236}">
+                <a16:creationId xmlns:a16="http://schemas.microsoft.com/office/drawing/2014/main" id="{0CD330F6-BA2E-7F12-3DC3-AA6FEE25CC14}"/>
+              </a:ext>
+            </a:extLst>
+          </p:cNvPr>
+          <p:cNvPicPr>
+            <a:picLocks noGrp="1" noChangeAspect="1"/>
+          </p:cNvPicPr>
+          <p:nvPr>
+            <p:ph idx="1"/>
+          </p:nvPr>
+        </p:nvPicPr>
+        <p:blipFill>
+          <a:blip r:embed="rId3"/>
+          <a:stretch>
+            <a:fillRect/>
+          </a:stretch>
+        </p:blipFill>
+        <p:spPr>
+          <a:xfrm>
+            <a:off x="1903089" y="3351767"/>
+            <a:ext cx="4554859" cy="3295146"/>
+          </a:xfrm>
+          <a:prstGeom prst="rect">
+            <a:avLst/>
+          </a:prstGeom>
+        </p:spPr>
+      </p:pic>
     </p:spTree>
     <p:extLst>
       <p:ext uri="{BB962C8B-B14F-4D97-AF65-F5344CB8AC3E}">
-        <p14:creationId xmlns:p14="http://schemas.microsoft.com/office/powerpoint/2010/main" val="1844381228"/>
+        <p14:creationId xmlns:p14="http://schemas.microsoft.com/office/powerpoint/2010/main" val="1419589974"/>
       </p:ext>
     </p:extLst>
   </p:cSld>
@@ -4571,7 +4183,7 @@
           <p:cNvPr id="2" name="Title 1">
             <a:extLst>
               <a:ext uri="{FF2B5EF4-FFF2-40B4-BE49-F238E27FC236}">
-                <a16:creationId xmlns:a16="http://schemas.microsoft.com/office/drawing/2014/main" id="{F3334472-F167-918C-5E66-2212BF568BD5}"/>
+                <a16:creationId xmlns:a16="http://schemas.microsoft.com/office/drawing/2014/main" id="{2D61AF69-A0BD-613E-7622-2C316441DE36}"/>
               </a:ext>
             </a:extLst>
           </p:cNvPr>
@@ -4587,7 +4199,7 @@
           <a:bodyPr/>
           <a:lstStyle/>
           <a:p>
-            <a:endParaRPr lang="tr-TR"/>
+            <a:endParaRPr lang="en-US"/>
           </a:p>
         </p:txBody>
       </p:sp>
@@ -4596,7 +4208,7 @@
           <p:cNvPr id="3" name="Content Placeholder 2">
             <a:extLst>
               <a:ext uri="{FF2B5EF4-FFF2-40B4-BE49-F238E27FC236}">
-                <a16:creationId xmlns:a16="http://schemas.microsoft.com/office/drawing/2014/main" id="{CC264AB8-B99B-EB0C-FE80-580400C3DF99}"/>
+                <a16:creationId xmlns:a16="http://schemas.microsoft.com/office/drawing/2014/main" id="{2C586C91-D96B-EF9E-432E-06889FC8FFF9}"/>
               </a:ext>
             </a:extLst>
           </p:cNvPr>
@@ -4607,12 +4219,329 @@
             <p:ph idx="1"/>
           </p:nvPr>
         </p:nvSpPr>
-        <p:spPr/>
-        <p:txBody>
-          <a:bodyPr/>
-          <a:lstStyle/>
-          <a:p>
-            <a:endParaRPr lang="tr-TR"/>
+        <p:spPr>
+          <a:xfrm>
+            <a:off x="628650" y="1825625"/>
+            <a:ext cx="7886700" cy="4351338"/>
+          </a:xfrm>
+        </p:spPr>
+        <p:txBody>
+          <a:bodyPr vert="horz" lIns="91440" tIns="45720" rIns="91440" bIns="45720" rtlCol="0" anchor="t">
+            <a:normAutofit/>
+          </a:bodyPr>
+          <a:lstStyle/>
+          <a:p>
+            <a:r>
+              <a:rPr lang="en-US" b="1" dirty="0" err="1">
+                <a:latin typeface="JetBrains Mono SemiBold"/>
+                <a:cs typeface="Times New Roman"/>
+              </a:rPr>
+              <a:t>get_shortest_path_CH</a:t>
+            </a:r>
+            <a:r>
+              <a:rPr lang="en-US" b="1" dirty="0">
+                <a:latin typeface="JetBrains Mono SemiBold"/>
+                <a:cs typeface="Times New Roman"/>
+              </a:rPr>
+              <a:t>(): </a:t>
+            </a:r>
+            <a:r>
+              <a:rPr lang="en-US" dirty="0" err="1">
+                <a:latin typeface="JetBrains Mono SemiBold"/>
+                <a:cs typeface="Times New Roman"/>
+              </a:rPr>
+              <a:t>Ön</a:t>
+            </a:r>
+            <a:r>
+              <a:rPr lang="en-US" dirty="0">
+                <a:latin typeface="JetBrains Mono SemiBold"/>
+                <a:cs typeface="Times New Roman"/>
+              </a:rPr>
+              <a:t> </a:t>
+            </a:r>
+            <a:r>
+              <a:rPr lang="en-US" dirty="0" err="1">
+                <a:latin typeface="JetBrains Mono SemiBold"/>
+                <a:cs typeface="Times New Roman"/>
+              </a:rPr>
+              <a:t>işleme</a:t>
+            </a:r>
+            <a:r>
+              <a:rPr lang="en-US" dirty="0">
+                <a:latin typeface="JetBrains Mono SemiBold"/>
+                <a:cs typeface="Times New Roman"/>
+              </a:rPr>
+              <a:t> </a:t>
+            </a:r>
+            <a:r>
+              <a:rPr lang="en-US" dirty="0" err="1">
+                <a:latin typeface="JetBrains Mono SemiBold"/>
+                <a:cs typeface="Times New Roman"/>
+              </a:rPr>
+              <a:t>tamamlandıktan</a:t>
+            </a:r>
+            <a:r>
+              <a:rPr lang="en-US" dirty="0">
+                <a:latin typeface="JetBrains Mono SemiBold"/>
+                <a:cs typeface="Times New Roman"/>
+              </a:rPr>
+              <a:t> </a:t>
+            </a:r>
+            <a:r>
+              <a:rPr lang="en-US" dirty="0" err="1">
+                <a:latin typeface="JetBrains Mono SemiBold"/>
+                <a:cs typeface="Times New Roman"/>
+              </a:rPr>
+              <a:t>sonra</a:t>
+            </a:r>
+            <a:r>
+              <a:rPr lang="en-US" dirty="0">
+                <a:latin typeface="JetBrains Mono SemiBold"/>
+                <a:cs typeface="Times New Roman"/>
+              </a:rPr>
+              <a:t>, </a:t>
+            </a:r>
+            <a:r>
+              <a:rPr lang="en-US" dirty="0" err="1">
+                <a:latin typeface="JetBrains Mono SemiBold"/>
+                <a:cs typeface="Times New Roman"/>
+              </a:rPr>
+              <a:t>bu</a:t>
+            </a:r>
+            <a:r>
+              <a:rPr lang="en-US" dirty="0">
+                <a:latin typeface="JetBrains Mono SemiBold"/>
+                <a:cs typeface="Times New Roman"/>
+              </a:rPr>
+              <a:t> </a:t>
+            </a:r>
+            <a:r>
+              <a:rPr lang="en-US" dirty="0" err="1">
+                <a:latin typeface="JetBrains Mono SemiBold"/>
+                <a:cs typeface="Times New Roman"/>
+              </a:rPr>
+              <a:t>yöntem</a:t>
+            </a:r>
+            <a:r>
+              <a:rPr lang="en-US" dirty="0">
+                <a:latin typeface="JetBrains Mono SemiBold"/>
+                <a:cs typeface="Times New Roman"/>
+              </a:rPr>
+              <a:t> </a:t>
+            </a:r>
+            <a:r>
+              <a:rPr lang="en-US" dirty="0" err="1">
+                <a:latin typeface="JetBrains Mono SemiBold"/>
+                <a:cs typeface="Times New Roman"/>
+              </a:rPr>
+              <a:t>daha</a:t>
+            </a:r>
+            <a:r>
+              <a:rPr lang="en-US" dirty="0">
+                <a:latin typeface="JetBrains Mono SemiBold"/>
+                <a:cs typeface="Times New Roman"/>
+              </a:rPr>
+              <a:t> </a:t>
+            </a:r>
+            <a:r>
+              <a:rPr lang="en-US" dirty="0" err="1">
+                <a:latin typeface="JetBrains Mono SemiBold"/>
+                <a:cs typeface="Times New Roman"/>
+              </a:rPr>
+              <a:t>hızlı</a:t>
+            </a:r>
+            <a:r>
+              <a:rPr lang="en-US" dirty="0">
+                <a:latin typeface="JetBrains Mono SemiBold"/>
+                <a:cs typeface="Times New Roman"/>
+              </a:rPr>
+              <a:t> </a:t>
+            </a:r>
+            <a:r>
+              <a:rPr lang="en-US" dirty="0" err="1">
+                <a:latin typeface="JetBrains Mono SemiBold"/>
+                <a:cs typeface="Times New Roman"/>
+              </a:rPr>
+              <a:t>sorgulama</a:t>
+            </a:r>
+            <a:r>
+              <a:rPr lang="en-US" dirty="0">
+                <a:latin typeface="JetBrains Mono SemiBold"/>
+                <a:cs typeface="Times New Roman"/>
+              </a:rPr>
+              <a:t> </a:t>
+            </a:r>
+            <a:r>
+              <a:rPr lang="en-US" dirty="0" err="1">
+                <a:latin typeface="JetBrains Mono SemiBold"/>
+                <a:cs typeface="Times New Roman"/>
+              </a:rPr>
+              <a:t>için</a:t>
+            </a:r>
+            <a:r>
+              <a:rPr lang="en-US" dirty="0">
+                <a:latin typeface="JetBrains Mono SemiBold"/>
+                <a:cs typeface="Times New Roman"/>
+              </a:rPr>
+              <a:t> </a:t>
+            </a:r>
+            <a:r>
+              <a:rPr lang="en-US" dirty="0" err="1">
+                <a:latin typeface="JetBrains Mono SemiBold"/>
+                <a:cs typeface="Times New Roman"/>
+              </a:rPr>
+              <a:t>çift</a:t>
+            </a:r>
+            <a:r>
+              <a:rPr lang="en-US" dirty="0">
+                <a:latin typeface="JetBrains Mono SemiBold"/>
+                <a:cs typeface="Times New Roman"/>
+              </a:rPr>
+              <a:t> </a:t>
+            </a:r>
+            <a:r>
+              <a:rPr lang="en-US" dirty="0" err="1">
+                <a:latin typeface="JetBrains Mono SemiBold"/>
+                <a:cs typeface="Times New Roman"/>
+              </a:rPr>
+              <a:t>yönlü</a:t>
+            </a:r>
+            <a:r>
+              <a:rPr lang="en-US" dirty="0">
+                <a:latin typeface="JetBrains Mono SemiBold"/>
+                <a:cs typeface="Times New Roman"/>
+              </a:rPr>
+              <a:t> Dijkstra </a:t>
+            </a:r>
+            <a:r>
+              <a:rPr lang="en-US" dirty="0" err="1">
+                <a:latin typeface="JetBrains Mono SemiBold"/>
+                <a:cs typeface="Times New Roman"/>
+              </a:rPr>
+              <a:t>algoritmasını</a:t>
+            </a:r>
+            <a:r>
+              <a:rPr lang="en-US" dirty="0">
+                <a:latin typeface="JetBrains Mono SemiBold"/>
+                <a:cs typeface="Times New Roman"/>
+              </a:rPr>
+              <a:t> </a:t>
+            </a:r>
+            <a:r>
+              <a:rPr lang="en-US" dirty="0" err="1">
+                <a:latin typeface="JetBrains Mono SemiBold"/>
+                <a:cs typeface="Times New Roman"/>
+              </a:rPr>
+              <a:t>kullanarak</a:t>
+            </a:r>
+            <a:r>
+              <a:rPr lang="en-US" dirty="0">
+                <a:latin typeface="JetBrains Mono SemiBold"/>
+                <a:cs typeface="Times New Roman"/>
+              </a:rPr>
+              <a:t> </a:t>
+            </a:r>
+            <a:r>
+              <a:rPr lang="en-US" dirty="0" err="1">
+                <a:latin typeface="JetBrains Mono SemiBold"/>
+                <a:cs typeface="Times New Roman"/>
+              </a:rPr>
+              <a:t>en</a:t>
+            </a:r>
+            <a:r>
+              <a:rPr lang="en-US" dirty="0">
+                <a:latin typeface="JetBrains Mono SemiBold"/>
+                <a:cs typeface="Times New Roman"/>
+              </a:rPr>
+              <a:t> </a:t>
+            </a:r>
+            <a:r>
+              <a:rPr lang="en-US" dirty="0" err="1">
+                <a:latin typeface="JetBrains Mono SemiBold"/>
+                <a:cs typeface="Times New Roman"/>
+              </a:rPr>
+              <a:t>kısa</a:t>
+            </a:r>
+            <a:r>
+              <a:rPr lang="en-US" dirty="0">
+                <a:latin typeface="JetBrains Mono SemiBold"/>
+                <a:cs typeface="Times New Roman"/>
+              </a:rPr>
+              <a:t> </a:t>
+            </a:r>
+            <a:r>
+              <a:rPr lang="en-US" dirty="0" err="1">
+                <a:latin typeface="JetBrains Mono SemiBold"/>
+                <a:cs typeface="Times New Roman"/>
+              </a:rPr>
+              <a:t>yolu</a:t>
+            </a:r>
+            <a:r>
+              <a:rPr lang="en-US" dirty="0">
+                <a:latin typeface="JetBrains Mono SemiBold"/>
+                <a:cs typeface="Times New Roman"/>
+              </a:rPr>
+              <a:t> </a:t>
+            </a:r>
+            <a:r>
+              <a:rPr lang="en-US" dirty="0" err="1">
+                <a:latin typeface="JetBrains Mono SemiBold"/>
+                <a:cs typeface="Times New Roman"/>
+              </a:rPr>
+              <a:t>bulur</a:t>
+            </a:r>
+            <a:r>
+              <a:rPr lang="en-US" dirty="0">
+                <a:latin typeface="JetBrains Mono SemiBold"/>
+                <a:cs typeface="Times New Roman"/>
+              </a:rPr>
+              <a:t> </a:t>
+            </a:r>
+            <a:r>
+              <a:rPr lang="en-US" dirty="0" err="1">
+                <a:latin typeface="JetBrains Mono SemiBold"/>
+                <a:cs typeface="Times New Roman"/>
+              </a:rPr>
+              <a:t>ve</a:t>
+            </a:r>
+            <a:r>
+              <a:rPr lang="en-US" dirty="0">
+                <a:latin typeface="JetBrains Mono SemiBold"/>
+                <a:cs typeface="Times New Roman"/>
+              </a:rPr>
+              <a:t> contraction hierarchies </a:t>
+            </a:r>
+            <a:r>
+              <a:rPr lang="en-US" dirty="0" err="1">
+                <a:latin typeface="JetBrains Mono SemiBold"/>
+                <a:cs typeface="Times New Roman"/>
+              </a:rPr>
+              <a:t>yönteminden</a:t>
+            </a:r>
+            <a:r>
+              <a:rPr lang="en-US" dirty="0">
+                <a:latin typeface="JetBrains Mono SemiBold"/>
+                <a:cs typeface="Times New Roman"/>
+              </a:rPr>
+              <a:t> </a:t>
+            </a:r>
+            <a:r>
+              <a:rPr lang="en-US" dirty="0" err="1">
+                <a:latin typeface="JetBrains Mono SemiBold"/>
+                <a:cs typeface="Times New Roman"/>
+              </a:rPr>
+              <a:t>yararlanır</a:t>
+            </a:r>
+            <a:r>
+              <a:rPr lang="en-US" dirty="0">
+                <a:latin typeface="JetBrains Mono SemiBold"/>
+                <a:cs typeface="Times New Roman"/>
+              </a:rPr>
+              <a:t>.</a:t>
+            </a:r>
+            <a:endParaRPr lang="en-US" dirty="0">
+              <a:latin typeface="JetBrains Mono SemiBold"/>
+            </a:endParaRPr>
           </a:p>
         </p:txBody>
       </p:sp>
@@ -4621,7 +4550,7 @@
           <p:cNvPr id="4" name="Slide Number Placeholder 3">
             <a:extLst>
               <a:ext uri="{FF2B5EF4-FFF2-40B4-BE49-F238E27FC236}">
-                <a16:creationId xmlns:a16="http://schemas.microsoft.com/office/drawing/2014/main" id="{0DC7219E-D0D9-B719-BC8E-D74BCD61146C}"/>
+                <a16:creationId xmlns:a16="http://schemas.microsoft.com/office/drawing/2014/main" id="{1DEC1B4E-3F17-14EF-E4C2-EEF85A13AADE}"/>
               </a:ext>
             </a:extLst>
           </p:cNvPr>
@@ -4645,40 +4574,10 @@
           </a:p>
         </p:txBody>
       </p:sp>
-      <p:pic>
-        <p:nvPicPr>
-          <p:cNvPr id="6" name="Picture 5">
-            <a:extLst>
-              <a:ext uri="{FF2B5EF4-FFF2-40B4-BE49-F238E27FC236}">
-                <a16:creationId xmlns:a16="http://schemas.microsoft.com/office/drawing/2014/main" id="{291F568B-1C46-37A0-10B7-EB0DFF0CAFB5}"/>
-              </a:ext>
-            </a:extLst>
-          </p:cNvPr>
-          <p:cNvPicPr>
-            <a:picLocks noChangeAspect="1"/>
-          </p:cNvPicPr>
-          <p:nvPr/>
-        </p:nvPicPr>
-        <p:blipFill>
-          <a:blip r:embed="rId2"/>
-          <a:stretch>
-            <a:fillRect/>
-          </a:stretch>
-        </p:blipFill>
-        <p:spPr>
-          <a:xfrm>
-            <a:off x="1494995" y="1823813"/>
-            <a:ext cx="6154009" cy="3210373"/>
-          </a:xfrm>
-          <a:prstGeom prst="rect">
-            <a:avLst/>
-          </a:prstGeom>
-        </p:spPr>
-      </p:pic>
     </p:spTree>
     <p:extLst>
       <p:ext uri="{BB962C8B-B14F-4D97-AF65-F5344CB8AC3E}">
-        <p14:creationId xmlns:p14="http://schemas.microsoft.com/office/powerpoint/2010/main" val="1419589974"/>
+        <p14:creationId xmlns:p14="http://schemas.microsoft.com/office/powerpoint/2010/main" val="1151420140"/>
       </p:ext>
     </p:extLst>
   </p:cSld>
@@ -4710,571 +4609,6 @@
           <p:cNvPr id="2" name="Title 1">
             <a:extLst>
               <a:ext uri="{FF2B5EF4-FFF2-40B4-BE49-F238E27FC236}">
-                <a16:creationId xmlns:a16="http://schemas.microsoft.com/office/drawing/2014/main" id="{BFAB2008-EE3F-A3E6-1C37-7548C2FD36DC}"/>
-              </a:ext>
-            </a:extLst>
-          </p:cNvPr>
-          <p:cNvSpPr>
-            <a:spLocks noGrp="1"/>
-          </p:cNvSpPr>
-          <p:nvPr>
-            <p:ph type="title"/>
-          </p:nvPr>
-        </p:nvSpPr>
-        <p:spPr/>
-        <p:txBody>
-          <a:bodyPr/>
-          <a:lstStyle/>
-          <a:p>
-            <a:endParaRPr lang="tr-TR"/>
-          </a:p>
-        </p:txBody>
-      </p:sp>
-      <p:sp>
-        <p:nvSpPr>
-          <p:cNvPr id="3" name="Content Placeholder 2">
-            <a:extLst>
-              <a:ext uri="{FF2B5EF4-FFF2-40B4-BE49-F238E27FC236}">
-                <a16:creationId xmlns:a16="http://schemas.microsoft.com/office/drawing/2014/main" id="{208FBB98-687A-F7C3-5109-90200385BE20}"/>
-              </a:ext>
-            </a:extLst>
-          </p:cNvPr>
-          <p:cNvSpPr>
-            <a:spLocks noGrp="1"/>
-          </p:cNvSpPr>
-          <p:nvPr>
-            <p:ph idx="1"/>
-          </p:nvPr>
-        </p:nvSpPr>
-        <p:spPr/>
-        <p:txBody>
-          <a:bodyPr/>
-          <a:lstStyle/>
-          <a:p>
-            <a:endParaRPr lang="tr-TR"/>
-          </a:p>
-        </p:txBody>
-      </p:sp>
-      <p:sp>
-        <p:nvSpPr>
-          <p:cNvPr id="4" name="Slide Number Placeholder 3">
-            <a:extLst>
-              <a:ext uri="{FF2B5EF4-FFF2-40B4-BE49-F238E27FC236}">
-                <a16:creationId xmlns:a16="http://schemas.microsoft.com/office/drawing/2014/main" id="{75ACEC6D-D434-2F2C-4D00-614CE0DC7B36}"/>
-              </a:ext>
-            </a:extLst>
-          </p:cNvPr>
-          <p:cNvSpPr>
-            <a:spLocks noGrp="1"/>
-          </p:cNvSpPr>
-          <p:nvPr>
-            <p:ph type="sldNum" sz="quarter" idx="12"/>
-          </p:nvPr>
-        </p:nvSpPr>
-        <p:spPr/>
-        <p:txBody>
-          <a:bodyPr/>
-          <a:lstStyle/>
-          <a:p>
-            <a:fld id="{E1749D0C-AFA5-4E71-A65E-422F634B557B}" type="slidenum">
-              <a:rPr lang="en-US" smtClean="0"/>
-              <a:t>12</a:t>
-            </a:fld>
-            <a:endParaRPr lang="en-US"/>
-          </a:p>
-        </p:txBody>
-      </p:sp>
-      <p:pic>
-        <p:nvPicPr>
-          <p:cNvPr id="6" name="Picture 5">
-            <a:extLst>
-              <a:ext uri="{FF2B5EF4-FFF2-40B4-BE49-F238E27FC236}">
-                <a16:creationId xmlns:a16="http://schemas.microsoft.com/office/drawing/2014/main" id="{0CD330F6-BA2E-7F12-3DC3-AA6FEE25CC14}"/>
-              </a:ext>
-            </a:extLst>
-          </p:cNvPr>
-          <p:cNvPicPr>
-            <a:picLocks noChangeAspect="1"/>
-          </p:cNvPicPr>
-          <p:nvPr/>
-        </p:nvPicPr>
-        <p:blipFill>
-          <a:blip r:embed="rId2"/>
-          <a:stretch>
-            <a:fillRect/>
-          </a:stretch>
-        </p:blipFill>
-        <p:spPr>
-          <a:xfrm>
-            <a:off x="1299706" y="1061707"/>
-            <a:ext cx="6544588" cy="4734586"/>
-          </a:xfrm>
-          <a:prstGeom prst="rect">
-            <a:avLst/>
-          </a:prstGeom>
-        </p:spPr>
-      </p:pic>
-    </p:spTree>
-    <p:extLst>
-      <p:ext uri="{BB962C8B-B14F-4D97-AF65-F5344CB8AC3E}">
-        <p14:creationId xmlns:p14="http://schemas.microsoft.com/office/powerpoint/2010/main" val="3643507065"/>
-      </p:ext>
-    </p:extLst>
-  </p:cSld>
-  <p:clrMapOvr>
-    <a:masterClrMapping/>
-  </p:clrMapOvr>
-</p:sld>
-</file>
-
-<file path=ppt/slides/slide13.xml><?xml version="1.0" encoding="utf-8"?>
-<p:sld xmlns:a="http://schemas.openxmlformats.org/drawingml/2006/main" xmlns:r="http://schemas.openxmlformats.org/officeDocument/2006/relationships" xmlns:p="http://schemas.openxmlformats.org/presentationml/2006/main">
-  <p:cSld>
-    <p:spTree>
-      <p:nvGrpSpPr>
-        <p:cNvPr id="1" name=""/>
-        <p:cNvGrpSpPr/>
-        <p:nvPr/>
-      </p:nvGrpSpPr>
-      <p:grpSpPr>
-        <a:xfrm>
-          <a:off x="0" y="0"/>
-          <a:ext cx="0" cy="0"/>
-          <a:chOff x="0" y="0"/>
-          <a:chExt cx="0" cy="0"/>
-        </a:xfrm>
-      </p:grpSpPr>
-      <p:sp>
-        <p:nvSpPr>
-          <p:cNvPr id="2" name="Title 1">
-            <a:extLst>
-              <a:ext uri="{FF2B5EF4-FFF2-40B4-BE49-F238E27FC236}">
-                <a16:creationId xmlns:a16="http://schemas.microsoft.com/office/drawing/2014/main" id="{2D61AF69-A0BD-613E-7622-2C316441DE36}"/>
-              </a:ext>
-            </a:extLst>
-          </p:cNvPr>
-          <p:cNvSpPr>
-            <a:spLocks noGrp="1"/>
-          </p:cNvSpPr>
-          <p:nvPr>
-            <p:ph type="title"/>
-          </p:nvPr>
-        </p:nvSpPr>
-        <p:spPr/>
-        <p:txBody>
-          <a:bodyPr/>
-          <a:lstStyle/>
-          <a:p>
-            <a:endParaRPr lang="en-US"/>
-          </a:p>
-        </p:txBody>
-      </p:sp>
-      <p:sp>
-        <p:nvSpPr>
-          <p:cNvPr id="3" name="Content Placeholder 2">
-            <a:extLst>
-              <a:ext uri="{FF2B5EF4-FFF2-40B4-BE49-F238E27FC236}">
-                <a16:creationId xmlns:a16="http://schemas.microsoft.com/office/drawing/2014/main" id="{2C586C91-D96B-EF9E-432E-06889FC8FFF9}"/>
-              </a:ext>
-            </a:extLst>
-          </p:cNvPr>
-          <p:cNvSpPr>
-            <a:spLocks noGrp="1"/>
-          </p:cNvSpPr>
-          <p:nvPr>
-            <p:ph idx="1"/>
-          </p:nvPr>
-        </p:nvSpPr>
-        <p:spPr>
-          <a:xfrm>
-            <a:off x="628650" y="1825625"/>
-            <a:ext cx="7886700" cy="4351338"/>
-          </a:xfrm>
-        </p:spPr>
-        <p:txBody>
-          <a:bodyPr vert="horz" lIns="91440" tIns="45720" rIns="91440" bIns="45720" rtlCol="0" anchor="t">
-            <a:normAutofit/>
-          </a:bodyPr>
-          <a:lstStyle/>
-          <a:p>
-            <a:r>
-              <a:rPr lang="en-US" b="1" dirty="0" err="1">
-                <a:latin typeface="JetBrains Mono SemiBold"/>
-                <a:cs typeface="Times New Roman"/>
-              </a:rPr>
-              <a:t>get_shortest_path_CH</a:t>
-            </a:r>
-            <a:r>
-              <a:rPr lang="en-US" b="1" dirty="0">
-                <a:latin typeface="JetBrains Mono SemiBold"/>
-                <a:cs typeface="Times New Roman"/>
-              </a:rPr>
-              <a:t>(): </a:t>
-            </a:r>
-            <a:r>
-              <a:rPr lang="en-US" dirty="0" err="1">
-                <a:latin typeface="JetBrains Mono SemiBold"/>
-                <a:cs typeface="Times New Roman"/>
-              </a:rPr>
-              <a:t>Ön</a:t>
-            </a:r>
-            <a:r>
-              <a:rPr lang="en-US" dirty="0">
-                <a:latin typeface="JetBrains Mono SemiBold"/>
-                <a:cs typeface="Times New Roman"/>
-              </a:rPr>
-              <a:t> </a:t>
-            </a:r>
-            <a:r>
-              <a:rPr lang="en-US" dirty="0" err="1">
-                <a:latin typeface="JetBrains Mono SemiBold"/>
-                <a:cs typeface="Times New Roman"/>
-              </a:rPr>
-              <a:t>işleme</a:t>
-            </a:r>
-            <a:r>
-              <a:rPr lang="en-US" dirty="0">
-                <a:latin typeface="JetBrains Mono SemiBold"/>
-                <a:cs typeface="Times New Roman"/>
-              </a:rPr>
-              <a:t> </a:t>
-            </a:r>
-            <a:r>
-              <a:rPr lang="en-US" dirty="0" err="1">
-                <a:latin typeface="JetBrains Mono SemiBold"/>
-                <a:cs typeface="Times New Roman"/>
-              </a:rPr>
-              <a:t>tamamlandıktan</a:t>
-            </a:r>
-            <a:r>
-              <a:rPr lang="en-US" dirty="0">
-                <a:latin typeface="JetBrains Mono SemiBold"/>
-                <a:cs typeface="Times New Roman"/>
-              </a:rPr>
-              <a:t> </a:t>
-            </a:r>
-            <a:r>
-              <a:rPr lang="en-US" dirty="0" err="1">
-                <a:latin typeface="JetBrains Mono SemiBold"/>
-                <a:cs typeface="Times New Roman"/>
-              </a:rPr>
-              <a:t>sonra</a:t>
-            </a:r>
-            <a:r>
-              <a:rPr lang="en-US" dirty="0">
-                <a:latin typeface="JetBrains Mono SemiBold"/>
-                <a:cs typeface="Times New Roman"/>
-              </a:rPr>
-              <a:t>, </a:t>
-            </a:r>
-            <a:r>
-              <a:rPr lang="en-US" dirty="0" err="1">
-                <a:latin typeface="JetBrains Mono SemiBold"/>
-                <a:cs typeface="Times New Roman"/>
-              </a:rPr>
-              <a:t>bu</a:t>
-            </a:r>
-            <a:r>
-              <a:rPr lang="en-US" dirty="0">
-                <a:latin typeface="JetBrains Mono SemiBold"/>
-                <a:cs typeface="Times New Roman"/>
-              </a:rPr>
-              <a:t> </a:t>
-            </a:r>
-            <a:r>
-              <a:rPr lang="en-US" dirty="0" err="1">
-                <a:latin typeface="JetBrains Mono SemiBold"/>
-                <a:cs typeface="Times New Roman"/>
-              </a:rPr>
-              <a:t>yöntem</a:t>
-            </a:r>
-            <a:r>
-              <a:rPr lang="en-US" dirty="0">
-                <a:latin typeface="JetBrains Mono SemiBold"/>
-                <a:cs typeface="Times New Roman"/>
-              </a:rPr>
-              <a:t> </a:t>
-            </a:r>
-            <a:r>
-              <a:rPr lang="en-US" dirty="0" err="1">
-                <a:latin typeface="JetBrains Mono SemiBold"/>
-                <a:cs typeface="Times New Roman"/>
-              </a:rPr>
-              <a:t>daha</a:t>
-            </a:r>
-            <a:r>
-              <a:rPr lang="en-US" dirty="0">
-                <a:latin typeface="JetBrains Mono SemiBold"/>
-                <a:cs typeface="Times New Roman"/>
-              </a:rPr>
-              <a:t> </a:t>
-            </a:r>
-            <a:r>
-              <a:rPr lang="en-US" dirty="0" err="1">
-                <a:latin typeface="JetBrains Mono SemiBold"/>
-                <a:cs typeface="Times New Roman"/>
-              </a:rPr>
-              <a:t>hızlı</a:t>
-            </a:r>
-            <a:r>
-              <a:rPr lang="en-US" dirty="0">
-                <a:latin typeface="JetBrains Mono SemiBold"/>
-                <a:cs typeface="Times New Roman"/>
-              </a:rPr>
-              <a:t> </a:t>
-            </a:r>
-            <a:r>
-              <a:rPr lang="en-US" dirty="0" err="1">
-                <a:latin typeface="JetBrains Mono SemiBold"/>
-                <a:cs typeface="Times New Roman"/>
-              </a:rPr>
-              <a:t>sorgulama</a:t>
-            </a:r>
-            <a:r>
-              <a:rPr lang="en-US" dirty="0">
-                <a:latin typeface="JetBrains Mono SemiBold"/>
-                <a:cs typeface="Times New Roman"/>
-              </a:rPr>
-              <a:t> </a:t>
-            </a:r>
-            <a:r>
-              <a:rPr lang="en-US" dirty="0" err="1">
-                <a:latin typeface="JetBrains Mono SemiBold"/>
-                <a:cs typeface="Times New Roman"/>
-              </a:rPr>
-              <a:t>için</a:t>
-            </a:r>
-            <a:r>
-              <a:rPr lang="en-US" dirty="0">
-                <a:latin typeface="JetBrains Mono SemiBold"/>
-                <a:cs typeface="Times New Roman"/>
-              </a:rPr>
-              <a:t> </a:t>
-            </a:r>
-            <a:r>
-              <a:rPr lang="en-US" dirty="0" err="1">
-                <a:latin typeface="JetBrains Mono SemiBold"/>
-                <a:cs typeface="Times New Roman"/>
-              </a:rPr>
-              <a:t>çift</a:t>
-            </a:r>
-            <a:r>
-              <a:rPr lang="en-US" dirty="0">
-                <a:latin typeface="JetBrains Mono SemiBold"/>
-                <a:cs typeface="Times New Roman"/>
-              </a:rPr>
-              <a:t> </a:t>
-            </a:r>
-            <a:r>
-              <a:rPr lang="en-US" dirty="0" err="1">
-                <a:latin typeface="JetBrains Mono SemiBold"/>
-                <a:cs typeface="Times New Roman"/>
-              </a:rPr>
-              <a:t>yönlü</a:t>
-            </a:r>
-            <a:r>
-              <a:rPr lang="en-US" dirty="0">
-                <a:latin typeface="JetBrains Mono SemiBold"/>
-                <a:cs typeface="Times New Roman"/>
-              </a:rPr>
-              <a:t> Dijkstra </a:t>
-            </a:r>
-            <a:r>
-              <a:rPr lang="en-US" dirty="0" err="1">
-                <a:latin typeface="JetBrains Mono SemiBold"/>
-                <a:cs typeface="Times New Roman"/>
-              </a:rPr>
-              <a:t>algoritmasını</a:t>
-            </a:r>
-            <a:r>
-              <a:rPr lang="en-US" dirty="0">
-                <a:latin typeface="JetBrains Mono SemiBold"/>
-                <a:cs typeface="Times New Roman"/>
-              </a:rPr>
-              <a:t> </a:t>
-            </a:r>
-            <a:r>
-              <a:rPr lang="en-US" dirty="0" err="1">
-                <a:latin typeface="JetBrains Mono SemiBold"/>
-                <a:cs typeface="Times New Roman"/>
-              </a:rPr>
-              <a:t>kullanarak</a:t>
-            </a:r>
-            <a:r>
-              <a:rPr lang="en-US" dirty="0">
-                <a:latin typeface="JetBrains Mono SemiBold"/>
-                <a:cs typeface="Times New Roman"/>
-              </a:rPr>
-              <a:t> </a:t>
-            </a:r>
-            <a:r>
-              <a:rPr lang="en-US" dirty="0" err="1">
-                <a:latin typeface="JetBrains Mono SemiBold"/>
-                <a:cs typeface="Times New Roman"/>
-              </a:rPr>
-              <a:t>en</a:t>
-            </a:r>
-            <a:r>
-              <a:rPr lang="en-US" dirty="0">
-                <a:latin typeface="JetBrains Mono SemiBold"/>
-                <a:cs typeface="Times New Roman"/>
-              </a:rPr>
-              <a:t> </a:t>
-            </a:r>
-            <a:r>
-              <a:rPr lang="en-US" dirty="0" err="1">
-                <a:latin typeface="JetBrains Mono SemiBold"/>
-                <a:cs typeface="Times New Roman"/>
-              </a:rPr>
-              <a:t>kısa</a:t>
-            </a:r>
-            <a:r>
-              <a:rPr lang="en-US" dirty="0">
-                <a:latin typeface="JetBrains Mono SemiBold"/>
-                <a:cs typeface="Times New Roman"/>
-              </a:rPr>
-              <a:t> </a:t>
-            </a:r>
-            <a:r>
-              <a:rPr lang="en-US" dirty="0" err="1">
-                <a:latin typeface="JetBrains Mono SemiBold"/>
-                <a:cs typeface="Times New Roman"/>
-              </a:rPr>
-              <a:t>yolu</a:t>
-            </a:r>
-            <a:r>
-              <a:rPr lang="en-US" dirty="0">
-                <a:latin typeface="JetBrains Mono SemiBold"/>
-                <a:cs typeface="Times New Roman"/>
-              </a:rPr>
-              <a:t> </a:t>
-            </a:r>
-            <a:r>
-              <a:rPr lang="en-US" dirty="0" err="1">
-                <a:latin typeface="JetBrains Mono SemiBold"/>
-                <a:cs typeface="Times New Roman"/>
-              </a:rPr>
-              <a:t>bulur</a:t>
-            </a:r>
-            <a:r>
-              <a:rPr lang="en-US" dirty="0">
-                <a:latin typeface="JetBrains Mono SemiBold"/>
-                <a:cs typeface="Times New Roman"/>
-              </a:rPr>
-              <a:t> </a:t>
-            </a:r>
-            <a:r>
-              <a:rPr lang="en-US" dirty="0" err="1">
-                <a:latin typeface="JetBrains Mono SemiBold"/>
-                <a:cs typeface="Times New Roman"/>
-              </a:rPr>
-              <a:t>ve</a:t>
-            </a:r>
-            <a:r>
-              <a:rPr lang="en-US" dirty="0">
-                <a:latin typeface="JetBrains Mono SemiBold"/>
-                <a:cs typeface="Times New Roman"/>
-              </a:rPr>
-              <a:t> contraction hierarchies </a:t>
-            </a:r>
-            <a:r>
-              <a:rPr lang="en-US" dirty="0" err="1">
-                <a:latin typeface="JetBrains Mono SemiBold"/>
-                <a:cs typeface="Times New Roman"/>
-              </a:rPr>
-              <a:t>yönteminden</a:t>
-            </a:r>
-            <a:r>
-              <a:rPr lang="en-US" dirty="0">
-                <a:latin typeface="JetBrains Mono SemiBold"/>
-                <a:cs typeface="Times New Roman"/>
-              </a:rPr>
-              <a:t> </a:t>
-            </a:r>
-            <a:r>
-              <a:rPr lang="en-US" dirty="0" err="1">
-                <a:latin typeface="JetBrains Mono SemiBold"/>
-                <a:cs typeface="Times New Roman"/>
-              </a:rPr>
-              <a:t>yararlanır</a:t>
-            </a:r>
-            <a:r>
-              <a:rPr lang="en-US" dirty="0">
-                <a:latin typeface="JetBrains Mono SemiBold"/>
-                <a:cs typeface="Times New Roman"/>
-              </a:rPr>
-              <a:t>.</a:t>
-            </a:r>
-            <a:endParaRPr lang="en-US" dirty="0">
-              <a:latin typeface="JetBrains Mono SemiBold"/>
-            </a:endParaRPr>
-          </a:p>
-        </p:txBody>
-      </p:sp>
-      <p:sp>
-        <p:nvSpPr>
-          <p:cNvPr id="4" name="Slide Number Placeholder 3">
-            <a:extLst>
-              <a:ext uri="{FF2B5EF4-FFF2-40B4-BE49-F238E27FC236}">
-                <a16:creationId xmlns:a16="http://schemas.microsoft.com/office/drawing/2014/main" id="{1DEC1B4E-3F17-14EF-E4C2-EEF85A13AADE}"/>
-              </a:ext>
-            </a:extLst>
-          </p:cNvPr>
-          <p:cNvSpPr>
-            <a:spLocks noGrp="1"/>
-          </p:cNvSpPr>
-          <p:nvPr>
-            <p:ph type="sldNum" sz="quarter" idx="12"/>
-          </p:nvPr>
-        </p:nvSpPr>
-        <p:spPr/>
-        <p:txBody>
-          <a:bodyPr/>
-          <a:lstStyle/>
-          <a:p>
-            <a:fld id="{E1749D0C-AFA5-4E71-A65E-422F634B557B}" type="slidenum">
-              <a:rPr lang="en-US" smtClean="0"/>
-              <a:t>13</a:t>
-            </a:fld>
-            <a:endParaRPr lang="en-US"/>
-          </a:p>
-        </p:txBody>
-      </p:sp>
-    </p:spTree>
-    <p:extLst>
-      <p:ext uri="{BB962C8B-B14F-4D97-AF65-F5344CB8AC3E}">
-        <p14:creationId xmlns:p14="http://schemas.microsoft.com/office/powerpoint/2010/main" val="1151420140"/>
-      </p:ext>
-    </p:extLst>
-  </p:cSld>
-  <p:clrMapOvr>
-    <a:masterClrMapping/>
-  </p:clrMapOvr>
-</p:sld>
-</file>
-
-<file path=ppt/slides/slide14.xml><?xml version="1.0" encoding="utf-8"?>
-<p:sld xmlns:a="http://schemas.openxmlformats.org/drawingml/2006/main" xmlns:r="http://schemas.openxmlformats.org/officeDocument/2006/relationships" xmlns:p="http://schemas.openxmlformats.org/presentationml/2006/main">
-  <p:cSld>
-    <p:spTree>
-      <p:nvGrpSpPr>
-        <p:cNvPr id="1" name=""/>
-        <p:cNvGrpSpPr/>
-        <p:nvPr/>
-      </p:nvGrpSpPr>
-      <p:grpSpPr>
-        <a:xfrm>
-          <a:off x="0" y="0"/>
-          <a:ext cx="0" cy="0"/>
-          <a:chOff x="0" y="0"/>
-          <a:chExt cx="0" cy="0"/>
-        </a:xfrm>
-      </p:grpSpPr>
-      <p:sp>
-        <p:nvSpPr>
-          <p:cNvPr id="2" name="Title 1">
-            <a:extLst>
-              <a:ext uri="{FF2B5EF4-FFF2-40B4-BE49-F238E27FC236}">
                 <a16:creationId xmlns:a16="http://schemas.microsoft.com/office/drawing/2014/main" id="{7A9E9A3C-C135-1E3C-83A6-2CA3539385F0}"/>
               </a:ext>
             </a:extLst>
@@ -5343,7 +4677,7 @@
           <a:p>
             <a:fld id="{E1749D0C-AFA5-4E71-A65E-422F634B557B}" type="slidenum">
               <a:rPr lang="en-US" smtClean="0"/>
-              <a:t>14</a:t>
+              <a:t>12</a:t>
             </a:fld>
             <a:endParaRPr lang="en-US"/>
           </a:p>
@@ -5392,7 +4726,7 @@
 </p:sld>
 </file>
 
-<file path=ppt/slides/slide15.xml><?xml version="1.0" encoding="utf-8"?>
+<file path=ppt/slides/slide13.xml><?xml version="1.0" encoding="utf-8"?>
 <p:sld xmlns:a="http://schemas.openxmlformats.org/drawingml/2006/main" xmlns:r="http://schemas.openxmlformats.org/officeDocument/2006/relationships" xmlns:p="http://schemas.openxmlformats.org/presentationml/2006/main">
   <p:cSld>
     <p:spTree>
@@ -5492,7 +4826,7 @@
           <a:p>
             <a:fld id="{E1749D0C-AFA5-4E71-A65E-422F634B557B}" type="slidenum">
               <a:rPr lang="en-US" smtClean="0"/>
-              <a:t>15</a:t>
+              <a:t>13</a:t>
             </a:fld>
             <a:endParaRPr lang="en-US"/>
           </a:p>
@@ -5556,7 +4890,7 @@
 </p:sld>
 </file>
 
-<file path=ppt/slides/slide16.xml><?xml version="1.0" encoding="utf-8"?>
+<file path=ppt/slides/slide14.xml><?xml version="1.0" encoding="utf-8"?>
 <p:sld xmlns:a="http://schemas.openxmlformats.org/drawingml/2006/main" xmlns:r="http://schemas.openxmlformats.org/officeDocument/2006/relationships" xmlns:p="http://schemas.openxmlformats.org/presentationml/2006/main">
   <p:cSld>
     <p:spTree>
@@ -5650,7 +4984,7 @@
           <a:p>
             <a:fld id="{E1749D0C-AFA5-4E71-A65E-422F634B557B}" type="slidenum">
               <a:rPr lang="en-US" smtClean="0"/>
-              <a:t>16</a:t>
+              <a:t>14</a:t>
             </a:fld>
             <a:endParaRPr lang="en-US"/>
           </a:p>
@@ -5699,7 +5033,7 @@
 </p:sld>
 </file>
 
-<file path=ppt/slides/slide17.xml><?xml version="1.0" encoding="utf-8"?>
+<file path=ppt/slides/slide15.xml><?xml version="1.0" encoding="utf-8"?>
 <p:sld xmlns:a="http://schemas.openxmlformats.org/drawingml/2006/main" xmlns:r="http://schemas.openxmlformats.org/officeDocument/2006/relationships" xmlns:p="http://schemas.openxmlformats.org/presentationml/2006/main">
   <p:cSld>
     <p:spTree>
@@ -5793,7 +5127,7 @@
           <a:p>
             <a:fld id="{E1749D0C-AFA5-4E71-A65E-422F634B557B}" type="slidenum">
               <a:rPr lang="en-US" smtClean="0"/>
-              <a:t>17</a:t>
+              <a:t>15</a:t>
             </a:fld>
             <a:endParaRPr lang="en-US"/>
           </a:p>
@@ -5842,6 +5176,1066 @@
 </p:sld>
 </file>
 
+<file path=ppt/slides/slide16.xml><?xml version="1.0" encoding="utf-8"?>
+<p:sld xmlns:a="http://schemas.openxmlformats.org/drawingml/2006/main" xmlns:r="http://schemas.openxmlformats.org/officeDocument/2006/relationships" xmlns:p="http://schemas.openxmlformats.org/presentationml/2006/main">
+  <p:cSld>
+    <p:spTree>
+      <p:nvGrpSpPr>
+        <p:cNvPr id="1" name=""/>
+        <p:cNvGrpSpPr/>
+        <p:nvPr/>
+      </p:nvGrpSpPr>
+      <p:grpSpPr>
+        <a:xfrm>
+          <a:off x="0" y="0"/>
+          <a:ext cx="0" cy="0"/>
+          <a:chOff x="0" y="0"/>
+          <a:chExt cx="0" cy="0"/>
+        </a:xfrm>
+      </p:grpSpPr>
+      <p:sp>
+        <p:nvSpPr>
+          <p:cNvPr id="2" name="Title 1">
+            <a:extLst>
+              <a:ext uri="{FF2B5EF4-FFF2-40B4-BE49-F238E27FC236}">
+                <a16:creationId xmlns:a16="http://schemas.microsoft.com/office/drawing/2014/main" id="{C805A05F-18C1-E3A6-42A3-931AE6FBCC2D}"/>
+              </a:ext>
+            </a:extLst>
+          </p:cNvPr>
+          <p:cNvSpPr>
+            <a:spLocks noGrp="1"/>
+          </p:cNvSpPr>
+          <p:nvPr>
+            <p:ph type="title"/>
+          </p:nvPr>
+        </p:nvSpPr>
+        <p:spPr/>
+        <p:txBody>
+          <a:bodyPr/>
+          <a:lstStyle/>
+          <a:p>
+            <a:pPr algn="ctr"/>
+            <a:r>
+              <a:rPr lang="en-US" dirty="0" err="1">
+                <a:latin typeface="JetBrains Mono SemiBold" panose="02000009000000000000" pitchFamily="49" charset="0"/>
+                <a:ea typeface="JetBrains Mono SemiBold" panose="02000009000000000000" pitchFamily="49" charset="0"/>
+                <a:cs typeface="JetBrains Mono SemiBold" panose="02000009000000000000" pitchFamily="49" charset="0"/>
+              </a:rPr>
+              <a:t>Ön</a:t>
+            </a:r>
+            <a:r>
+              <a:rPr lang="en-US" dirty="0">
+                <a:latin typeface="JetBrains Mono SemiBold" panose="02000009000000000000" pitchFamily="49" charset="0"/>
+                <a:ea typeface="JetBrains Mono SemiBold" panose="02000009000000000000" pitchFamily="49" charset="0"/>
+                <a:cs typeface="JetBrains Mono SemiBold" panose="02000009000000000000" pitchFamily="49" charset="0"/>
+              </a:rPr>
+              <a:t> </a:t>
+            </a:r>
+            <a:r>
+              <a:rPr lang="en-US" dirty="0" err="1">
+                <a:latin typeface="JetBrains Mono SemiBold" panose="02000009000000000000" pitchFamily="49" charset="0"/>
+                <a:ea typeface="JetBrains Mono SemiBold" panose="02000009000000000000" pitchFamily="49" charset="0"/>
+                <a:cs typeface="JetBrains Mono SemiBold" panose="02000009000000000000" pitchFamily="49" charset="0"/>
+              </a:rPr>
+              <a:t>işleme</a:t>
+            </a:r>
+            <a:r>
+              <a:rPr lang="en-US" dirty="0">
+                <a:latin typeface="JetBrains Mono SemiBold" panose="02000009000000000000" pitchFamily="49" charset="0"/>
+                <a:ea typeface="JetBrains Mono SemiBold" panose="02000009000000000000" pitchFamily="49" charset="0"/>
+                <a:cs typeface="JetBrains Mono SemiBold" panose="02000009000000000000" pitchFamily="49" charset="0"/>
+              </a:rPr>
+              <a:t> </a:t>
+            </a:r>
+            <a:r>
+              <a:rPr lang="en-US" dirty="0" err="1">
+                <a:latin typeface="JetBrains Mono SemiBold" panose="02000009000000000000" pitchFamily="49" charset="0"/>
+                <a:ea typeface="JetBrains Mono SemiBold" panose="02000009000000000000" pitchFamily="49" charset="0"/>
+                <a:cs typeface="JetBrains Mono SemiBold" panose="02000009000000000000" pitchFamily="49" charset="0"/>
+              </a:rPr>
+              <a:t>ve</a:t>
+            </a:r>
+            <a:r>
+              <a:rPr lang="en-US" dirty="0">
+                <a:latin typeface="JetBrains Mono SemiBold" panose="02000009000000000000" pitchFamily="49" charset="0"/>
+                <a:ea typeface="JetBrains Mono SemiBold" panose="02000009000000000000" pitchFamily="49" charset="0"/>
+                <a:cs typeface="JetBrains Mono SemiBold" panose="02000009000000000000" pitchFamily="49" charset="0"/>
+              </a:rPr>
+              <a:t> </a:t>
+            </a:r>
+            <a:r>
+              <a:rPr lang="en-US" dirty="0" err="1">
+                <a:latin typeface="JetBrains Mono SemiBold" panose="02000009000000000000" pitchFamily="49" charset="0"/>
+                <a:ea typeface="JetBrains Mono SemiBold" panose="02000009000000000000" pitchFamily="49" charset="0"/>
+                <a:cs typeface="JetBrains Mono SemiBold" panose="02000009000000000000" pitchFamily="49" charset="0"/>
+              </a:rPr>
+              <a:t>Sorgular</a:t>
+            </a:r>
+            <a:endParaRPr lang="en-US" dirty="0">
+              <a:latin typeface="JetBrains Mono SemiBold" panose="02000009000000000000" pitchFamily="49" charset="0"/>
+              <a:ea typeface="JetBrains Mono SemiBold" panose="02000009000000000000" pitchFamily="49" charset="0"/>
+              <a:cs typeface="JetBrains Mono SemiBold" panose="02000009000000000000" pitchFamily="49" charset="0"/>
+            </a:endParaRPr>
+          </a:p>
+        </p:txBody>
+      </p:sp>
+      <p:sp>
+        <p:nvSpPr>
+          <p:cNvPr id="3" name="Content Placeholder 2">
+            <a:extLst>
+              <a:ext uri="{FF2B5EF4-FFF2-40B4-BE49-F238E27FC236}">
+                <a16:creationId xmlns:a16="http://schemas.microsoft.com/office/drawing/2014/main" id="{24C729EA-0F7D-1C36-6101-4C38A171FCAE}"/>
+              </a:ext>
+            </a:extLst>
+          </p:cNvPr>
+          <p:cNvSpPr>
+            <a:spLocks noGrp="1"/>
+          </p:cNvSpPr>
+          <p:nvPr>
+            <p:ph idx="1"/>
+          </p:nvPr>
+        </p:nvSpPr>
+        <p:spPr/>
+        <p:txBody>
+          <a:bodyPr vert="horz" lIns="91440" tIns="45720" rIns="91440" bIns="45720" rtlCol="0" anchor="t">
+            <a:noAutofit/>
+          </a:bodyPr>
+          <a:lstStyle/>
+          <a:p>
+            <a:pPr marL="0" indent="0">
+              <a:buNone/>
+            </a:pPr>
+            <a:r>
+              <a:rPr lang="en-US" b="1" dirty="0" err="1">
+                <a:latin typeface="JetBrains Mono ExtraBold" panose="02000009000000000000" pitchFamily="49" charset="0"/>
+                <a:ea typeface="JetBrains Mono ExtraBold" panose="02000009000000000000" pitchFamily="49" charset="0"/>
+                <a:cs typeface="JetBrains Mono ExtraBold" panose="02000009000000000000" pitchFamily="49" charset="0"/>
+              </a:rPr>
+              <a:t>Ön</a:t>
+            </a:r>
+            <a:r>
+              <a:rPr lang="en-US" b="1" dirty="0">
+                <a:latin typeface="JetBrains Mono ExtraBold" panose="02000009000000000000" pitchFamily="49" charset="0"/>
+                <a:ea typeface="JetBrains Mono ExtraBold" panose="02000009000000000000" pitchFamily="49" charset="0"/>
+                <a:cs typeface="JetBrains Mono ExtraBold" panose="02000009000000000000" pitchFamily="49" charset="0"/>
+              </a:rPr>
+              <a:t> </a:t>
+            </a:r>
+            <a:r>
+              <a:rPr lang="en-US" b="1" dirty="0" err="1">
+                <a:latin typeface="JetBrains Mono ExtraBold" panose="02000009000000000000" pitchFamily="49" charset="0"/>
+                <a:ea typeface="JetBrains Mono ExtraBold" panose="02000009000000000000" pitchFamily="49" charset="0"/>
+                <a:cs typeface="JetBrains Mono ExtraBold" panose="02000009000000000000" pitchFamily="49" charset="0"/>
+              </a:rPr>
+              <a:t>İşleme</a:t>
+            </a:r>
+            <a:r>
+              <a:rPr lang="en-US" b="1" dirty="0">
+                <a:latin typeface="JetBrains Mono ExtraBold" panose="02000009000000000000" pitchFamily="49" charset="0"/>
+                <a:ea typeface="JetBrains Mono ExtraBold" panose="02000009000000000000" pitchFamily="49" charset="0"/>
+                <a:cs typeface="JetBrains Mono ExtraBold" panose="02000009000000000000" pitchFamily="49" charset="0"/>
+              </a:rPr>
+              <a:t> </a:t>
+            </a:r>
+            <a:r>
+              <a:rPr lang="en-US" b="1" dirty="0" err="1">
+                <a:latin typeface="JetBrains Mono ExtraBold" panose="02000009000000000000" pitchFamily="49" charset="0"/>
+                <a:ea typeface="JetBrains Mono ExtraBold" panose="02000009000000000000" pitchFamily="49" charset="0"/>
+                <a:cs typeface="JetBrains Mono ExtraBold" panose="02000009000000000000" pitchFamily="49" charset="0"/>
+              </a:rPr>
+              <a:t>Süresi</a:t>
+            </a:r>
+            <a:r>
+              <a:rPr lang="en-US" b="1" dirty="0">
+                <a:latin typeface="JetBrains Mono ExtraBold" panose="02000009000000000000" pitchFamily="49" charset="0"/>
+                <a:ea typeface="JetBrains Mono ExtraBold" panose="02000009000000000000" pitchFamily="49" charset="0"/>
+                <a:cs typeface="JetBrains Mono ExtraBold" panose="02000009000000000000" pitchFamily="49" charset="0"/>
+              </a:rPr>
+              <a:t>: </a:t>
+            </a:r>
+            <a:r>
+              <a:rPr lang="en-US" dirty="0">
+                <a:latin typeface="JetBrains Mono SemiBold"/>
+                <a:cs typeface="Times New Roman"/>
+              </a:rPr>
+              <a:t>Contraction Hierarchies (CH), </a:t>
+            </a:r>
+            <a:r>
+              <a:rPr lang="en-US" dirty="0" err="1">
+                <a:latin typeface="JetBrains Mono SemiBold"/>
+                <a:cs typeface="Times New Roman"/>
+              </a:rPr>
+              <a:t>hiyerarşik</a:t>
+            </a:r>
+            <a:r>
+              <a:rPr lang="en-US" dirty="0">
+                <a:latin typeface="JetBrains Mono SemiBold"/>
+                <a:cs typeface="Times New Roman"/>
+              </a:rPr>
+              <a:t> </a:t>
+            </a:r>
+            <a:r>
+              <a:rPr lang="en-US" dirty="0" err="1">
+                <a:latin typeface="JetBrains Mono SemiBold"/>
+                <a:cs typeface="Times New Roman"/>
+              </a:rPr>
+              <a:t>yapıyı</a:t>
+            </a:r>
+            <a:r>
+              <a:rPr lang="en-US" dirty="0">
+                <a:latin typeface="JetBrains Mono SemiBold"/>
+                <a:cs typeface="Times New Roman"/>
+              </a:rPr>
+              <a:t> </a:t>
+            </a:r>
+            <a:r>
+              <a:rPr lang="en-US" dirty="0" err="1">
+                <a:latin typeface="JetBrains Mono SemiBold"/>
+                <a:cs typeface="Times New Roman"/>
+              </a:rPr>
+              <a:t>oluşturmak</a:t>
+            </a:r>
+            <a:r>
+              <a:rPr lang="en-US" dirty="0">
+                <a:latin typeface="JetBrains Mono SemiBold"/>
+                <a:cs typeface="Times New Roman"/>
+              </a:rPr>
+              <a:t> </a:t>
+            </a:r>
+            <a:r>
+              <a:rPr lang="en-US" dirty="0" err="1">
+                <a:latin typeface="JetBrains Mono SemiBold"/>
+                <a:cs typeface="Times New Roman"/>
+              </a:rPr>
+              <a:t>için</a:t>
+            </a:r>
+            <a:r>
+              <a:rPr lang="en-US" dirty="0">
+                <a:latin typeface="JetBrains Mono SemiBold"/>
+                <a:cs typeface="Times New Roman"/>
+              </a:rPr>
+              <a:t> </a:t>
+            </a:r>
+            <a:r>
+              <a:rPr lang="en-US" dirty="0">
+                <a:solidFill>
+                  <a:srgbClr val="D73A49"/>
+                </a:solidFill>
+                <a:latin typeface="JetBrains Mono SemiBold"/>
+                <a:cs typeface="Times New Roman"/>
+              </a:rPr>
+              <a:t>1.74383s</a:t>
+            </a:r>
+            <a:r>
+              <a:rPr lang="en-US" dirty="0">
+                <a:latin typeface="JetBrains Mono SemiBold"/>
+                <a:cs typeface="Times New Roman"/>
+              </a:rPr>
+              <a:t> </a:t>
+            </a:r>
+            <a:r>
+              <a:rPr lang="en-US" dirty="0" err="1">
+                <a:latin typeface="JetBrains Mono SemiBold"/>
+                <a:cs typeface="Times New Roman"/>
+              </a:rPr>
+              <a:t>gibi</a:t>
+            </a:r>
+            <a:r>
+              <a:rPr lang="en-US" dirty="0">
+                <a:latin typeface="JetBrains Mono SemiBold"/>
+                <a:cs typeface="Times New Roman"/>
+              </a:rPr>
+              <a:t> </a:t>
+            </a:r>
+            <a:r>
+              <a:rPr lang="en-US" dirty="0" err="1">
+                <a:latin typeface="JetBrains Mono SemiBold"/>
+                <a:cs typeface="Times New Roman"/>
+              </a:rPr>
+              <a:t>önemli</a:t>
+            </a:r>
+            <a:r>
+              <a:rPr lang="en-US" dirty="0">
+                <a:latin typeface="JetBrains Mono SemiBold"/>
+                <a:cs typeface="Times New Roman"/>
+              </a:rPr>
+              <a:t> </a:t>
+            </a:r>
+            <a:r>
+              <a:rPr lang="en-US" dirty="0" err="1">
+                <a:latin typeface="JetBrains Mono SemiBold"/>
+                <a:cs typeface="Times New Roman"/>
+              </a:rPr>
+              <a:t>bir</a:t>
+            </a:r>
+            <a:r>
+              <a:rPr lang="en-US" dirty="0">
+                <a:latin typeface="JetBrains Mono SemiBold"/>
+                <a:cs typeface="Times New Roman"/>
+              </a:rPr>
+              <a:t> </a:t>
+            </a:r>
+            <a:r>
+              <a:rPr lang="en-US" dirty="0" err="1">
+                <a:latin typeface="JetBrains Mono SemiBold"/>
+                <a:cs typeface="Times New Roman"/>
+              </a:rPr>
+              <a:t>ön</a:t>
+            </a:r>
+            <a:r>
+              <a:rPr lang="en-US" dirty="0">
+                <a:latin typeface="JetBrains Mono SemiBold"/>
+                <a:cs typeface="Times New Roman"/>
+              </a:rPr>
+              <a:t> </a:t>
+            </a:r>
+            <a:r>
+              <a:rPr lang="en-US" dirty="0" err="1">
+                <a:latin typeface="JetBrains Mono SemiBold"/>
+                <a:cs typeface="Times New Roman"/>
+              </a:rPr>
+              <a:t>işleme</a:t>
+            </a:r>
+            <a:r>
+              <a:rPr lang="en-US" dirty="0">
+                <a:latin typeface="JetBrains Mono SemiBold"/>
+                <a:cs typeface="Times New Roman"/>
+              </a:rPr>
+              <a:t> </a:t>
+            </a:r>
+            <a:r>
+              <a:rPr lang="en-US" dirty="0" err="1">
+                <a:latin typeface="JetBrains Mono SemiBold"/>
+                <a:cs typeface="Times New Roman"/>
+              </a:rPr>
+              <a:t>süresi</a:t>
+            </a:r>
+            <a:r>
+              <a:rPr lang="en-US" dirty="0">
+                <a:latin typeface="JetBrains Mono SemiBold"/>
+                <a:cs typeface="Times New Roman"/>
+              </a:rPr>
+              <a:t> </a:t>
+            </a:r>
+            <a:r>
+              <a:rPr lang="en-US" dirty="0" err="1">
+                <a:latin typeface="JetBrains Mono SemiBold"/>
+                <a:cs typeface="Times New Roman"/>
+              </a:rPr>
+              <a:t>gerektirir</a:t>
+            </a:r>
+            <a:r>
+              <a:rPr lang="en-US" dirty="0">
+                <a:latin typeface="JetBrains Mono SemiBold"/>
+                <a:cs typeface="Times New Roman"/>
+              </a:rPr>
+              <a:t>. Bu, </a:t>
+            </a:r>
+            <a:r>
+              <a:rPr lang="en-US" dirty="0" err="1">
+                <a:latin typeface="JetBrains Mono SemiBold"/>
+                <a:cs typeface="Times New Roman"/>
+              </a:rPr>
+              <a:t>daha</a:t>
+            </a:r>
+            <a:r>
+              <a:rPr lang="en-US" dirty="0">
+                <a:latin typeface="JetBrains Mono SemiBold"/>
+                <a:cs typeface="Times New Roman"/>
+              </a:rPr>
+              <a:t> </a:t>
+            </a:r>
+            <a:r>
+              <a:rPr lang="en-US" dirty="0" err="1">
+                <a:latin typeface="JetBrains Mono SemiBold"/>
+                <a:cs typeface="Times New Roman"/>
+              </a:rPr>
+              <a:t>hızlı</a:t>
+            </a:r>
+            <a:r>
+              <a:rPr lang="en-US" dirty="0">
+                <a:latin typeface="JetBrains Mono SemiBold"/>
+                <a:cs typeface="Times New Roman"/>
+              </a:rPr>
+              <a:t> </a:t>
+            </a:r>
+            <a:r>
+              <a:rPr lang="en-US" dirty="0" err="1">
+                <a:latin typeface="JetBrains Mono SemiBold"/>
+                <a:cs typeface="Times New Roman"/>
+              </a:rPr>
+              <a:t>sorgulamalar</a:t>
+            </a:r>
+            <a:r>
+              <a:rPr lang="en-US" dirty="0">
+                <a:latin typeface="JetBrains Mono SemiBold"/>
+                <a:cs typeface="Times New Roman"/>
+              </a:rPr>
+              <a:t> </a:t>
+            </a:r>
+            <a:r>
+              <a:rPr lang="en-US" dirty="0" err="1">
+                <a:latin typeface="JetBrains Mono SemiBold"/>
+                <a:cs typeface="Times New Roman"/>
+              </a:rPr>
+              <a:t>için</a:t>
+            </a:r>
+            <a:r>
+              <a:rPr lang="en-US" dirty="0">
+                <a:latin typeface="JetBrains Mono SemiBold"/>
+                <a:cs typeface="Times New Roman"/>
+              </a:rPr>
+              <a:t> </a:t>
+            </a:r>
+            <a:r>
+              <a:rPr lang="en-US" dirty="0" err="1">
+                <a:latin typeface="JetBrains Mono SemiBold"/>
+                <a:cs typeface="Times New Roman"/>
+              </a:rPr>
+              <a:t>bir</a:t>
+            </a:r>
+            <a:r>
+              <a:rPr lang="en-US" dirty="0">
+                <a:latin typeface="JetBrains Mono SemiBold"/>
+                <a:cs typeface="Times New Roman"/>
+              </a:rPr>
+              <a:t> </a:t>
+            </a:r>
+            <a:r>
+              <a:rPr lang="en-US" dirty="0" err="1">
+                <a:latin typeface="JetBrains Mono SemiBold"/>
+                <a:cs typeface="Times New Roman"/>
+              </a:rPr>
+              <a:t>defaya</a:t>
+            </a:r>
+            <a:r>
+              <a:rPr lang="en-US" dirty="0">
+                <a:latin typeface="JetBrains Mono SemiBold"/>
+                <a:cs typeface="Times New Roman"/>
+              </a:rPr>
+              <a:t> </a:t>
+            </a:r>
+            <a:r>
+              <a:rPr lang="en-US" dirty="0" err="1">
+                <a:latin typeface="JetBrains Mono SemiBold"/>
+                <a:cs typeface="Times New Roman"/>
+              </a:rPr>
+              <a:t>mahsus</a:t>
+            </a:r>
+            <a:r>
+              <a:rPr lang="en-US" dirty="0">
+                <a:latin typeface="JetBrains Mono SemiBold"/>
+                <a:cs typeface="Times New Roman"/>
+              </a:rPr>
+              <a:t> </a:t>
+            </a:r>
+            <a:r>
+              <a:rPr lang="en-US" dirty="0" err="1">
+                <a:latin typeface="JetBrains Mono SemiBold"/>
+                <a:cs typeface="Times New Roman"/>
+              </a:rPr>
+              <a:t>bir</a:t>
+            </a:r>
+            <a:r>
+              <a:rPr lang="en-US" dirty="0">
+                <a:latin typeface="JetBrains Mono SemiBold"/>
+                <a:cs typeface="Times New Roman"/>
+              </a:rPr>
+              <a:t> </a:t>
+            </a:r>
+            <a:r>
+              <a:rPr lang="en-US" dirty="0" err="1">
+                <a:latin typeface="JetBrains Mono SemiBold"/>
+                <a:cs typeface="Times New Roman"/>
+              </a:rPr>
+              <a:t>maliyettir</a:t>
+            </a:r>
+            <a:r>
+              <a:rPr lang="en-US" dirty="0">
+                <a:latin typeface="JetBrains Mono SemiBold"/>
+                <a:cs typeface="Times New Roman"/>
+              </a:rPr>
+              <a:t>.</a:t>
+            </a:r>
+            <a:endParaRPr lang="en-US" dirty="0">
+              <a:latin typeface="JetBrains Mono SemiBold"/>
+              <a:ea typeface="Calibri" panose="020F0502020204030204"/>
+              <a:cs typeface="Calibri" panose="020F0502020204030204"/>
+            </a:endParaRPr>
+          </a:p>
+          <a:p>
+            <a:pPr marL="0" indent="0">
+              <a:buNone/>
+            </a:pPr>
+            <a:r>
+              <a:rPr lang="en-US" b="1" dirty="0" err="1">
+                <a:latin typeface="JetBrains Mono ExtraBold" panose="02000009000000000000" pitchFamily="49" charset="0"/>
+                <a:ea typeface="JetBrains Mono ExtraBold" panose="02000009000000000000" pitchFamily="49" charset="0"/>
+                <a:cs typeface="JetBrains Mono ExtraBold" panose="02000009000000000000" pitchFamily="49" charset="0"/>
+              </a:rPr>
+              <a:t>Sorgu</a:t>
+            </a:r>
+            <a:r>
+              <a:rPr lang="en-US" b="1" dirty="0">
+                <a:latin typeface="JetBrains Mono ExtraBold" panose="02000009000000000000" pitchFamily="49" charset="0"/>
+                <a:ea typeface="JetBrains Mono ExtraBold" panose="02000009000000000000" pitchFamily="49" charset="0"/>
+                <a:cs typeface="JetBrains Mono ExtraBold" panose="02000009000000000000" pitchFamily="49" charset="0"/>
+              </a:rPr>
+              <a:t> </a:t>
+            </a:r>
+            <a:r>
+              <a:rPr lang="en-US" b="1" dirty="0" err="1">
+                <a:latin typeface="JetBrains Mono ExtraBold" panose="02000009000000000000" pitchFamily="49" charset="0"/>
+                <a:ea typeface="JetBrains Mono ExtraBold" panose="02000009000000000000" pitchFamily="49" charset="0"/>
+                <a:cs typeface="JetBrains Mono ExtraBold" panose="02000009000000000000" pitchFamily="49" charset="0"/>
+              </a:rPr>
+              <a:t>Süresi</a:t>
+            </a:r>
+            <a:r>
+              <a:rPr lang="en-US" b="1" dirty="0">
+                <a:latin typeface="JetBrains Mono ExtraBold" panose="02000009000000000000" pitchFamily="49" charset="0"/>
+                <a:ea typeface="JetBrains Mono ExtraBold" panose="02000009000000000000" pitchFamily="49" charset="0"/>
+                <a:cs typeface="JetBrains Mono ExtraBold" panose="02000009000000000000" pitchFamily="49" charset="0"/>
+              </a:rPr>
+              <a:t>:</a:t>
+            </a:r>
+            <a:endParaRPr lang="en-US" dirty="0">
+              <a:latin typeface="JetBrains Mono ExtraBold" panose="02000009000000000000" pitchFamily="49" charset="0"/>
+              <a:ea typeface="JetBrains Mono ExtraBold" panose="02000009000000000000" pitchFamily="49" charset="0"/>
+              <a:cs typeface="JetBrains Mono ExtraBold" panose="02000009000000000000" pitchFamily="49" charset="0"/>
+            </a:endParaRPr>
+          </a:p>
+          <a:p>
+            <a:pPr marL="0" indent="0">
+              <a:buNone/>
+            </a:pPr>
+            <a:r>
+              <a:rPr lang="en-US" dirty="0">
+                <a:solidFill>
+                  <a:srgbClr val="D73A49"/>
+                </a:solidFill>
+                <a:latin typeface="JetBrains Mono SemiBold"/>
+                <a:cs typeface="Times New Roman"/>
+              </a:rPr>
+              <a:t>Contraction Hierarchies: 0.0032s </a:t>
+            </a:r>
+          </a:p>
+          <a:p>
+            <a:pPr marL="0" indent="0">
+              <a:buNone/>
+            </a:pPr>
+            <a:r>
+              <a:rPr lang="en-US" dirty="0">
+                <a:solidFill>
+                  <a:srgbClr val="7030A0"/>
+                </a:solidFill>
+                <a:latin typeface="JetBrains Mono SemiBold"/>
+                <a:cs typeface="Times New Roman"/>
+              </a:rPr>
+              <a:t>Dijkstra: 0.0156s</a:t>
+            </a:r>
+            <a:endParaRPr lang="en-US" dirty="0">
+              <a:solidFill>
+                <a:srgbClr val="7030A0"/>
+              </a:solidFill>
+              <a:latin typeface="JetBrains Mono SemiBold"/>
+            </a:endParaRPr>
+          </a:p>
+        </p:txBody>
+      </p:sp>
+      <p:sp>
+        <p:nvSpPr>
+          <p:cNvPr id="4" name="Slide Number Placeholder 3">
+            <a:extLst>
+              <a:ext uri="{FF2B5EF4-FFF2-40B4-BE49-F238E27FC236}">
+                <a16:creationId xmlns:a16="http://schemas.microsoft.com/office/drawing/2014/main" id="{8A35C608-16FC-CE98-4C39-6477150EA9DA}"/>
+              </a:ext>
+            </a:extLst>
+          </p:cNvPr>
+          <p:cNvSpPr>
+            <a:spLocks noGrp="1"/>
+          </p:cNvSpPr>
+          <p:nvPr>
+            <p:ph type="sldNum" sz="quarter" idx="12"/>
+          </p:nvPr>
+        </p:nvSpPr>
+        <p:spPr/>
+        <p:txBody>
+          <a:bodyPr/>
+          <a:lstStyle/>
+          <a:p>
+            <a:fld id="{E1749D0C-AFA5-4E71-A65E-422F634B557B}" type="slidenum">
+              <a:rPr lang="en-US" smtClean="0"/>
+              <a:t>16</a:t>
+            </a:fld>
+            <a:endParaRPr lang="en-US"/>
+          </a:p>
+        </p:txBody>
+      </p:sp>
+    </p:spTree>
+    <p:extLst>
+      <p:ext uri="{BB962C8B-B14F-4D97-AF65-F5344CB8AC3E}">
+        <p14:creationId xmlns:p14="http://schemas.microsoft.com/office/powerpoint/2010/main" val="2819784291"/>
+      </p:ext>
+    </p:extLst>
+  </p:cSld>
+  <p:clrMapOvr>
+    <a:masterClrMapping/>
+  </p:clrMapOvr>
+</p:sld>
+</file>
+
+<file path=ppt/slides/slide17.xml><?xml version="1.0" encoding="utf-8"?>
+<p:sld xmlns:a="http://schemas.openxmlformats.org/drawingml/2006/main" xmlns:r="http://schemas.openxmlformats.org/officeDocument/2006/relationships" xmlns:p="http://schemas.openxmlformats.org/presentationml/2006/main">
+  <p:cSld>
+    <p:spTree>
+      <p:nvGrpSpPr>
+        <p:cNvPr id="1" name=""/>
+        <p:cNvGrpSpPr/>
+        <p:nvPr/>
+      </p:nvGrpSpPr>
+      <p:grpSpPr>
+        <a:xfrm>
+          <a:off x="0" y="0"/>
+          <a:ext cx="0" cy="0"/>
+          <a:chOff x="0" y="0"/>
+          <a:chExt cx="0" cy="0"/>
+        </a:xfrm>
+      </p:grpSpPr>
+      <p:sp>
+        <p:nvSpPr>
+          <p:cNvPr id="2" name="Title 1">
+            <a:extLst>
+              <a:ext uri="{FF2B5EF4-FFF2-40B4-BE49-F238E27FC236}">
+                <a16:creationId xmlns:a16="http://schemas.microsoft.com/office/drawing/2014/main" id="{7495C66F-0291-166F-BD5F-896A7938CB8D}"/>
+              </a:ext>
+            </a:extLst>
+          </p:cNvPr>
+          <p:cNvSpPr>
+            <a:spLocks noGrp="1"/>
+          </p:cNvSpPr>
+          <p:nvPr>
+            <p:ph type="title"/>
+          </p:nvPr>
+        </p:nvSpPr>
+        <p:spPr>
+          <a:xfrm>
+            <a:off x="521208" y="392558"/>
+            <a:ext cx="8110728" cy="1325563"/>
+          </a:xfrm>
+        </p:spPr>
+        <p:txBody>
+          <a:bodyPr>
+            <a:normAutofit/>
+          </a:bodyPr>
+          <a:lstStyle/>
+          <a:p>
+            <a:pPr algn="ctr"/>
+            <a:r>
+              <a:rPr lang="en-US" sz="4000" dirty="0" err="1">
+                <a:latin typeface="JetBrains Mono SemiBold" panose="02000009000000000000" pitchFamily="49" charset="0"/>
+                <a:ea typeface="JetBrains Mono SemiBold" panose="02000009000000000000" pitchFamily="49" charset="0"/>
+                <a:cs typeface="JetBrains Mono SemiBold" panose="02000009000000000000" pitchFamily="49" charset="0"/>
+              </a:rPr>
+              <a:t>İncelenen</a:t>
+            </a:r>
+            <a:r>
+              <a:rPr lang="en-US" sz="4000" dirty="0">
+                <a:latin typeface="JetBrains Mono SemiBold" panose="02000009000000000000" pitchFamily="49" charset="0"/>
+                <a:ea typeface="JetBrains Mono SemiBold" panose="02000009000000000000" pitchFamily="49" charset="0"/>
+                <a:cs typeface="JetBrains Mono SemiBold" panose="02000009000000000000" pitchFamily="49" charset="0"/>
+              </a:rPr>
+              <a:t> </a:t>
+            </a:r>
+            <a:r>
+              <a:rPr lang="en-US" sz="4000" dirty="0" err="1">
+                <a:latin typeface="JetBrains Mono SemiBold" panose="02000009000000000000" pitchFamily="49" charset="0"/>
+                <a:ea typeface="JetBrains Mono SemiBold" panose="02000009000000000000" pitchFamily="49" charset="0"/>
+                <a:cs typeface="JetBrains Mono SemiBold" panose="02000009000000000000" pitchFamily="49" charset="0"/>
+              </a:rPr>
+              <a:t>Düğüm</a:t>
+            </a:r>
+            <a:r>
+              <a:rPr lang="en-US" sz="4000" dirty="0">
+                <a:latin typeface="JetBrains Mono SemiBold" panose="02000009000000000000" pitchFamily="49" charset="0"/>
+                <a:ea typeface="JetBrains Mono SemiBold" panose="02000009000000000000" pitchFamily="49" charset="0"/>
+                <a:cs typeface="JetBrains Mono SemiBold" panose="02000009000000000000" pitchFamily="49" charset="0"/>
+              </a:rPr>
+              <a:t> </a:t>
+            </a:r>
+            <a:r>
+              <a:rPr lang="en-US" sz="4000" dirty="0" err="1">
+                <a:latin typeface="JetBrains Mono SemiBold" panose="02000009000000000000" pitchFamily="49" charset="0"/>
+                <a:ea typeface="JetBrains Mono SemiBold" panose="02000009000000000000" pitchFamily="49" charset="0"/>
+                <a:cs typeface="JetBrains Mono SemiBold" panose="02000009000000000000" pitchFamily="49" charset="0"/>
+              </a:rPr>
+              <a:t>Sayıları</a:t>
+            </a:r>
+            <a:endParaRPr lang="en-US" sz="4000" dirty="0">
+              <a:latin typeface="JetBrains Mono SemiBold" panose="02000009000000000000" pitchFamily="49" charset="0"/>
+              <a:ea typeface="JetBrains Mono SemiBold" panose="02000009000000000000" pitchFamily="49" charset="0"/>
+              <a:cs typeface="JetBrains Mono SemiBold" panose="02000009000000000000" pitchFamily="49" charset="0"/>
+            </a:endParaRPr>
+          </a:p>
+        </p:txBody>
+      </p:sp>
+      <p:sp>
+        <p:nvSpPr>
+          <p:cNvPr id="3" name="Content Placeholder 2">
+            <a:extLst>
+              <a:ext uri="{FF2B5EF4-FFF2-40B4-BE49-F238E27FC236}">
+                <a16:creationId xmlns:a16="http://schemas.microsoft.com/office/drawing/2014/main" id="{FFFBFA72-8C1A-0654-D6D9-B2E6E7E5E070}"/>
+              </a:ext>
+            </a:extLst>
+          </p:cNvPr>
+          <p:cNvSpPr>
+            <a:spLocks noGrp="1"/>
+          </p:cNvSpPr>
+          <p:nvPr>
+            <p:ph idx="1"/>
+          </p:nvPr>
+        </p:nvSpPr>
+        <p:spPr/>
+        <p:txBody>
+          <a:bodyPr vert="horz" lIns="91440" tIns="45720" rIns="91440" bIns="45720" rtlCol="0" anchor="t">
+            <a:normAutofit/>
+          </a:bodyPr>
+          <a:lstStyle/>
+          <a:p>
+            <a:pPr marL="0" indent="0">
+              <a:buNone/>
+            </a:pPr>
+            <a:r>
+              <a:rPr lang="en-US" b="1" dirty="0" err="1">
+                <a:latin typeface="JetBrains Mono ExtraBold" panose="02000009000000000000" pitchFamily="49" charset="0"/>
+                <a:ea typeface="JetBrains Mono ExtraBold" panose="02000009000000000000" pitchFamily="49" charset="0"/>
+                <a:cs typeface="JetBrains Mono ExtraBold" panose="02000009000000000000" pitchFamily="49" charset="0"/>
+              </a:rPr>
+              <a:t>İncelenen</a:t>
+            </a:r>
+            <a:r>
+              <a:rPr lang="en-US" b="1" dirty="0">
+                <a:latin typeface="JetBrains Mono ExtraBold" panose="02000009000000000000" pitchFamily="49" charset="0"/>
+                <a:ea typeface="JetBrains Mono ExtraBold" panose="02000009000000000000" pitchFamily="49" charset="0"/>
+                <a:cs typeface="JetBrains Mono ExtraBold" panose="02000009000000000000" pitchFamily="49" charset="0"/>
+              </a:rPr>
+              <a:t> </a:t>
+            </a:r>
+            <a:r>
+              <a:rPr lang="en-US" b="1" dirty="0" err="1">
+                <a:latin typeface="JetBrains Mono ExtraBold" panose="02000009000000000000" pitchFamily="49" charset="0"/>
+                <a:ea typeface="JetBrains Mono ExtraBold" panose="02000009000000000000" pitchFamily="49" charset="0"/>
+                <a:cs typeface="JetBrains Mono ExtraBold" panose="02000009000000000000" pitchFamily="49" charset="0"/>
+              </a:rPr>
+              <a:t>Düğüm</a:t>
+            </a:r>
+            <a:r>
+              <a:rPr lang="en-US" b="1" dirty="0">
+                <a:latin typeface="JetBrains Mono ExtraBold" panose="02000009000000000000" pitchFamily="49" charset="0"/>
+                <a:ea typeface="JetBrains Mono ExtraBold" panose="02000009000000000000" pitchFamily="49" charset="0"/>
+                <a:cs typeface="JetBrains Mono ExtraBold" panose="02000009000000000000" pitchFamily="49" charset="0"/>
+              </a:rPr>
+              <a:t> </a:t>
+            </a:r>
+            <a:r>
+              <a:rPr lang="en-US" b="1" dirty="0" err="1">
+                <a:latin typeface="JetBrains Mono ExtraBold" panose="02000009000000000000" pitchFamily="49" charset="0"/>
+                <a:ea typeface="JetBrains Mono ExtraBold" panose="02000009000000000000" pitchFamily="49" charset="0"/>
+                <a:cs typeface="JetBrains Mono ExtraBold" panose="02000009000000000000" pitchFamily="49" charset="0"/>
+              </a:rPr>
+              <a:t>Sayısı</a:t>
+            </a:r>
+            <a:r>
+              <a:rPr lang="en-US" b="1" dirty="0">
+                <a:latin typeface="JetBrains Mono ExtraBold" panose="02000009000000000000" pitchFamily="49" charset="0"/>
+                <a:ea typeface="JetBrains Mono ExtraBold" panose="02000009000000000000" pitchFamily="49" charset="0"/>
+                <a:cs typeface="JetBrains Mono ExtraBold" panose="02000009000000000000" pitchFamily="49" charset="0"/>
+              </a:rPr>
+              <a:t>:</a:t>
+            </a:r>
+            <a:endParaRPr lang="en-US" dirty="0">
+              <a:latin typeface="JetBrains Mono ExtraBold" panose="02000009000000000000" pitchFamily="49" charset="0"/>
+              <a:ea typeface="JetBrains Mono ExtraBold" panose="02000009000000000000" pitchFamily="49" charset="0"/>
+              <a:cs typeface="JetBrains Mono ExtraBold" panose="02000009000000000000" pitchFamily="49" charset="0"/>
+            </a:endParaRPr>
+          </a:p>
+          <a:p>
+            <a:pPr marL="0" indent="0">
+              <a:buNone/>
+            </a:pPr>
+            <a:r>
+              <a:rPr lang="en-US" dirty="0">
+                <a:solidFill>
+                  <a:srgbClr val="D73A49"/>
+                </a:solidFill>
+                <a:latin typeface="JetBrains Mono SemiBold" panose="02000009000000000000" pitchFamily="49" charset="0"/>
+                <a:ea typeface="JetBrains Mono SemiBold" panose="02000009000000000000" pitchFamily="49" charset="0"/>
+                <a:cs typeface="JetBrains Mono SemiBold" panose="02000009000000000000" pitchFamily="49" charset="0"/>
+              </a:rPr>
+              <a:t>Contraction Hierarchies: 58 </a:t>
+            </a:r>
+            <a:r>
+              <a:rPr lang="en-US" dirty="0" err="1">
+                <a:solidFill>
+                  <a:srgbClr val="D73A49"/>
+                </a:solidFill>
+                <a:latin typeface="JetBrains Mono SemiBold" panose="02000009000000000000" pitchFamily="49" charset="0"/>
+                <a:ea typeface="JetBrains Mono SemiBold" panose="02000009000000000000" pitchFamily="49" charset="0"/>
+                <a:cs typeface="JetBrains Mono SemiBold" panose="02000009000000000000" pitchFamily="49" charset="0"/>
+              </a:rPr>
+              <a:t>düğüm</a:t>
+            </a:r>
+            <a:endParaRPr lang="en-US" dirty="0">
+              <a:solidFill>
+                <a:srgbClr val="D73A49"/>
+              </a:solidFill>
+              <a:latin typeface="JetBrains Mono SemiBold" panose="02000009000000000000" pitchFamily="49" charset="0"/>
+              <a:ea typeface="JetBrains Mono SemiBold" panose="02000009000000000000" pitchFamily="49" charset="0"/>
+              <a:cs typeface="JetBrains Mono SemiBold" panose="02000009000000000000" pitchFamily="49" charset="0"/>
+            </a:endParaRPr>
+          </a:p>
+          <a:p>
+            <a:pPr marL="0" indent="0">
+              <a:buNone/>
+            </a:pPr>
+            <a:r>
+              <a:rPr lang="en-US" dirty="0">
+                <a:solidFill>
+                  <a:srgbClr val="7030A0"/>
+                </a:solidFill>
+                <a:latin typeface="JetBrains Mono SemiBold" panose="02000009000000000000" pitchFamily="49" charset="0"/>
+                <a:ea typeface="JetBrains Mono SemiBold" panose="02000009000000000000" pitchFamily="49" charset="0"/>
+                <a:cs typeface="JetBrains Mono SemiBold" panose="02000009000000000000" pitchFamily="49" charset="0"/>
+              </a:rPr>
+              <a:t>Dijkstra: 439 </a:t>
+            </a:r>
+            <a:r>
+              <a:rPr lang="en-US" dirty="0" err="1">
+                <a:solidFill>
+                  <a:srgbClr val="7030A0"/>
+                </a:solidFill>
+                <a:latin typeface="JetBrains Mono SemiBold" panose="02000009000000000000" pitchFamily="49" charset="0"/>
+                <a:ea typeface="JetBrains Mono SemiBold" panose="02000009000000000000" pitchFamily="49" charset="0"/>
+                <a:cs typeface="JetBrains Mono SemiBold" panose="02000009000000000000" pitchFamily="49" charset="0"/>
+              </a:rPr>
+              <a:t>düğüm</a:t>
+            </a:r>
+            <a:endParaRPr lang="en-US" dirty="0">
+              <a:solidFill>
+                <a:srgbClr val="7030A0"/>
+              </a:solidFill>
+              <a:latin typeface="JetBrains Mono SemiBold" panose="02000009000000000000" pitchFamily="49" charset="0"/>
+              <a:ea typeface="JetBrains Mono SemiBold" panose="02000009000000000000" pitchFamily="49" charset="0"/>
+              <a:cs typeface="JetBrains Mono SemiBold" panose="02000009000000000000" pitchFamily="49" charset="0"/>
+            </a:endParaRPr>
+          </a:p>
+          <a:p>
+            <a:pPr marL="0" indent="0">
+              <a:buNone/>
+            </a:pPr>
+            <a:endParaRPr lang="en-US" dirty="0">
+              <a:latin typeface="JetBrains Mono SemiBold" panose="02000009000000000000" pitchFamily="49" charset="0"/>
+              <a:ea typeface="JetBrains Mono SemiBold" panose="02000009000000000000" pitchFamily="49" charset="0"/>
+              <a:cs typeface="JetBrains Mono SemiBold" panose="02000009000000000000" pitchFamily="49" charset="0"/>
+            </a:endParaRPr>
+          </a:p>
+          <a:p>
+            <a:pPr marL="0" indent="0">
+              <a:buNone/>
+            </a:pPr>
+            <a:r>
+              <a:rPr lang="en-US" dirty="0">
+                <a:latin typeface="JetBrains Mono SemiBold" panose="02000009000000000000" pitchFamily="49" charset="0"/>
+                <a:ea typeface="JetBrains Mono SemiBold" panose="02000009000000000000" pitchFamily="49" charset="0"/>
+                <a:cs typeface="JetBrains Mono SemiBold" panose="02000009000000000000" pitchFamily="49" charset="0"/>
+              </a:rPr>
+              <a:t>Contraction Hierarchies, </a:t>
+            </a:r>
+            <a:r>
+              <a:rPr lang="en-US" dirty="0" err="1">
+                <a:latin typeface="JetBrains Mono SemiBold" panose="02000009000000000000" pitchFamily="49" charset="0"/>
+                <a:ea typeface="JetBrains Mono SemiBold" panose="02000009000000000000" pitchFamily="49" charset="0"/>
+                <a:cs typeface="JetBrains Mono SemiBold" panose="02000009000000000000" pitchFamily="49" charset="0"/>
+              </a:rPr>
+              <a:t>Dijkstra’ya</a:t>
+            </a:r>
+            <a:r>
+              <a:rPr lang="en-US" dirty="0">
+                <a:latin typeface="JetBrains Mono SemiBold" panose="02000009000000000000" pitchFamily="49" charset="0"/>
+                <a:ea typeface="JetBrains Mono SemiBold" panose="02000009000000000000" pitchFamily="49" charset="0"/>
+                <a:cs typeface="JetBrains Mono SemiBold" panose="02000009000000000000" pitchFamily="49" charset="0"/>
+              </a:rPr>
+              <a:t> </a:t>
+            </a:r>
+            <a:r>
+              <a:rPr lang="en-US" dirty="0" err="1">
+                <a:latin typeface="JetBrains Mono SemiBold" panose="02000009000000000000" pitchFamily="49" charset="0"/>
+                <a:ea typeface="JetBrains Mono SemiBold" panose="02000009000000000000" pitchFamily="49" charset="0"/>
+                <a:cs typeface="JetBrains Mono SemiBold" panose="02000009000000000000" pitchFamily="49" charset="0"/>
+              </a:rPr>
+              <a:t>kıyasla</a:t>
+            </a:r>
+            <a:r>
+              <a:rPr lang="en-US" dirty="0">
+                <a:latin typeface="JetBrains Mono SemiBold" panose="02000009000000000000" pitchFamily="49" charset="0"/>
+                <a:ea typeface="JetBrains Mono SemiBold" panose="02000009000000000000" pitchFamily="49" charset="0"/>
+                <a:cs typeface="JetBrains Mono SemiBold" panose="02000009000000000000" pitchFamily="49" charset="0"/>
+              </a:rPr>
+              <a:t> </a:t>
+            </a:r>
+            <a:r>
+              <a:rPr lang="en-US" dirty="0" err="1">
+                <a:latin typeface="JetBrains Mono SemiBold" panose="02000009000000000000" pitchFamily="49" charset="0"/>
+                <a:ea typeface="JetBrains Mono SemiBold" panose="02000009000000000000" pitchFamily="49" charset="0"/>
+                <a:cs typeface="JetBrains Mono SemiBold" panose="02000009000000000000" pitchFamily="49" charset="0"/>
+              </a:rPr>
+              <a:t>yaklaşık</a:t>
+            </a:r>
+            <a:r>
+              <a:rPr lang="en-US" dirty="0">
+                <a:latin typeface="JetBrains Mono SemiBold" panose="02000009000000000000" pitchFamily="49" charset="0"/>
+                <a:ea typeface="JetBrains Mono SemiBold" panose="02000009000000000000" pitchFamily="49" charset="0"/>
+                <a:cs typeface="JetBrains Mono SemiBold" panose="02000009000000000000" pitchFamily="49" charset="0"/>
+              </a:rPr>
+              <a:t> </a:t>
+            </a:r>
+            <a:r>
+              <a:rPr lang="en-US" dirty="0">
+                <a:solidFill>
+                  <a:srgbClr val="D73A49"/>
+                </a:solidFill>
+                <a:latin typeface="JetBrains Mono SemiBold" panose="02000009000000000000" pitchFamily="49" charset="0"/>
+                <a:ea typeface="JetBrains Mono SemiBold" panose="02000009000000000000" pitchFamily="49" charset="0"/>
+                <a:cs typeface="JetBrains Mono SemiBold" panose="02000009000000000000" pitchFamily="49" charset="0"/>
+              </a:rPr>
+              <a:t>8 kat </a:t>
+            </a:r>
+            <a:r>
+              <a:rPr lang="en-US" dirty="0" err="1">
+                <a:latin typeface="JetBrains Mono SemiBold" panose="02000009000000000000" pitchFamily="49" charset="0"/>
+                <a:ea typeface="JetBrains Mono SemiBold" panose="02000009000000000000" pitchFamily="49" charset="0"/>
+                <a:cs typeface="JetBrains Mono SemiBold" panose="02000009000000000000" pitchFamily="49" charset="0"/>
+              </a:rPr>
+              <a:t>daha</a:t>
+            </a:r>
+            <a:r>
+              <a:rPr lang="en-US" dirty="0">
+                <a:latin typeface="JetBrains Mono SemiBold" panose="02000009000000000000" pitchFamily="49" charset="0"/>
+                <a:ea typeface="JetBrains Mono SemiBold" panose="02000009000000000000" pitchFamily="49" charset="0"/>
+                <a:cs typeface="JetBrains Mono SemiBold" panose="02000009000000000000" pitchFamily="49" charset="0"/>
+              </a:rPr>
+              <a:t> </a:t>
+            </a:r>
+            <a:r>
+              <a:rPr lang="en-US" dirty="0" err="1">
+                <a:latin typeface="JetBrains Mono SemiBold" panose="02000009000000000000" pitchFamily="49" charset="0"/>
+                <a:ea typeface="JetBrains Mono SemiBold" panose="02000009000000000000" pitchFamily="49" charset="0"/>
+                <a:cs typeface="JetBrains Mono SemiBold" panose="02000009000000000000" pitchFamily="49" charset="0"/>
+              </a:rPr>
+              <a:t>az</a:t>
+            </a:r>
+            <a:r>
+              <a:rPr lang="en-US" dirty="0">
+                <a:latin typeface="JetBrains Mono SemiBold" panose="02000009000000000000" pitchFamily="49" charset="0"/>
+                <a:ea typeface="JetBrains Mono SemiBold" panose="02000009000000000000" pitchFamily="49" charset="0"/>
+                <a:cs typeface="JetBrains Mono SemiBold" panose="02000009000000000000" pitchFamily="49" charset="0"/>
+              </a:rPr>
+              <a:t> </a:t>
+            </a:r>
+            <a:r>
+              <a:rPr lang="en-US" dirty="0" err="1">
+                <a:latin typeface="JetBrains Mono SemiBold" panose="02000009000000000000" pitchFamily="49" charset="0"/>
+                <a:ea typeface="JetBrains Mono SemiBold" panose="02000009000000000000" pitchFamily="49" charset="0"/>
+                <a:cs typeface="JetBrains Mono SemiBold" panose="02000009000000000000" pitchFamily="49" charset="0"/>
+              </a:rPr>
+              <a:t>düğüm</a:t>
+            </a:r>
+            <a:r>
+              <a:rPr lang="en-US" dirty="0">
+                <a:latin typeface="JetBrains Mono SemiBold" panose="02000009000000000000" pitchFamily="49" charset="0"/>
+                <a:ea typeface="JetBrains Mono SemiBold" panose="02000009000000000000" pitchFamily="49" charset="0"/>
+                <a:cs typeface="JetBrains Mono SemiBold" panose="02000009000000000000" pitchFamily="49" charset="0"/>
+              </a:rPr>
+              <a:t> </a:t>
+            </a:r>
+            <a:r>
+              <a:rPr lang="en-US" dirty="0" err="1">
+                <a:latin typeface="JetBrains Mono SemiBold" panose="02000009000000000000" pitchFamily="49" charset="0"/>
+                <a:ea typeface="JetBrains Mono SemiBold" panose="02000009000000000000" pitchFamily="49" charset="0"/>
+                <a:cs typeface="JetBrains Mono SemiBold" panose="02000009000000000000" pitchFamily="49" charset="0"/>
+              </a:rPr>
+              <a:t>incelemektedir</a:t>
+            </a:r>
+            <a:r>
+              <a:rPr lang="en-US" dirty="0">
+                <a:latin typeface="JetBrains Mono SemiBold" panose="02000009000000000000" pitchFamily="49" charset="0"/>
+                <a:ea typeface="JetBrains Mono SemiBold" panose="02000009000000000000" pitchFamily="49" charset="0"/>
+                <a:cs typeface="JetBrains Mono SemiBold" panose="02000009000000000000" pitchFamily="49" charset="0"/>
+              </a:rPr>
+              <a:t>.</a:t>
+            </a:r>
+          </a:p>
+          <a:p>
+            <a:pPr marL="0" indent="0">
+              <a:buNone/>
+            </a:pPr>
+            <a:br>
+              <a:rPr lang="en-US" dirty="0">
+                <a:latin typeface="JetBrains Mono SemiBold" panose="02000009000000000000" pitchFamily="49" charset="0"/>
+                <a:ea typeface="JetBrains Mono SemiBold" panose="02000009000000000000" pitchFamily="49" charset="0"/>
+                <a:cs typeface="JetBrains Mono SemiBold" panose="02000009000000000000" pitchFamily="49" charset="0"/>
+              </a:rPr>
+            </a:br>
+            <a:endParaRPr lang="en-US" dirty="0">
+              <a:latin typeface="JetBrains Mono SemiBold" panose="02000009000000000000" pitchFamily="49" charset="0"/>
+              <a:ea typeface="JetBrains Mono SemiBold" panose="02000009000000000000" pitchFamily="49" charset="0"/>
+              <a:cs typeface="JetBrains Mono SemiBold" panose="02000009000000000000" pitchFamily="49" charset="0"/>
+            </a:endParaRPr>
+          </a:p>
+        </p:txBody>
+      </p:sp>
+      <p:sp>
+        <p:nvSpPr>
+          <p:cNvPr id="4" name="Slide Number Placeholder 3">
+            <a:extLst>
+              <a:ext uri="{FF2B5EF4-FFF2-40B4-BE49-F238E27FC236}">
+                <a16:creationId xmlns:a16="http://schemas.microsoft.com/office/drawing/2014/main" id="{23CBBDC4-4ACC-9363-1FE8-94D3A7E78F7A}"/>
+              </a:ext>
+            </a:extLst>
+          </p:cNvPr>
+          <p:cNvSpPr>
+            <a:spLocks noGrp="1"/>
+          </p:cNvSpPr>
+          <p:nvPr>
+            <p:ph type="sldNum" sz="quarter" idx="12"/>
+          </p:nvPr>
+        </p:nvSpPr>
+        <p:spPr/>
+        <p:txBody>
+          <a:bodyPr/>
+          <a:lstStyle/>
+          <a:p>
+            <a:fld id="{E1749D0C-AFA5-4E71-A65E-422F634B557B}" type="slidenum">
+              <a:rPr lang="en-US" smtClean="0"/>
+              <a:t>17</a:t>
+            </a:fld>
+            <a:endParaRPr lang="en-US"/>
+          </a:p>
+        </p:txBody>
+      </p:sp>
+    </p:spTree>
+    <p:extLst>
+      <p:ext uri="{BB962C8B-B14F-4D97-AF65-F5344CB8AC3E}">
+        <p14:creationId xmlns:p14="http://schemas.microsoft.com/office/powerpoint/2010/main" val="1294259942"/>
+      </p:ext>
+    </p:extLst>
+  </p:cSld>
+  <p:clrMapOvr>
+    <a:masterClrMapping/>
+  </p:clrMapOvr>
+</p:sld>
+</file>
+
 <file path=ppt/slides/slide18.xml><?xml version="1.0" encoding="utf-8"?>
 <p:sld xmlns:a="http://schemas.openxmlformats.org/drawingml/2006/main" xmlns:r="http://schemas.openxmlformats.org/officeDocument/2006/relationships" xmlns:p="http://schemas.openxmlformats.org/presentationml/2006/main">
   <p:cSld>
@@ -5864,7 +6258,7 @@
           <p:cNvPr id="2" name="Title 1">
             <a:extLst>
               <a:ext uri="{FF2B5EF4-FFF2-40B4-BE49-F238E27FC236}">
-                <a16:creationId xmlns:a16="http://schemas.microsoft.com/office/drawing/2014/main" id="{C805A05F-18C1-E3A6-42A3-931AE6FBCC2D}"/>
+                <a16:creationId xmlns:a16="http://schemas.microsoft.com/office/drawing/2014/main" id="{A9D5DF43-5544-BAFA-31B8-B07999D15F0B}"/>
               </a:ext>
             </a:extLst>
           </p:cNvPr>
@@ -5887,57 +6281,9 @@
                 <a:ea typeface="JetBrains Mono SemiBold" panose="02000009000000000000" pitchFamily="49" charset="0"/>
                 <a:cs typeface="JetBrains Mono SemiBold" panose="02000009000000000000" pitchFamily="49" charset="0"/>
               </a:rPr>
-              <a:t>Ön</a:t>
-            </a:r>
-            <a:r>
-              <a:rPr lang="en-US" dirty="0">
-                <a:latin typeface="JetBrains Mono SemiBold" panose="02000009000000000000" pitchFamily="49" charset="0"/>
-                <a:ea typeface="JetBrains Mono SemiBold" panose="02000009000000000000" pitchFamily="49" charset="0"/>
-                <a:cs typeface="JetBrains Mono SemiBold" panose="02000009000000000000" pitchFamily="49" charset="0"/>
-              </a:rPr>
-              <a:t> </a:t>
-            </a:r>
-            <a:r>
-              <a:rPr lang="en-US" dirty="0" err="1">
-                <a:latin typeface="JetBrains Mono SemiBold" panose="02000009000000000000" pitchFamily="49" charset="0"/>
-                <a:ea typeface="JetBrains Mono SemiBold" panose="02000009000000000000" pitchFamily="49" charset="0"/>
-                <a:cs typeface="JetBrains Mono SemiBold" panose="02000009000000000000" pitchFamily="49" charset="0"/>
-              </a:rPr>
-              <a:t>işleme</a:t>
-            </a:r>
-            <a:r>
-              <a:rPr lang="en-US" dirty="0">
-                <a:latin typeface="JetBrains Mono SemiBold" panose="02000009000000000000" pitchFamily="49" charset="0"/>
-                <a:ea typeface="JetBrains Mono SemiBold" panose="02000009000000000000" pitchFamily="49" charset="0"/>
-                <a:cs typeface="JetBrains Mono SemiBold" panose="02000009000000000000" pitchFamily="49" charset="0"/>
-              </a:rPr>
-              <a:t> </a:t>
-            </a:r>
-            <a:r>
-              <a:rPr lang="en-US" dirty="0" err="1">
-                <a:latin typeface="JetBrains Mono SemiBold" panose="02000009000000000000" pitchFamily="49" charset="0"/>
-                <a:ea typeface="JetBrains Mono SemiBold" panose="02000009000000000000" pitchFamily="49" charset="0"/>
-                <a:cs typeface="JetBrains Mono SemiBold" panose="02000009000000000000" pitchFamily="49" charset="0"/>
-              </a:rPr>
-              <a:t>ve</a:t>
-            </a:r>
-            <a:r>
-              <a:rPr lang="en-US" dirty="0">
-                <a:latin typeface="JetBrains Mono SemiBold" panose="02000009000000000000" pitchFamily="49" charset="0"/>
-                <a:ea typeface="JetBrains Mono SemiBold" panose="02000009000000000000" pitchFamily="49" charset="0"/>
-                <a:cs typeface="JetBrains Mono SemiBold" panose="02000009000000000000" pitchFamily="49" charset="0"/>
-              </a:rPr>
-              <a:t> </a:t>
-            </a:r>
-            <a:r>
-              <a:rPr lang="en-US" dirty="0" err="1">
-                <a:latin typeface="JetBrains Mono SemiBold" panose="02000009000000000000" pitchFamily="49" charset="0"/>
-                <a:ea typeface="JetBrains Mono SemiBold" panose="02000009000000000000" pitchFamily="49" charset="0"/>
-                <a:cs typeface="JetBrains Mono SemiBold" panose="02000009000000000000" pitchFamily="49" charset="0"/>
-              </a:rPr>
-              <a:t>Sorgular</a:t>
-            </a:r>
-            <a:endParaRPr lang="en-US" dirty="0">
+              <a:t>Sonuç</a:t>
+            </a:r>
+            <a:endParaRPr lang="tr-TR" dirty="0">
               <a:latin typeface="JetBrains Mono SemiBold" panose="02000009000000000000" pitchFamily="49" charset="0"/>
               <a:ea typeface="JetBrains Mono SemiBold" panose="02000009000000000000" pitchFamily="49" charset="0"/>
               <a:cs typeface="JetBrains Mono SemiBold" panose="02000009000000000000" pitchFamily="49" charset="0"/>
@@ -5947,10 +6293,10 @@
       </p:sp>
       <p:sp>
         <p:nvSpPr>
-          <p:cNvPr id="3" name="Content Placeholder 2">
+          <p:cNvPr id="4" name="Slide Number Placeholder 3">
             <a:extLst>
               <a:ext uri="{FF2B5EF4-FFF2-40B4-BE49-F238E27FC236}">
-                <a16:creationId xmlns:a16="http://schemas.microsoft.com/office/drawing/2014/main" id="{24C729EA-0F7D-1C36-6101-4C38A171FCAE}"/>
+                <a16:creationId xmlns:a16="http://schemas.microsoft.com/office/drawing/2014/main" id="{D42F8207-0480-1335-FCA6-597406E1640B}"/>
               </a:ext>
             </a:extLst>
           </p:cNvPr>
@@ -5958,13 +6304,56 @@
             <a:spLocks noGrp="1"/>
           </p:cNvSpPr>
           <p:nvPr>
+            <p:ph type="sldNum" sz="quarter" idx="12"/>
+          </p:nvPr>
+        </p:nvSpPr>
+        <p:spPr/>
+        <p:txBody>
+          <a:bodyPr/>
+          <a:lstStyle/>
+          <a:p>
+            <a:fld id="{E1749D0C-AFA5-4E71-A65E-422F634B557B}" type="slidenum">
+              <a:rPr lang="en-US" smtClean="0">
+                <a:solidFill>
+                  <a:srgbClr val="032F62"/>
+                </a:solidFill>
+                <a:latin typeface="JetBrains Mono SemiBold" panose="02000009000000000000" pitchFamily="49" charset="0"/>
+                <a:ea typeface="JetBrains Mono SemiBold" panose="02000009000000000000" pitchFamily="49" charset="0"/>
+                <a:cs typeface="JetBrains Mono SemiBold" panose="02000009000000000000" pitchFamily="49" charset="0"/>
+              </a:rPr>
+              <a:t>18</a:t>
+            </a:fld>
+            <a:endParaRPr lang="en-US" dirty="0">
+              <a:solidFill>
+                <a:srgbClr val="032F62"/>
+              </a:solidFill>
+              <a:latin typeface="JetBrains Mono SemiBold" panose="02000009000000000000" pitchFamily="49" charset="0"/>
+              <a:ea typeface="JetBrains Mono SemiBold" panose="02000009000000000000" pitchFamily="49" charset="0"/>
+              <a:cs typeface="JetBrains Mono SemiBold" panose="02000009000000000000" pitchFamily="49" charset="0"/>
+            </a:endParaRPr>
+          </a:p>
+        </p:txBody>
+      </p:sp>
+      <p:sp>
+        <p:nvSpPr>
+          <p:cNvPr id="9" name="Content Placeholder 8">
+            <a:extLst>
+              <a:ext uri="{FF2B5EF4-FFF2-40B4-BE49-F238E27FC236}">
+                <a16:creationId xmlns:a16="http://schemas.microsoft.com/office/drawing/2014/main" id="{39C04FB8-C38E-3EA2-57F5-AE51860F4503}"/>
+              </a:ext>
+            </a:extLst>
+          </p:cNvPr>
+          <p:cNvSpPr>
+            <a:spLocks noGrp="1"/>
+          </p:cNvSpPr>
+          <p:nvPr>
             <p:ph idx="1"/>
           </p:nvPr>
         </p:nvSpPr>
         <p:spPr/>
         <p:txBody>
-          <a:bodyPr vert="horz" lIns="91440" tIns="45720" rIns="91440" bIns="45720" rtlCol="0" anchor="t">
-            <a:noAutofit/>
+          <a:bodyPr>
+            <a:normAutofit fontScale="85000" lnSpcReduction="20000"/>
           </a:bodyPr>
           <a:lstStyle/>
           <a:p>
@@ -5972,476 +6361,60 @@
               <a:buNone/>
             </a:pPr>
             <a:r>
-              <a:rPr lang="en-US" b="1" dirty="0" err="1">
-                <a:latin typeface="JetBrains Mono ExtraBold" panose="02000009000000000000" pitchFamily="49" charset="0"/>
-                <a:ea typeface="JetBrains Mono ExtraBold" panose="02000009000000000000" pitchFamily="49" charset="0"/>
-                <a:cs typeface="JetBrains Mono ExtraBold" panose="02000009000000000000" pitchFamily="49" charset="0"/>
-              </a:rPr>
-              <a:t>Ön</a:t>
-            </a:r>
-            <a:r>
-              <a:rPr lang="en-US" b="1" dirty="0">
-                <a:latin typeface="JetBrains Mono ExtraBold" panose="02000009000000000000" pitchFamily="49" charset="0"/>
-                <a:ea typeface="JetBrains Mono ExtraBold" panose="02000009000000000000" pitchFamily="49" charset="0"/>
-                <a:cs typeface="JetBrains Mono ExtraBold" panose="02000009000000000000" pitchFamily="49" charset="0"/>
-              </a:rPr>
-              <a:t> </a:t>
-            </a:r>
-            <a:r>
-              <a:rPr lang="en-US" b="1" dirty="0" err="1">
-                <a:latin typeface="JetBrains Mono ExtraBold" panose="02000009000000000000" pitchFamily="49" charset="0"/>
-                <a:ea typeface="JetBrains Mono ExtraBold" panose="02000009000000000000" pitchFamily="49" charset="0"/>
-                <a:cs typeface="JetBrains Mono ExtraBold" panose="02000009000000000000" pitchFamily="49" charset="0"/>
-              </a:rPr>
-              <a:t>İşleme</a:t>
-            </a:r>
-            <a:r>
-              <a:rPr lang="en-US" b="1" dirty="0">
-                <a:latin typeface="JetBrains Mono ExtraBold" panose="02000009000000000000" pitchFamily="49" charset="0"/>
-                <a:ea typeface="JetBrains Mono ExtraBold" panose="02000009000000000000" pitchFamily="49" charset="0"/>
-                <a:cs typeface="JetBrains Mono ExtraBold" panose="02000009000000000000" pitchFamily="49" charset="0"/>
-              </a:rPr>
-              <a:t> </a:t>
-            </a:r>
-            <a:r>
-              <a:rPr lang="en-US" b="1" dirty="0" err="1">
-                <a:latin typeface="JetBrains Mono ExtraBold" panose="02000009000000000000" pitchFamily="49" charset="0"/>
-                <a:ea typeface="JetBrains Mono ExtraBold" panose="02000009000000000000" pitchFamily="49" charset="0"/>
-                <a:cs typeface="JetBrains Mono ExtraBold" panose="02000009000000000000" pitchFamily="49" charset="0"/>
-              </a:rPr>
-              <a:t>Süresi</a:t>
-            </a:r>
-            <a:r>
-              <a:rPr lang="en-US" b="1" dirty="0">
-                <a:latin typeface="JetBrains Mono ExtraBold" panose="02000009000000000000" pitchFamily="49" charset="0"/>
-                <a:ea typeface="JetBrains Mono ExtraBold" panose="02000009000000000000" pitchFamily="49" charset="0"/>
-                <a:cs typeface="JetBrains Mono ExtraBold" panose="02000009000000000000" pitchFamily="49" charset="0"/>
-              </a:rPr>
-              <a:t>: </a:t>
-            </a:r>
-            <a:r>
-              <a:rPr lang="en-US" dirty="0">
-                <a:latin typeface="JetBrains Mono SemiBold"/>
-                <a:cs typeface="Times New Roman"/>
-              </a:rPr>
-              <a:t>Contraction Hierarchies (CH), </a:t>
-            </a:r>
-            <a:r>
-              <a:rPr lang="en-US" dirty="0" err="1">
-                <a:latin typeface="JetBrains Mono SemiBold"/>
-                <a:cs typeface="Times New Roman"/>
-              </a:rPr>
-              <a:t>hiyerarşik</a:t>
-            </a:r>
-            <a:r>
-              <a:rPr lang="en-US" dirty="0">
-                <a:latin typeface="JetBrains Mono SemiBold"/>
-                <a:cs typeface="Times New Roman"/>
-              </a:rPr>
-              <a:t> </a:t>
-            </a:r>
-            <a:r>
-              <a:rPr lang="en-US" dirty="0" err="1">
-                <a:latin typeface="JetBrains Mono SemiBold"/>
-                <a:cs typeface="Times New Roman"/>
-              </a:rPr>
-              <a:t>yapıyı</a:t>
-            </a:r>
-            <a:r>
-              <a:rPr lang="en-US" dirty="0">
-                <a:latin typeface="JetBrains Mono SemiBold"/>
-                <a:cs typeface="Times New Roman"/>
-              </a:rPr>
-              <a:t> </a:t>
-            </a:r>
-            <a:r>
-              <a:rPr lang="en-US" dirty="0" err="1">
-                <a:latin typeface="JetBrains Mono SemiBold"/>
-                <a:cs typeface="Times New Roman"/>
-              </a:rPr>
-              <a:t>oluşturmak</a:t>
-            </a:r>
-            <a:r>
-              <a:rPr lang="en-US" dirty="0">
-                <a:latin typeface="JetBrains Mono SemiBold"/>
-                <a:cs typeface="Times New Roman"/>
-              </a:rPr>
-              <a:t> </a:t>
-            </a:r>
-            <a:r>
-              <a:rPr lang="en-US" dirty="0" err="1">
-                <a:latin typeface="JetBrains Mono SemiBold"/>
-                <a:cs typeface="Times New Roman"/>
-              </a:rPr>
-              <a:t>için</a:t>
-            </a:r>
-            <a:r>
-              <a:rPr lang="en-US" dirty="0">
-                <a:latin typeface="JetBrains Mono SemiBold"/>
-                <a:cs typeface="Times New Roman"/>
-              </a:rPr>
-              <a:t> </a:t>
-            </a:r>
-            <a:r>
-              <a:rPr lang="en-US" dirty="0">
-                <a:solidFill>
-                  <a:srgbClr val="D73A49"/>
-                </a:solidFill>
-                <a:latin typeface="JetBrains Mono SemiBold"/>
-                <a:cs typeface="Times New Roman"/>
-              </a:rPr>
-              <a:t>1.74383s</a:t>
-            </a:r>
-            <a:r>
-              <a:rPr lang="en-US" dirty="0">
-                <a:latin typeface="JetBrains Mono SemiBold"/>
-                <a:cs typeface="Times New Roman"/>
-              </a:rPr>
-              <a:t> </a:t>
-            </a:r>
-            <a:r>
-              <a:rPr lang="en-US" dirty="0" err="1">
-                <a:latin typeface="JetBrains Mono SemiBold"/>
-                <a:cs typeface="Times New Roman"/>
-              </a:rPr>
-              <a:t>gibi</a:t>
-            </a:r>
-            <a:r>
-              <a:rPr lang="en-US" dirty="0">
-                <a:latin typeface="JetBrains Mono SemiBold"/>
-                <a:cs typeface="Times New Roman"/>
-              </a:rPr>
-              <a:t> </a:t>
-            </a:r>
-            <a:r>
-              <a:rPr lang="en-US" dirty="0" err="1">
-                <a:latin typeface="JetBrains Mono SemiBold"/>
-                <a:cs typeface="Times New Roman"/>
-              </a:rPr>
-              <a:t>önemli</a:t>
-            </a:r>
-            <a:r>
-              <a:rPr lang="en-US" dirty="0">
-                <a:latin typeface="JetBrains Mono SemiBold"/>
-                <a:cs typeface="Times New Roman"/>
-              </a:rPr>
-              <a:t> </a:t>
-            </a:r>
-            <a:r>
-              <a:rPr lang="en-US" dirty="0" err="1">
-                <a:latin typeface="JetBrains Mono SemiBold"/>
-                <a:cs typeface="Times New Roman"/>
-              </a:rPr>
-              <a:t>bir</a:t>
-            </a:r>
-            <a:r>
-              <a:rPr lang="en-US" dirty="0">
-                <a:latin typeface="JetBrains Mono SemiBold"/>
-                <a:cs typeface="Times New Roman"/>
-              </a:rPr>
-              <a:t> </a:t>
-            </a:r>
-            <a:r>
-              <a:rPr lang="en-US" dirty="0" err="1">
-                <a:latin typeface="JetBrains Mono SemiBold"/>
-                <a:cs typeface="Times New Roman"/>
-              </a:rPr>
-              <a:t>ön</a:t>
-            </a:r>
-            <a:r>
-              <a:rPr lang="en-US" dirty="0">
-                <a:latin typeface="JetBrains Mono SemiBold"/>
-                <a:cs typeface="Times New Roman"/>
-              </a:rPr>
-              <a:t> </a:t>
-            </a:r>
-            <a:r>
-              <a:rPr lang="en-US" dirty="0" err="1">
-                <a:latin typeface="JetBrains Mono SemiBold"/>
-                <a:cs typeface="Times New Roman"/>
-              </a:rPr>
-              <a:t>işleme</a:t>
-            </a:r>
-            <a:r>
-              <a:rPr lang="en-US" dirty="0">
-                <a:latin typeface="JetBrains Mono SemiBold"/>
-                <a:cs typeface="Times New Roman"/>
-              </a:rPr>
-              <a:t> </a:t>
-            </a:r>
-            <a:r>
-              <a:rPr lang="en-US" dirty="0" err="1">
-                <a:latin typeface="JetBrains Mono SemiBold"/>
-                <a:cs typeface="Times New Roman"/>
-              </a:rPr>
-              <a:t>süresi</a:t>
-            </a:r>
-            <a:r>
-              <a:rPr lang="en-US" dirty="0">
-                <a:latin typeface="JetBrains Mono SemiBold"/>
-                <a:cs typeface="Times New Roman"/>
-              </a:rPr>
-              <a:t> </a:t>
-            </a:r>
-            <a:r>
-              <a:rPr lang="en-US" dirty="0" err="1">
-                <a:latin typeface="JetBrains Mono SemiBold"/>
-                <a:cs typeface="Times New Roman"/>
-              </a:rPr>
-              <a:t>gerektirir</a:t>
-            </a:r>
-            <a:r>
-              <a:rPr lang="en-US" dirty="0">
-                <a:latin typeface="JetBrains Mono SemiBold"/>
-                <a:cs typeface="Times New Roman"/>
-              </a:rPr>
-              <a:t>. Bu, </a:t>
-            </a:r>
-            <a:r>
-              <a:rPr lang="en-US" dirty="0" err="1">
-                <a:latin typeface="JetBrains Mono SemiBold"/>
-                <a:cs typeface="Times New Roman"/>
-              </a:rPr>
-              <a:t>daha</a:t>
-            </a:r>
-            <a:r>
-              <a:rPr lang="en-US" dirty="0">
-                <a:latin typeface="JetBrains Mono SemiBold"/>
-                <a:cs typeface="Times New Roman"/>
-              </a:rPr>
-              <a:t> </a:t>
-            </a:r>
-            <a:r>
-              <a:rPr lang="en-US" dirty="0" err="1">
-                <a:latin typeface="JetBrains Mono SemiBold"/>
-                <a:cs typeface="Times New Roman"/>
-              </a:rPr>
-              <a:t>hızlı</a:t>
-            </a:r>
-            <a:r>
-              <a:rPr lang="en-US" dirty="0">
-                <a:latin typeface="JetBrains Mono SemiBold"/>
-                <a:cs typeface="Times New Roman"/>
-              </a:rPr>
-              <a:t> </a:t>
-            </a:r>
-            <a:r>
-              <a:rPr lang="en-US" dirty="0" err="1">
-                <a:latin typeface="JetBrains Mono SemiBold"/>
-                <a:cs typeface="Times New Roman"/>
-              </a:rPr>
-              <a:t>sorgulamalar</a:t>
-            </a:r>
-            <a:r>
-              <a:rPr lang="en-US" dirty="0">
-                <a:latin typeface="JetBrains Mono SemiBold"/>
-                <a:cs typeface="Times New Roman"/>
-              </a:rPr>
-              <a:t> </a:t>
-            </a:r>
-            <a:r>
-              <a:rPr lang="en-US" dirty="0" err="1">
-                <a:latin typeface="JetBrains Mono SemiBold"/>
-                <a:cs typeface="Times New Roman"/>
-              </a:rPr>
-              <a:t>için</a:t>
-            </a:r>
-            <a:r>
-              <a:rPr lang="en-US" dirty="0">
-                <a:latin typeface="JetBrains Mono SemiBold"/>
-                <a:cs typeface="Times New Roman"/>
-              </a:rPr>
-              <a:t> </a:t>
-            </a:r>
-            <a:r>
-              <a:rPr lang="en-US" dirty="0" err="1">
-                <a:latin typeface="JetBrains Mono SemiBold"/>
-                <a:cs typeface="Times New Roman"/>
-              </a:rPr>
-              <a:t>bir</a:t>
-            </a:r>
-            <a:r>
-              <a:rPr lang="en-US" dirty="0">
-                <a:latin typeface="JetBrains Mono SemiBold"/>
-                <a:cs typeface="Times New Roman"/>
-              </a:rPr>
-              <a:t> </a:t>
-            </a:r>
-            <a:r>
-              <a:rPr lang="en-US" dirty="0" err="1">
-                <a:latin typeface="JetBrains Mono SemiBold"/>
-                <a:cs typeface="Times New Roman"/>
-              </a:rPr>
-              <a:t>defaya</a:t>
-            </a:r>
-            <a:r>
-              <a:rPr lang="en-US" dirty="0">
-                <a:latin typeface="JetBrains Mono SemiBold"/>
-                <a:cs typeface="Times New Roman"/>
-              </a:rPr>
-              <a:t> </a:t>
-            </a:r>
-            <a:r>
-              <a:rPr lang="en-US" dirty="0" err="1">
-                <a:latin typeface="JetBrains Mono SemiBold"/>
-                <a:cs typeface="Times New Roman"/>
-              </a:rPr>
-              <a:t>mahsus</a:t>
-            </a:r>
-            <a:r>
-              <a:rPr lang="en-US" dirty="0">
-                <a:latin typeface="JetBrains Mono SemiBold"/>
-                <a:cs typeface="Times New Roman"/>
-              </a:rPr>
-              <a:t> </a:t>
-            </a:r>
-            <a:r>
-              <a:rPr lang="en-US" dirty="0" err="1">
-                <a:latin typeface="JetBrains Mono SemiBold"/>
-                <a:cs typeface="Times New Roman"/>
-              </a:rPr>
-              <a:t>bir</a:t>
-            </a:r>
-            <a:r>
-              <a:rPr lang="en-US" dirty="0">
-                <a:latin typeface="JetBrains Mono SemiBold"/>
-                <a:cs typeface="Times New Roman"/>
-              </a:rPr>
-              <a:t> </a:t>
-            </a:r>
-            <a:r>
-              <a:rPr lang="en-US" dirty="0" err="1">
-                <a:latin typeface="JetBrains Mono SemiBold"/>
-                <a:cs typeface="Times New Roman"/>
-              </a:rPr>
-              <a:t>maliyettir</a:t>
-            </a:r>
-            <a:r>
-              <a:rPr lang="en-US" dirty="0">
-                <a:latin typeface="JetBrains Mono SemiBold"/>
-                <a:cs typeface="Times New Roman"/>
-              </a:rPr>
-              <a:t>.</a:t>
-            </a:r>
-            <a:endParaRPr lang="en-US" dirty="0">
-              <a:latin typeface="JetBrains Mono SemiBold"/>
-              <a:ea typeface="Calibri" panose="020F0502020204030204"/>
-              <a:cs typeface="Calibri" panose="020F0502020204030204"/>
-            </a:endParaRPr>
-          </a:p>
-          <a:p>
-            <a:pPr marL="0" indent="0">
-              <a:buNone/>
-            </a:pPr>
-            <a:r>
-              <a:rPr lang="en-US" b="1" dirty="0" err="1">
-                <a:latin typeface="JetBrains Mono ExtraBold" panose="02000009000000000000" pitchFamily="49" charset="0"/>
-                <a:ea typeface="JetBrains Mono ExtraBold" panose="02000009000000000000" pitchFamily="49" charset="0"/>
-                <a:cs typeface="JetBrains Mono ExtraBold" panose="02000009000000000000" pitchFamily="49" charset="0"/>
-              </a:rPr>
-              <a:t>Sorgu</a:t>
-            </a:r>
-            <a:r>
-              <a:rPr lang="en-US" b="1" dirty="0">
-                <a:latin typeface="JetBrains Mono ExtraBold" panose="02000009000000000000" pitchFamily="49" charset="0"/>
-                <a:ea typeface="JetBrains Mono ExtraBold" panose="02000009000000000000" pitchFamily="49" charset="0"/>
-                <a:cs typeface="JetBrains Mono ExtraBold" panose="02000009000000000000" pitchFamily="49" charset="0"/>
-              </a:rPr>
-              <a:t> </a:t>
-            </a:r>
-            <a:r>
-              <a:rPr lang="en-US" b="1" dirty="0" err="1">
-                <a:latin typeface="JetBrains Mono ExtraBold" panose="02000009000000000000" pitchFamily="49" charset="0"/>
-                <a:ea typeface="JetBrains Mono ExtraBold" panose="02000009000000000000" pitchFamily="49" charset="0"/>
-                <a:cs typeface="JetBrains Mono ExtraBold" panose="02000009000000000000" pitchFamily="49" charset="0"/>
-              </a:rPr>
-              <a:t>Süresi</a:t>
-            </a:r>
-            <a:r>
-              <a:rPr lang="en-US" b="1" dirty="0">
-                <a:latin typeface="JetBrains Mono ExtraBold" panose="02000009000000000000" pitchFamily="49" charset="0"/>
-                <a:ea typeface="JetBrains Mono ExtraBold" panose="02000009000000000000" pitchFamily="49" charset="0"/>
-                <a:cs typeface="JetBrains Mono ExtraBold" panose="02000009000000000000" pitchFamily="49" charset="0"/>
-              </a:rPr>
-              <a:t>:</a:t>
-            </a:r>
-            <a:endParaRPr lang="en-US" dirty="0">
-              <a:latin typeface="JetBrains Mono ExtraBold" panose="02000009000000000000" pitchFamily="49" charset="0"/>
-              <a:ea typeface="JetBrains Mono ExtraBold" panose="02000009000000000000" pitchFamily="49" charset="0"/>
-              <a:cs typeface="JetBrains Mono ExtraBold" panose="02000009000000000000" pitchFamily="49" charset="0"/>
-            </a:endParaRPr>
-          </a:p>
-          <a:p>
-            <a:pPr marL="0" indent="0">
-              <a:buNone/>
-            </a:pPr>
-            <a:r>
-              <a:rPr lang="en-US" dirty="0">
-                <a:solidFill>
-                  <a:srgbClr val="D73A49"/>
-                </a:solidFill>
-                <a:latin typeface="JetBrains Mono SemiBold"/>
-                <a:cs typeface="Times New Roman"/>
-              </a:rPr>
-              <a:t>Contraction Hierarchies: 0.0032s </a:t>
-            </a:r>
-          </a:p>
-          <a:p>
-            <a:pPr marL="0" indent="0">
-              <a:buNone/>
-            </a:pPr>
-            <a:r>
-              <a:rPr lang="en-US" dirty="0">
-                <a:solidFill>
-                  <a:srgbClr val="7030A0"/>
-                </a:solidFill>
-                <a:latin typeface="JetBrains Mono SemiBold"/>
-                <a:cs typeface="Times New Roman"/>
-              </a:rPr>
-              <a:t>Dijkstra: 0.0156s</a:t>
-            </a:r>
-            <a:endParaRPr lang="en-US" dirty="0">
-              <a:solidFill>
-                <a:srgbClr val="7030A0"/>
-              </a:solidFill>
-              <a:latin typeface="JetBrains Mono SemiBold"/>
-            </a:endParaRPr>
-          </a:p>
-        </p:txBody>
-      </p:sp>
-      <p:sp>
-        <p:nvSpPr>
-          <p:cNvPr id="4" name="Slide Number Placeholder 3">
-            <a:extLst>
-              <a:ext uri="{FF2B5EF4-FFF2-40B4-BE49-F238E27FC236}">
-                <a16:creationId xmlns:a16="http://schemas.microsoft.com/office/drawing/2014/main" id="{8A35C608-16FC-CE98-4C39-6477150EA9DA}"/>
-              </a:ext>
-            </a:extLst>
-          </p:cNvPr>
-          <p:cNvSpPr>
-            <a:spLocks noGrp="1"/>
-          </p:cNvSpPr>
-          <p:nvPr>
-            <p:ph type="sldNum" sz="quarter" idx="12"/>
-          </p:nvPr>
-        </p:nvSpPr>
-        <p:spPr/>
-        <p:txBody>
-          <a:bodyPr/>
-          <a:lstStyle/>
-          <a:p>
-            <a:fld id="{E1749D0C-AFA5-4E71-A65E-422F634B557B}" type="slidenum">
-              <a:rPr lang="en-US" smtClean="0"/>
-              <a:t>18</a:t>
-            </a:fld>
-            <a:endParaRPr lang="en-US"/>
+              <a:rPr lang="tr-TR" dirty="0" err="1">
+                <a:latin typeface="JetBrains Mono SemiBold" panose="02000009000000000000" pitchFamily="49" charset="0"/>
+                <a:ea typeface="JetBrains Mono SemiBold" panose="02000009000000000000" pitchFamily="49" charset="0"/>
+                <a:cs typeface="JetBrains Mono SemiBold" panose="02000009000000000000" pitchFamily="49" charset="0"/>
+              </a:rPr>
+              <a:t>Contraction</a:t>
+            </a:r>
+            <a:r>
+              <a:rPr lang="tr-TR" dirty="0">
+                <a:latin typeface="JetBrains Mono SemiBold" panose="02000009000000000000" pitchFamily="49" charset="0"/>
+                <a:ea typeface="JetBrains Mono SemiBold" panose="02000009000000000000" pitchFamily="49" charset="0"/>
+                <a:cs typeface="JetBrains Mono SemiBold" panose="02000009000000000000" pitchFamily="49" charset="0"/>
+              </a:rPr>
+              <a:t> </a:t>
+            </a:r>
+            <a:r>
+              <a:rPr lang="tr-TR" dirty="0" err="1">
+                <a:latin typeface="JetBrains Mono SemiBold" panose="02000009000000000000" pitchFamily="49" charset="0"/>
+                <a:ea typeface="JetBrains Mono SemiBold" panose="02000009000000000000" pitchFamily="49" charset="0"/>
+                <a:cs typeface="JetBrains Mono SemiBold" panose="02000009000000000000" pitchFamily="49" charset="0"/>
+              </a:rPr>
+              <a:t>Hierarchies</a:t>
+            </a:r>
+            <a:r>
+              <a:rPr lang="tr-TR" dirty="0">
+                <a:latin typeface="JetBrains Mono SemiBold" panose="02000009000000000000" pitchFamily="49" charset="0"/>
+                <a:ea typeface="JetBrains Mono SemiBold" panose="02000009000000000000" pitchFamily="49" charset="0"/>
+                <a:cs typeface="JetBrains Mono SemiBold" panose="02000009000000000000" pitchFamily="49" charset="0"/>
+              </a:rPr>
+              <a:t>, tek seferlik bir önişleme süresi yatırımıyla sorgu sırasında incelenen düğüm sayısını büyük ölçüde azaltır. Bu ön işleme aşamasında, haritadaki tüm düğümler analiz edilerek önem sırasına göre sıralanır ve daha az önemli olan düğümler birleştirilerek atlama yolları (</a:t>
+            </a:r>
+            <a:r>
+              <a:rPr lang="tr-TR" dirty="0" err="1">
+                <a:latin typeface="JetBrains Mono SemiBold" panose="02000009000000000000" pitchFamily="49" charset="0"/>
+                <a:ea typeface="JetBrains Mono SemiBold" panose="02000009000000000000" pitchFamily="49" charset="0"/>
+                <a:cs typeface="JetBrains Mono SemiBold" panose="02000009000000000000" pitchFamily="49" charset="0"/>
+              </a:rPr>
+              <a:t>shortcuts</a:t>
+            </a:r>
+            <a:r>
+              <a:rPr lang="tr-TR" dirty="0">
+                <a:latin typeface="JetBrains Mono SemiBold" panose="02000009000000000000" pitchFamily="49" charset="0"/>
+                <a:ea typeface="JetBrains Mono SemiBold" panose="02000009000000000000" pitchFamily="49" charset="0"/>
+                <a:cs typeface="JetBrains Mono SemiBold" panose="02000009000000000000" pitchFamily="49" charset="0"/>
+              </a:rPr>
+              <a:t>) oluşturulur. Bu sayede, sorgu sırasında algoritma yalnızca gerekli düğümleri inceleyerek en kısa rotayı çok daha hızlı bir şekilde hesaplar. Özellikle büyük yol ağlarında, her sorguda tüm düğümleri baştan incelemenin getirdiği zaman maliyetinden kaçınılır.</a:t>
+            </a:r>
           </a:p>
         </p:txBody>
       </p:sp>
     </p:spTree>
     <p:extLst>
       <p:ext uri="{BB962C8B-B14F-4D97-AF65-F5344CB8AC3E}">
-        <p14:creationId xmlns:p14="http://schemas.microsoft.com/office/powerpoint/2010/main" val="2819784291"/>
+        <p14:creationId xmlns:p14="http://schemas.microsoft.com/office/powerpoint/2010/main" val="1655677136"/>
       </p:ext>
     </p:extLst>
   </p:cSld>
@@ -6473,7 +6446,7 @@
           <p:cNvPr id="2" name="Title 1">
             <a:extLst>
               <a:ext uri="{FF2B5EF4-FFF2-40B4-BE49-F238E27FC236}">
-                <a16:creationId xmlns:a16="http://schemas.microsoft.com/office/drawing/2014/main" id="{7495C66F-0291-166F-BD5F-896A7938CB8D}"/>
+                <a16:creationId xmlns:a16="http://schemas.microsoft.com/office/drawing/2014/main" id="{5AB92F4E-90DB-8ED2-7849-8BA1DEC5AF27}"/>
               </a:ext>
             </a:extLst>
           </p:cNvPr>
@@ -6484,73 +6457,332 @@
             <p:ph type="title"/>
           </p:nvPr>
         </p:nvSpPr>
-        <p:spPr>
-          <a:xfrm>
-            <a:off x="521208" y="392558"/>
-            <a:ext cx="8110728" cy="1325563"/>
-          </a:xfrm>
-        </p:spPr>
-        <p:txBody>
-          <a:bodyPr>
-            <a:normAutofit/>
+        <p:spPr/>
+        <p:txBody>
+          <a:bodyPr/>
+          <a:lstStyle/>
+          <a:p>
+            <a:pPr algn="ctr"/>
+            <a:r>
+              <a:rPr lang="en-US" dirty="0" err="1">
+                <a:latin typeface="JetBrains Mono SemiBold" panose="02000009000000000000" pitchFamily="49" charset="0"/>
+                <a:ea typeface="JetBrains Mono SemiBold" panose="02000009000000000000" pitchFamily="49" charset="0"/>
+                <a:cs typeface="JetBrains Mono SemiBold" panose="02000009000000000000" pitchFamily="49" charset="0"/>
+              </a:rPr>
+              <a:t>Sonuç</a:t>
+            </a:r>
+            <a:endParaRPr lang="tr-TR" dirty="0"/>
+          </a:p>
+        </p:txBody>
+      </p:sp>
+      <p:sp>
+        <p:nvSpPr>
+          <p:cNvPr id="3" name="Content Placeholder 2">
+            <a:extLst>
+              <a:ext uri="{FF2B5EF4-FFF2-40B4-BE49-F238E27FC236}">
+                <a16:creationId xmlns:a16="http://schemas.microsoft.com/office/drawing/2014/main" id="{5A5DF8E4-A48A-AB0D-5DA2-0BC9880F8A7F}"/>
+              </a:ext>
+            </a:extLst>
+          </p:cNvPr>
+          <p:cNvSpPr>
+            <a:spLocks noGrp="1"/>
+          </p:cNvSpPr>
+          <p:nvPr>
+            <p:ph idx="1"/>
+          </p:nvPr>
+        </p:nvSpPr>
+        <p:spPr/>
+        <p:txBody>
+          <a:bodyPr vert="horz" lIns="91440" tIns="45720" rIns="91440" bIns="45720" rtlCol="0" anchor="t">
+            <a:noAutofit/>
           </a:bodyPr>
           <a:lstStyle/>
           <a:p>
-            <a:pPr algn="ctr"/>
-            <a:r>
-              <a:rPr lang="en-US" sz="4000" dirty="0" err="1">
-                <a:latin typeface="JetBrains Mono SemiBold" panose="02000009000000000000" pitchFamily="49" charset="0"/>
-                <a:ea typeface="JetBrains Mono SemiBold" panose="02000009000000000000" pitchFamily="49" charset="0"/>
-                <a:cs typeface="JetBrains Mono SemiBold" panose="02000009000000000000" pitchFamily="49" charset="0"/>
-              </a:rPr>
-              <a:t>İncelenen</a:t>
-            </a:r>
-            <a:r>
-              <a:rPr lang="en-US" sz="4000" dirty="0">
-                <a:latin typeface="JetBrains Mono SemiBold" panose="02000009000000000000" pitchFamily="49" charset="0"/>
-                <a:ea typeface="JetBrains Mono SemiBold" panose="02000009000000000000" pitchFamily="49" charset="0"/>
-                <a:cs typeface="JetBrains Mono SemiBold" panose="02000009000000000000" pitchFamily="49" charset="0"/>
-              </a:rPr>
-              <a:t> </a:t>
-            </a:r>
-            <a:r>
-              <a:rPr lang="en-US" sz="4000" dirty="0" err="1">
-                <a:latin typeface="JetBrains Mono SemiBold" panose="02000009000000000000" pitchFamily="49" charset="0"/>
-                <a:ea typeface="JetBrains Mono SemiBold" panose="02000009000000000000" pitchFamily="49" charset="0"/>
-                <a:cs typeface="JetBrains Mono SemiBold" panose="02000009000000000000" pitchFamily="49" charset="0"/>
-              </a:rPr>
-              <a:t>Düğüm</a:t>
-            </a:r>
-            <a:r>
-              <a:rPr lang="en-US" sz="4000" dirty="0">
-                <a:latin typeface="JetBrains Mono SemiBold" panose="02000009000000000000" pitchFamily="49" charset="0"/>
-                <a:ea typeface="JetBrains Mono SemiBold" panose="02000009000000000000" pitchFamily="49" charset="0"/>
-                <a:cs typeface="JetBrains Mono SemiBold" panose="02000009000000000000" pitchFamily="49" charset="0"/>
-              </a:rPr>
-              <a:t> </a:t>
-            </a:r>
-            <a:r>
-              <a:rPr lang="en-US" sz="4000" dirty="0" err="1">
-                <a:latin typeface="JetBrains Mono SemiBold" panose="02000009000000000000" pitchFamily="49" charset="0"/>
-                <a:ea typeface="JetBrains Mono SemiBold" panose="02000009000000000000" pitchFamily="49" charset="0"/>
-                <a:cs typeface="JetBrains Mono SemiBold" panose="02000009000000000000" pitchFamily="49" charset="0"/>
-              </a:rPr>
-              <a:t>Sayıları</a:t>
-            </a:r>
-            <a:endParaRPr lang="en-US" sz="4000" dirty="0">
+            <a:pPr marL="0" indent="0">
+              <a:spcBef>
+                <a:spcPts val="1200"/>
+              </a:spcBef>
+              <a:spcAft>
+                <a:spcPts val="1200"/>
+              </a:spcAft>
+              <a:buNone/>
+            </a:pPr>
+            <a:r>
+              <a:rPr lang="tr-TR" sz="2000" dirty="0">
+                <a:solidFill>
+                  <a:srgbClr val="000000"/>
+                </a:solidFill>
+                <a:latin typeface="JetBrains Mono SemiBold" panose="02000009000000000000" pitchFamily="49" charset="0"/>
+                <a:ea typeface="JetBrains Mono SemiBold" panose="02000009000000000000" pitchFamily="49" charset="0"/>
+                <a:cs typeface="JetBrains Mono SemiBold" panose="02000009000000000000" pitchFamily="49" charset="0"/>
+              </a:rPr>
+              <a:t>Bu yöntem, yoğun trafik ağları, büyük şehir haritaları veya sık sık en kısa yol hesaplaması gerektiren navigasyon uygulamaları gibi alanlarda </a:t>
+            </a:r>
+            <a:r>
+              <a:rPr lang="tr-TR" sz="2000" dirty="0" err="1">
+                <a:solidFill>
+                  <a:srgbClr val="000000"/>
+                </a:solidFill>
+                <a:latin typeface="JetBrains Mono SemiBold" panose="02000009000000000000" pitchFamily="49" charset="0"/>
+                <a:ea typeface="JetBrains Mono SemiBold" panose="02000009000000000000" pitchFamily="49" charset="0"/>
+                <a:cs typeface="JetBrains Mono SemiBold" panose="02000009000000000000" pitchFamily="49" charset="0"/>
+              </a:rPr>
+              <a:t>Dijkstra</a:t>
+            </a:r>
+            <a:r>
+              <a:rPr lang="tr-TR" sz="2000" dirty="0">
+                <a:solidFill>
+                  <a:srgbClr val="000000"/>
+                </a:solidFill>
+                <a:latin typeface="JetBrains Mono SemiBold" panose="02000009000000000000" pitchFamily="49" charset="0"/>
+                <a:ea typeface="JetBrains Mono SemiBold" panose="02000009000000000000" pitchFamily="49" charset="0"/>
+                <a:cs typeface="JetBrains Mono SemiBold" panose="02000009000000000000" pitchFamily="49" charset="0"/>
+              </a:rPr>
+              <a:t> algoritmasına kıyasla çok daha verimli bir seçenek olarak öne çıkar. Örneğin, bir şehirdeki yüzlerce kavşak ve yolun analiz edildiği bir ağda, </a:t>
+            </a:r>
+            <a:r>
+              <a:rPr lang="tr-TR" sz="2000" b="0" i="0" u="none" strike="noStrike" dirty="0" err="1">
+                <a:solidFill>
+                  <a:srgbClr val="000000"/>
+                </a:solidFill>
+                <a:effectLst/>
+                <a:latin typeface="JetBrains Mono SemiBold" panose="02000009000000000000" pitchFamily="49" charset="0"/>
+                <a:ea typeface="JetBrains Mono SemiBold" panose="02000009000000000000" pitchFamily="49" charset="0"/>
+                <a:cs typeface="JetBrains Mono SemiBold" panose="02000009000000000000" pitchFamily="49" charset="0"/>
+              </a:rPr>
+              <a:t>Contraction</a:t>
+            </a:r>
+            <a:r>
+              <a:rPr lang="tr-TR" sz="2000" b="0" i="0" u="none" strike="noStrike" dirty="0">
+                <a:solidFill>
+                  <a:srgbClr val="000000"/>
+                </a:solidFill>
+                <a:effectLst/>
+                <a:latin typeface="JetBrains Mono SemiBold" panose="02000009000000000000" pitchFamily="49" charset="0"/>
+                <a:ea typeface="JetBrains Mono SemiBold" panose="02000009000000000000" pitchFamily="49" charset="0"/>
+                <a:cs typeface="JetBrains Mono SemiBold" panose="02000009000000000000" pitchFamily="49" charset="0"/>
+              </a:rPr>
+              <a:t> </a:t>
+            </a:r>
+            <a:r>
+              <a:rPr lang="tr-TR" sz="2000" b="0" i="0" u="none" strike="noStrike" dirty="0" err="1">
+                <a:solidFill>
+                  <a:srgbClr val="000000"/>
+                </a:solidFill>
+                <a:effectLst/>
+                <a:latin typeface="JetBrains Mono SemiBold" panose="02000009000000000000" pitchFamily="49" charset="0"/>
+                <a:ea typeface="JetBrains Mono SemiBold" panose="02000009000000000000" pitchFamily="49" charset="0"/>
+                <a:cs typeface="JetBrains Mono SemiBold" panose="02000009000000000000" pitchFamily="49" charset="0"/>
+              </a:rPr>
+              <a:t>Hierarchies</a:t>
+            </a:r>
+            <a:r>
+              <a:rPr lang="tr-TR" sz="2000" b="0" i="0" u="none" strike="noStrike" dirty="0">
+                <a:solidFill>
+                  <a:srgbClr val="000000"/>
+                </a:solidFill>
+                <a:effectLst/>
+                <a:latin typeface="JetBrains Mono SemiBold" panose="02000009000000000000" pitchFamily="49" charset="0"/>
+                <a:ea typeface="JetBrains Mono SemiBold" panose="02000009000000000000" pitchFamily="49" charset="0"/>
+                <a:cs typeface="JetBrains Mono SemiBold" panose="02000009000000000000" pitchFamily="49" charset="0"/>
+              </a:rPr>
+              <a:t> </a:t>
+            </a:r>
+            <a:r>
+              <a:rPr lang="tr-TR" sz="2000" dirty="0">
+                <a:solidFill>
+                  <a:srgbClr val="000000"/>
+                </a:solidFill>
+                <a:latin typeface="JetBrains Mono SemiBold" panose="02000009000000000000" pitchFamily="49" charset="0"/>
+                <a:ea typeface="JetBrains Mono SemiBold" panose="02000009000000000000" pitchFamily="49" charset="0"/>
+                <a:cs typeface="JetBrains Mono SemiBold" panose="02000009000000000000" pitchFamily="49" charset="0"/>
+              </a:rPr>
+              <a:t>algoritması</a:t>
+            </a:r>
+            <a:r>
+              <a:rPr lang="tr-TR" sz="2000" b="0" i="0" u="none" strike="noStrike" dirty="0">
+                <a:solidFill>
+                  <a:srgbClr val="000000"/>
+                </a:solidFill>
+                <a:effectLst/>
+                <a:latin typeface="JetBrains Mono SemiBold" panose="02000009000000000000" pitchFamily="49" charset="0"/>
+                <a:ea typeface="JetBrains Mono SemiBold" panose="02000009000000000000" pitchFamily="49" charset="0"/>
+                <a:cs typeface="JetBrains Mono SemiBold" panose="02000009000000000000" pitchFamily="49" charset="0"/>
+              </a:rPr>
+              <a:t>, </a:t>
+            </a:r>
+            <a:r>
+              <a:rPr lang="tr-TR" sz="2000" dirty="0">
+                <a:solidFill>
+                  <a:srgbClr val="000000"/>
+                </a:solidFill>
+                <a:latin typeface="JetBrains Mono SemiBold" panose="02000009000000000000" pitchFamily="49" charset="0"/>
+                <a:ea typeface="JetBrains Mono SemiBold" panose="02000009000000000000" pitchFamily="49" charset="0"/>
+                <a:cs typeface="JetBrains Mono SemiBold" panose="02000009000000000000" pitchFamily="49" charset="0"/>
+              </a:rPr>
+              <a:t>yalnızca önemli kavşakları ve bağlantıları dikkate alarak </a:t>
+            </a:r>
+            <a:r>
+              <a:rPr lang="tr-TR" sz="2000" b="0" i="0" u="none" strike="noStrike" dirty="0">
+                <a:solidFill>
+                  <a:srgbClr val="000000"/>
+                </a:solidFill>
+                <a:effectLst/>
+                <a:latin typeface="JetBrains Mono SemiBold" panose="02000009000000000000" pitchFamily="49" charset="0"/>
+                <a:ea typeface="JetBrains Mono SemiBold" panose="02000009000000000000" pitchFamily="49" charset="0"/>
+                <a:cs typeface="JetBrains Mono SemiBold" panose="02000009000000000000" pitchFamily="49" charset="0"/>
+              </a:rPr>
+              <a:t>sorgu </a:t>
+            </a:r>
+            <a:r>
+              <a:rPr lang="tr-TR" sz="2000" dirty="0">
+                <a:solidFill>
+                  <a:srgbClr val="000000"/>
+                </a:solidFill>
+                <a:latin typeface="JetBrains Mono SemiBold" panose="02000009000000000000" pitchFamily="49" charset="0"/>
+                <a:ea typeface="JetBrains Mono SemiBold" panose="02000009000000000000" pitchFamily="49" charset="0"/>
+                <a:cs typeface="JetBrains Mono SemiBold" panose="02000009000000000000" pitchFamily="49" charset="0"/>
+              </a:rPr>
+              <a:t>süresini büyük ölçüde hızlandırabilir</a:t>
+            </a:r>
+            <a:r>
+              <a:rPr lang="tr-TR" sz="2000" b="0" i="0" u="none" strike="noStrike" dirty="0">
+                <a:solidFill>
+                  <a:srgbClr val="000000"/>
+                </a:solidFill>
+                <a:effectLst/>
+                <a:latin typeface="JetBrains Mono SemiBold" panose="02000009000000000000" pitchFamily="49" charset="0"/>
+                <a:ea typeface="JetBrains Mono SemiBold" panose="02000009000000000000" pitchFamily="49" charset="0"/>
+                <a:cs typeface="JetBrains Mono SemiBold" panose="02000009000000000000" pitchFamily="49" charset="0"/>
+              </a:rPr>
+              <a:t>. </a:t>
+            </a:r>
+            <a:r>
+              <a:rPr lang="tr-TR" sz="2000" dirty="0">
+                <a:solidFill>
+                  <a:srgbClr val="000000"/>
+                </a:solidFill>
+                <a:latin typeface="JetBrains Mono SemiBold" panose="02000009000000000000" pitchFamily="49" charset="0"/>
+                <a:ea typeface="JetBrains Mono SemiBold" panose="02000009000000000000" pitchFamily="49" charset="0"/>
+                <a:cs typeface="JetBrains Mono SemiBold" panose="02000009000000000000" pitchFamily="49" charset="0"/>
+              </a:rPr>
+              <a:t>Bu hız avantajı</a:t>
+            </a:r>
+            <a:r>
+              <a:rPr lang="tr-TR" sz="2000" b="0" i="0" u="none" strike="noStrike" dirty="0">
+                <a:solidFill>
+                  <a:srgbClr val="000000"/>
+                </a:solidFill>
+                <a:effectLst/>
+                <a:latin typeface="JetBrains Mono SemiBold" panose="02000009000000000000" pitchFamily="49" charset="0"/>
+                <a:ea typeface="JetBrains Mono SemiBold" panose="02000009000000000000" pitchFamily="49" charset="0"/>
+                <a:cs typeface="JetBrains Mono SemiBold" panose="02000009000000000000" pitchFamily="49" charset="0"/>
+              </a:rPr>
+              <a:t>, </a:t>
+            </a:r>
+            <a:r>
+              <a:rPr lang="tr-TR" sz="2000" dirty="0">
+                <a:solidFill>
+                  <a:srgbClr val="000000"/>
+                </a:solidFill>
+                <a:latin typeface="JetBrains Mono SemiBold" panose="02000009000000000000" pitchFamily="49" charset="0"/>
+                <a:ea typeface="JetBrains Mono SemiBold" panose="02000009000000000000" pitchFamily="49" charset="0"/>
+                <a:cs typeface="JetBrains Mono SemiBold" panose="02000009000000000000" pitchFamily="49" charset="0"/>
+              </a:rPr>
+              <a:t>gerçek zamanlı navigasyon veya </a:t>
+            </a:r>
+            <a:r>
+              <a:rPr lang="tr-TR" sz="2000" b="0" i="0" u="none" strike="noStrike" dirty="0">
+                <a:solidFill>
+                  <a:srgbClr val="000000"/>
+                </a:solidFill>
+                <a:effectLst/>
+                <a:latin typeface="JetBrains Mono SemiBold" panose="02000009000000000000" pitchFamily="49" charset="0"/>
+                <a:ea typeface="JetBrains Mono SemiBold" panose="02000009000000000000" pitchFamily="49" charset="0"/>
+                <a:cs typeface="JetBrains Mono SemiBold" panose="02000009000000000000" pitchFamily="49" charset="0"/>
+              </a:rPr>
+              <a:t>sık </a:t>
+            </a:r>
+            <a:r>
+              <a:rPr lang="tr-TR" sz="2000" dirty="0">
+                <a:solidFill>
+                  <a:srgbClr val="000000"/>
+                </a:solidFill>
+                <a:latin typeface="JetBrains Mono SemiBold" panose="02000009000000000000" pitchFamily="49" charset="0"/>
+                <a:ea typeface="JetBrains Mono SemiBold" panose="02000009000000000000" pitchFamily="49" charset="0"/>
+                <a:cs typeface="JetBrains Mono SemiBold" panose="02000009000000000000" pitchFamily="49" charset="0"/>
+              </a:rPr>
+              <a:t>sorgu gerektiren sistemlerde önemli bir fark yaratır </a:t>
+            </a:r>
+            <a:r>
+              <a:rPr lang="tr-TR" sz="2000" b="0" i="0" u="none" strike="noStrike" dirty="0">
+                <a:solidFill>
+                  <a:srgbClr val="000000"/>
+                </a:solidFill>
+                <a:effectLst/>
+                <a:latin typeface="JetBrains Mono SemiBold" panose="02000009000000000000" pitchFamily="49" charset="0"/>
+                <a:ea typeface="JetBrains Mono SemiBold" panose="02000009000000000000" pitchFamily="49" charset="0"/>
+                <a:cs typeface="JetBrains Mono SemiBold" panose="02000009000000000000" pitchFamily="49" charset="0"/>
+              </a:rPr>
+              <a:t>ve </a:t>
+            </a:r>
+            <a:r>
+              <a:rPr lang="tr-TR" sz="2000" dirty="0">
+                <a:solidFill>
+                  <a:srgbClr val="000000"/>
+                </a:solidFill>
+                <a:latin typeface="JetBrains Mono SemiBold" panose="02000009000000000000" pitchFamily="49" charset="0"/>
+                <a:ea typeface="JetBrains Mono SemiBold" panose="02000009000000000000" pitchFamily="49" charset="0"/>
+                <a:cs typeface="JetBrains Mono SemiBold" panose="02000009000000000000" pitchFamily="49" charset="0"/>
+              </a:rPr>
+              <a:t>hem kullanıcı deneyimini hem de işlem verimliliğini artırır</a:t>
+            </a:r>
+            <a:r>
+              <a:rPr lang="tr-TR" sz="2000" b="0" i="0" u="none" strike="noStrike" dirty="0">
+                <a:solidFill>
+                  <a:srgbClr val="000000"/>
+                </a:solidFill>
+                <a:effectLst/>
+                <a:latin typeface="JetBrains Mono SemiBold" panose="02000009000000000000" pitchFamily="49" charset="0"/>
+                <a:ea typeface="JetBrains Mono SemiBold" panose="02000009000000000000" pitchFamily="49" charset="0"/>
+                <a:cs typeface="JetBrains Mono SemiBold" panose="02000009000000000000" pitchFamily="49" charset="0"/>
+              </a:rPr>
+              <a:t>.</a:t>
+            </a:r>
+            <a:endParaRPr lang="en-US" sz="2000" dirty="0">
               <a:latin typeface="JetBrains Mono SemiBold" panose="02000009000000000000" pitchFamily="49" charset="0"/>
               <a:ea typeface="JetBrains Mono SemiBold" panose="02000009000000000000" pitchFamily="49" charset="0"/>
               <a:cs typeface="JetBrains Mono SemiBold" panose="02000009000000000000" pitchFamily="49" charset="0"/>
             </a:endParaRPr>
           </a:p>
-        </p:txBody>
-      </p:sp>
-      <p:sp>
-        <p:nvSpPr>
-          <p:cNvPr id="3" name="Content Placeholder 2">
+          <a:p>
+            <a:pPr marL="0" indent="0" rtl="0" fontAlgn="base">
+              <a:spcBef>
+                <a:spcPts val="1200"/>
+              </a:spcBef>
+              <a:spcAft>
+                <a:spcPts val="1200"/>
+              </a:spcAft>
+              <a:buNone/>
+            </a:pPr>
+            <a:endParaRPr lang="tr-TR" sz="2000" b="0" i="0" u="none" strike="noStrike" dirty="0">
+              <a:solidFill>
+                <a:srgbClr val="000000"/>
+              </a:solidFill>
+              <a:effectLst/>
+              <a:latin typeface="JetBrains Mono SemiBold" panose="02000009000000000000" pitchFamily="49" charset="0"/>
+              <a:ea typeface="JetBrains Mono SemiBold" panose="02000009000000000000" pitchFamily="49" charset="0"/>
+              <a:cs typeface="JetBrains Mono SemiBold" panose="02000009000000000000" pitchFamily="49" charset="0"/>
+            </a:endParaRPr>
+          </a:p>
+        </p:txBody>
+      </p:sp>
+      <p:sp>
+        <p:nvSpPr>
+          <p:cNvPr id="4" name="Slide Number Placeholder 3">
             <a:extLst>
               <a:ext uri="{FF2B5EF4-FFF2-40B4-BE49-F238E27FC236}">
-                <a16:creationId xmlns:a16="http://schemas.microsoft.com/office/drawing/2014/main" id="{FFFBFA72-8C1A-0654-D6D9-B2E6E7E5E070}"/>
+                <a16:creationId xmlns:a16="http://schemas.microsoft.com/office/drawing/2014/main" id="{B514B326-B302-767C-29DC-B0E52C6399FC}"/>
               </a:ext>
             </a:extLst>
           </p:cNvPr>
@@ -6558,341 +6790,40 @@
             <a:spLocks noGrp="1"/>
           </p:cNvSpPr>
           <p:nvPr>
-            <p:ph idx="1"/>
+            <p:ph type="sldNum" sz="quarter" idx="12"/>
           </p:nvPr>
         </p:nvSpPr>
         <p:spPr/>
         <p:txBody>
-          <a:bodyPr vert="horz" lIns="91440" tIns="45720" rIns="91440" bIns="45720" rtlCol="0" anchor="t">
-            <a:normAutofit/>
-          </a:bodyPr>
-          <a:lstStyle/>
-          <a:p>
-            <a:pPr marL="0" indent="0">
-              <a:buNone/>
-            </a:pPr>
-            <a:r>
-              <a:rPr lang="en-US" b="1" dirty="0" err="1">
-                <a:latin typeface="JetBrains Mono ExtraBold" panose="02000009000000000000" pitchFamily="49" charset="0"/>
-                <a:ea typeface="JetBrains Mono ExtraBold" panose="02000009000000000000" pitchFamily="49" charset="0"/>
-                <a:cs typeface="JetBrains Mono ExtraBold" panose="02000009000000000000" pitchFamily="49" charset="0"/>
-              </a:rPr>
-              <a:t>İncelenen</a:t>
-            </a:r>
-            <a:r>
-              <a:rPr lang="en-US" b="1" dirty="0">
-                <a:latin typeface="JetBrains Mono ExtraBold" panose="02000009000000000000" pitchFamily="49" charset="0"/>
-                <a:ea typeface="JetBrains Mono ExtraBold" panose="02000009000000000000" pitchFamily="49" charset="0"/>
-                <a:cs typeface="JetBrains Mono ExtraBold" panose="02000009000000000000" pitchFamily="49" charset="0"/>
-              </a:rPr>
-              <a:t> </a:t>
-            </a:r>
-            <a:r>
-              <a:rPr lang="en-US" b="1" dirty="0" err="1">
-                <a:latin typeface="JetBrains Mono ExtraBold" panose="02000009000000000000" pitchFamily="49" charset="0"/>
-                <a:ea typeface="JetBrains Mono ExtraBold" panose="02000009000000000000" pitchFamily="49" charset="0"/>
-                <a:cs typeface="JetBrains Mono ExtraBold" panose="02000009000000000000" pitchFamily="49" charset="0"/>
-              </a:rPr>
-              <a:t>Düğüm</a:t>
-            </a:r>
-            <a:r>
-              <a:rPr lang="en-US" b="1" dirty="0">
-                <a:latin typeface="JetBrains Mono ExtraBold" panose="02000009000000000000" pitchFamily="49" charset="0"/>
-                <a:ea typeface="JetBrains Mono ExtraBold" panose="02000009000000000000" pitchFamily="49" charset="0"/>
-                <a:cs typeface="JetBrains Mono ExtraBold" panose="02000009000000000000" pitchFamily="49" charset="0"/>
-              </a:rPr>
-              <a:t> </a:t>
-            </a:r>
-            <a:r>
-              <a:rPr lang="en-US" b="1" dirty="0" err="1">
-                <a:latin typeface="JetBrains Mono ExtraBold" panose="02000009000000000000" pitchFamily="49" charset="0"/>
-                <a:ea typeface="JetBrains Mono ExtraBold" panose="02000009000000000000" pitchFamily="49" charset="0"/>
-                <a:cs typeface="JetBrains Mono ExtraBold" panose="02000009000000000000" pitchFamily="49" charset="0"/>
-              </a:rPr>
-              <a:t>Sayısı</a:t>
-            </a:r>
-            <a:r>
-              <a:rPr lang="en-US" b="1" dirty="0">
-                <a:latin typeface="JetBrains Mono ExtraBold" panose="02000009000000000000" pitchFamily="49" charset="0"/>
-                <a:ea typeface="JetBrains Mono ExtraBold" panose="02000009000000000000" pitchFamily="49" charset="0"/>
-                <a:cs typeface="JetBrains Mono ExtraBold" panose="02000009000000000000" pitchFamily="49" charset="0"/>
-              </a:rPr>
-              <a:t>:</a:t>
-            </a:r>
-            <a:endParaRPr lang="en-US" dirty="0">
-              <a:latin typeface="JetBrains Mono ExtraBold" panose="02000009000000000000" pitchFamily="49" charset="0"/>
-              <a:ea typeface="JetBrains Mono ExtraBold" panose="02000009000000000000" pitchFamily="49" charset="0"/>
-              <a:cs typeface="JetBrains Mono ExtraBold" panose="02000009000000000000" pitchFamily="49" charset="0"/>
-            </a:endParaRPr>
-          </a:p>
-          <a:p>
-            <a:pPr marL="0" indent="0">
-              <a:buNone/>
-            </a:pPr>
-            <a:r>
-              <a:rPr lang="en-US" dirty="0">
+          <a:bodyPr/>
+          <a:lstStyle/>
+          <a:p>
+            <a:fld id="{E1749D0C-AFA5-4E71-A65E-422F634B557B}" type="slidenum">
+              <a:rPr lang="en-US" smtClean="0">
                 <a:solidFill>
-                  <a:srgbClr val="D73A49"/>
+                  <a:srgbClr val="032F62"/>
                 </a:solidFill>
                 <a:latin typeface="JetBrains Mono SemiBold" panose="02000009000000000000" pitchFamily="49" charset="0"/>
                 <a:ea typeface="JetBrains Mono SemiBold" panose="02000009000000000000" pitchFamily="49" charset="0"/>
                 <a:cs typeface="JetBrains Mono SemiBold" panose="02000009000000000000" pitchFamily="49" charset="0"/>
               </a:rPr>
-              <a:t>Contraction Hierarchies: 58 </a:t>
-            </a:r>
-            <a:r>
-              <a:rPr lang="en-US" dirty="0" err="1">
-                <a:solidFill>
-                  <a:srgbClr val="D73A49"/>
-                </a:solidFill>
-                <a:latin typeface="JetBrains Mono SemiBold" panose="02000009000000000000" pitchFamily="49" charset="0"/>
-                <a:ea typeface="JetBrains Mono SemiBold" panose="02000009000000000000" pitchFamily="49" charset="0"/>
-                <a:cs typeface="JetBrains Mono SemiBold" panose="02000009000000000000" pitchFamily="49" charset="0"/>
-              </a:rPr>
-              <a:t>düğüm</a:t>
-            </a:r>
+              <a:t>19</a:t>
+            </a:fld>
             <a:endParaRPr lang="en-US" dirty="0">
               <a:solidFill>
-                <a:srgbClr val="D73A49"/>
+                <a:srgbClr val="032F62"/>
               </a:solidFill>
               <a:latin typeface="JetBrains Mono SemiBold" panose="02000009000000000000" pitchFamily="49" charset="0"/>
               <a:ea typeface="JetBrains Mono SemiBold" panose="02000009000000000000" pitchFamily="49" charset="0"/>
               <a:cs typeface="JetBrains Mono SemiBold" panose="02000009000000000000" pitchFamily="49" charset="0"/>
             </a:endParaRPr>
           </a:p>
-          <a:p>
-            <a:pPr marL="0" indent="0">
-              <a:buNone/>
-            </a:pPr>
-            <a:r>
-              <a:rPr lang="en-US" dirty="0">
-                <a:solidFill>
-                  <a:srgbClr val="7030A0"/>
-                </a:solidFill>
-                <a:latin typeface="JetBrains Mono SemiBold" panose="02000009000000000000" pitchFamily="49" charset="0"/>
-                <a:ea typeface="JetBrains Mono SemiBold" panose="02000009000000000000" pitchFamily="49" charset="0"/>
-                <a:cs typeface="JetBrains Mono SemiBold" panose="02000009000000000000" pitchFamily="49" charset="0"/>
-              </a:rPr>
-              <a:t>Dijkstra: 439 </a:t>
-            </a:r>
-            <a:r>
-              <a:rPr lang="en-US" dirty="0" err="1">
-                <a:solidFill>
-                  <a:srgbClr val="7030A0"/>
-                </a:solidFill>
-                <a:latin typeface="JetBrains Mono SemiBold" panose="02000009000000000000" pitchFamily="49" charset="0"/>
-                <a:ea typeface="JetBrains Mono SemiBold" panose="02000009000000000000" pitchFamily="49" charset="0"/>
-                <a:cs typeface="JetBrains Mono SemiBold" panose="02000009000000000000" pitchFamily="49" charset="0"/>
-              </a:rPr>
-              <a:t>düğüm</a:t>
-            </a:r>
-            <a:endParaRPr lang="en-US" dirty="0">
-              <a:solidFill>
-                <a:srgbClr val="7030A0"/>
-              </a:solidFill>
-              <a:latin typeface="JetBrains Mono SemiBold" panose="02000009000000000000" pitchFamily="49" charset="0"/>
-              <a:ea typeface="JetBrains Mono SemiBold" panose="02000009000000000000" pitchFamily="49" charset="0"/>
-              <a:cs typeface="JetBrains Mono SemiBold" panose="02000009000000000000" pitchFamily="49" charset="0"/>
-            </a:endParaRPr>
-          </a:p>
-          <a:p>
-            <a:pPr marL="0" indent="0">
-              <a:buNone/>
-            </a:pPr>
-            <a:endParaRPr lang="en-US" dirty="0">
-              <a:latin typeface="JetBrains Mono SemiBold" panose="02000009000000000000" pitchFamily="49" charset="0"/>
-              <a:ea typeface="JetBrains Mono SemiBold" panose="02000009000000000000" pitchFamily="49" charset="0"/>
-              <a:cs typeface="JetBrains Mono SemiBold" panose="02000009000000000000" pitchFamily="49" charset="0"/>
-            </a:endParaRPr>
-          </a:p>
-          <a:p>
-            <a:pPr marL="0" indent="0">
-              <a:buNone/>
-            </a:pPr>
-            <a:r>
-              <a:rPr lang="en-US" dirty="0">
-                <a:latin typeface="JetBrains Mono SemiBold" panose="02000009000000000000" pitchFamily="49" charset="0"/>
-                <a:ea typeface="JetBrains Mono SemiBold" panose="02000009000000000000" pitchFamily="49" charset="0"/>
-                <a:cs typeface="JetBrains Mono SemiBold" panose="02000009000000000000" pitchFamily="49" charset="0"/>
-              </a:rPr>
-              <a:t>Contraction Hierarchies, </a:t>
-            </a:r>
-            <a:r>
-              <a:rPr lang="en-US" dirty="0" err="1">
-                <a:latin typeface="JetBrains Mono SemiBold" panose="02000009000000000000" pitchFamily="49" charset="0"/>
-                <a:ea typeface="JetBrains Mono SemiBold" panose="02000009000000000000" pitchFamily="49" charset="0"/>
-                <a:cs typeface="JetBrains Mono SemiBold" panose="02000009000000000000" pitchFamily="49" charset="0"/>
-              </a:rPr>
-              <a:t>Dijkstra’ya</a:t>
-            </a:r>
-            <a:r>
-              <a:rPr lang="en-US" dirty="0">
-                <a:latin typeface="JetBrains Mono SemiBold" panose="02000009000000000000" pitchFamily="49" charset="0"/>
-                <a:ea typeface="JetBrains Mono SemiBold" panose="02000009000000000000" pitchFamily="49" charset="0"/>
-                <a:cs typeface="JetBrains Mono SemiBold" panose="02000009000000000000" pitchFamily="49" charset="0"/>
-              </a:rPr>
-              <a:t> </a:t>
-            </a:r>
-            <a:r>
-              <a:rPr lang="en-US" dirty="0" err="1">
-                <a:latin typeface="JetBrains Mono SemiBold" panose="02000009000000000000" pitchFamily="49" charset="0"/>
-                <a:ea typeface="JetBrains Mono SemiBold" panose="02000009000000000000" pitchFamily="49" charset="0"/>
-                <a:cs typeface="JetBrains Mono SemiBold" panose="02000009000000000000" pitchFamily="49" charset="0"/>
-              </a:rPr>
-              <a:t>kıyasla</a:t>
-            </a:r>
-            <a:r>
-              <a:rPr lang="en-US" dirty="0">
-                <a:latin typeface="JetBrains Mono SemiBold" panose="02000009000000000000" pitchFamily="49" charset="0"/>
-                <a:ea typeface="JetBrains Mono SemiBold" panose="02000009000000000000" pitchFamily="49" charset="0"/>
-                <a:cs typeface="JetBrains Mono SemiBold" panose="02000009000000000000" pitchFamily="49" charset="0"/>
-              </a:rPr>
-              <a:t> </a:t>
-            </a:r>
-            <a:r>
-              <a:rPr lang="en-US" dirty="0" err="1">
-                <a:latin typeface="JetBrains Mono SemiBold" panose="02000009000000000000" pitchFamily="49" charset="0"/>
-                <a:ea typeface="JetBrains Mono SemiBold" panose="02000009000000000000" pitchFamily="49" charset="0"/>
-                <a:cs typeface="JetBrains Mono SemiBold" panose="02000009000000000000" pitchFamily="49" charset="0"/>
-              </a:rPr>
-              <a:t>yaklaşık</a:t>
-            </a:r>
-            <a:r>
-              <a:rPr lang="en-US" dirty="0">
-                <a:latin typeface="JetBrains Mono SemiBold" panose="02000009000000000000" pitchFamily="49" charset="0"/>
-                <a:ea typeface="JetBrains Mono SemiBold" panose="02000009000000000000" pitchFamily="49" charset="0"/>
-                <a:cs typeface="JetBrains Mono SemiBold" panose="02000009000000000000" pitchFamily="49" charset="0"/>
-              </a:rPr>
-              <a:t> </a:t>
-            </a:r>
-            <a:r>
-              <a:rPr lang="en-US" dirty="0">
-                <a:solidFill>
-                  <a:srgbClr val="D73A49"/>
-                </a:solidFill>
-                <a:latin typeface="JetBrains Mono SemiBold" panose="02000009000000000000" pitchFamily="49" charset="0"/>
-                <a:ea typeface="JetBrains Mono SemiBold" panose="02000009000000000000" pitchFamily="49" charset="0"/>
-                <a:cs typeface="JetBrains Mono SemiBold" panose="02000009000000000000" pitchFamily="49" charset="0"/>
-              </a:rPr>
-              <a:t>8 kat </a:t>
-            </a:r>
-            <a:r>
-              <a:rPr lang="en-US" dirty="0" err="1">
-                <a:latin typeface="JetBrains Mono SemiBold" panose="02000009000000000000" pitchFamily="49" charset="0"/>
-                <a:ea typeface="JetBrains Mono SemiBold" panose="02000009000000000000" pitchFamily="49" charset="0"/>
-                <a:cs typeface="JetBrains Mono SemiBold" panose="02000009000000000000" pitchFamily="49" charset="0"/>
-              </a:rPr>
-              <a:t>daha</a:t>
-            </a:r>
-            <a:r>
-              <a:rPr lang="en-US" dirty="0">
-                <a:latin typeface="JetBrains Mono SemiBold" panose="02000009000000000000" pitchFamily="49" charset="0"/>
-                <a:ea typeface="JetBrains Mono SemiBold" panose="02000009000000000000" pitchFamily="49" charset="0"/>
-                <a:cs typeface="JetBrains Mono SemiBold" panose="02000009000000000000" pitchFamily="49" charset="0"/>
-              </a:rPr>
-              <a:t> </a:t>
-            </a:r>
-            <a:r>
-              <a:rPr lang="en-US" dirty="0" err="1">
-                <a:latin typeface="JetBrains Mono SemiBold" panose="02000009000000000000" pitchFamily="49" charset="0"/>
-                <a:ea typeface="JetBrains Mono SemiBold" panose="02000009000000000000" pitchFamily="49" charset="0"/>
-                <a:cs typeface="JetBrains Mono SemiBold" panose="02000009000000000000" pitchFamily="49" charset="0"/>
-              </a:rPr>
-              <a:t>az</a:t>
-            </a:r>
-            <a:r>
-              <a:rPr lang="en-US" dirty="0">
-                <a:latin typeface="JetBrains Mono SemiBold" panose="02000009000000000000" pitchFamily="49" charset="0"/>
-                <a:ea typeface="JetBrains Mono SemiBold" panose="02000009000000000000" pitchFamily="49" charset="0"/>
-                <a:cs typeface="JetBrains Mono SemiBold" panose="02000009000000000000" pitchFamily="49" charset="0"/>
-              </a:rPr>
-              <a:t> </a:t>
-            </a:r>
-            <a:r>
-              <a:rPr lang="en-US" dirty="0" err="1">
-                <a:latin typeface="JetBrains Mono SemiBold" panose="02000009000000000000" pitchFamily="49" charset="0"/>
-                <a:ea typeface="JetBrains Mono SemiBold" panose="02000009000000000000" pitchFamily="49" charset="0"/>
-                <a:cs typeface="JetBrains Mono SemiBold" panose="02000009000000000000" pitchFamily="49" charset="0"/>
-              </a:rPr>
-              <a:t>düğüm</a:t>
-            </a:r>
-            <a:r>
-              <a:rPr lang="en-US" dirty="0">
-                <a:latin typeface="JetBrains Mono SemiBold" panose="02000009000000000000" pitchFamily="49" charset="0"/>
-                <a:ea typeface="JetBrains Mono SemiBold" panose="02000009000000000000" pitchFamily="49" charset="0"/>
-                <a:cs typeface="JetBrains Mono SemiBold" panose="02000009000000000000" pitchFamily="49" charset="0"/>
-              </a:rPr>
-              <a:t> </a:t>
-            </a:r>
-            <a:r>
-              <a:rPr lang="en-US" dirty="0" err="1">
-                <a:latin typeface="JetBrains Mono SemiBold" panose="02000009000000000000" pitchFamily="49" charset="0"/>
-                <a:ea typeface="JetBrains Mono SemiBold" panose="02000009000000000000" pitchFamily="49" charset="0"/>
-                <a:cs typeface="JetBrains Mono SemiBold" panose="02000009000000000000" pitchFamily="49" charset="0"/>
-              </a:rPr>
-              <a:t>incelemektedir</a:t>
-            </a:r>
-            <a:r>
-              <a:rPr lang="en-US" dirty="0">
-                <a:latin typeface="JetBrains Mono SemiBold" panose="02000009000000000000" pitchFamily="49" charset="0"/>
-                <a:ea typeface="JetBrains Mono SemiBold" panose="02000009000000000000" pitchFamily="49" charset="0"/>
-                <a:cs typeface="JetBrains Mono SemiBold" panose="02000009000000000000" pitchFamily="49" charset="0"/>
-              </a:rPr>
-              <a:t>.</a:t>
-            </a:r>
-          </a:p>
-          <a:p>
-            <a:pPr marL="0" indent="0">
-              <a:buNone/>
-            </a:pPr>
-            <a:br>
-              <a:rPr lang="en-US" dirty="0">
-                <a:latin typeface="JetBrains Mono SemiBold" panose="02000009000000000000" pitchFamily="49" charset="0"/>
-                <a:ea typeface="JetBrains Mono SemiBold" panose="02000009000000000000" pitchFamily="49" charset="0"/>
-                <a:cs typeface="JetBrains Mono SemiBold" panose="02000009000000000000" pitchFamily="49" charset="0"/>
-              </a:rPr>
-            </a:br>
-            <a:endParaRPr lang="en-US" dirty="0">
-              <a:latin typeface="JetBrains Mono SemiBold" panose="02000009000000000000" pitchFamily="49" charset="0"/>
-              <a:ea typeface="JetBrains Mono SemiBold" panose="02000009000000000000" pitchFamily="49" charset="0"/>
-              <a:cs typeface="JetBrains Mono SemiBold" panose="02000009000000000000" pitchFamily="49" charset="0"/>
-            </a:endParaRPr>
-          </a:p>
-        </p:txBody>
-      </p:sp>
-      <p:sp>
-        <p:nvSpPr>
-          <p:cNvPr id="4" name="Slide Number Placeholder 3">
-            <a:extLst>
-              <a:ext uri="{FF2B5EF4-FFF2-40B4-BE49-F238E27FC236}">
-                <a16:creationId xmlns:a16="http://schemas.microsoft.com/office/drawing/2014/main" id="{23CBBDC4-4ACC-9363-1FE8-94D3A7E78F7A}"/>
-              </a:ext>
-            </a:extLst>
-          </p:cNvPr>
-          <p:cNvSpPr>
-            <a:spLocks noGrp="1"/>
-          </p:cNvSpPr>
-          <p:nvPr>
-            <p:ph type="sldNum" sz="quarter" idx="12"/>
-          </p:nvPr>
-        </p:nvSpPr>
-        <p:spPr/>
-        <p:txBody>
-          <a:bodyPr/>
-          <a:lstStyle/>
-          <a:p>
-            <a:fld id="{E1749D0C-AFA5-4E71-A65E-422F634B557B}" type="slidenum">
-              <a:rPr lang="en-US" smtClean="0"/>
-              <a:t>19</a:t>
-            </a:fld>
-            <a:endParaRPr lang="en-US"/>
-          </a:p>
         </p:txBody>
       </p:sp>
     </p:spTree>
     <p:extLst>
       <p:ext uri="{BB962C8B-B14F-4D97-AF65-F5344CB8AC3E}">
-        <p14:creationId xmlns:p14="http://schemas.microsoft.com/office/powerpoint/2010/main" val="1294259942"/>
+        <p14:creationId xmlns:p14="http://schemas.microsoft.com/office/powerpoint/2010/main" val="4160864636"/>
       </p:ext>
     </p:extLst>
   </p:cSld>
@@ -7224,603 +7155,6 @@
           <p:cNvPr id="2" name="Title 1">
             <a:extLst>
               <a:ext uri="{FF2B5EF4-FFF2-40B4-BE49-F238E27FC236}">
-                <a16:creationId xmlns:a16="http://schemas.microsoft.com/office/drawing/2014/main" id="{A9D5DF43-5544-BAFA-31B8-B07999D15F0B}"/>
-              </a:ext>
-            </a:extLst>
-          </p:cNvPr>
-          <p:cNvSpPr>
-            <a:spLocks noGrp="1"/>
-          </p:cNvSpPr>
-          <p:nvPr>
-            <p:ph type="title"/>
-          </p:nvPr>
-        </p:nvSpPr>
-        <p:spPr/>
-        <p:txBody>
-          <a:bodyPr/>
-          <a:lstStyle/>
-          <a:p>
-            <a:pPr algn="ctr"/>
-            <a:r>
-              <a:rPr lang="en-US" dirty="0" err="1">
-                <a:latin typeface="JetBrains Mono SemiBold" panose="02000009000000000000" pitchFamily="49" charset="0"/>
-                <a:ea typeface="JetBrains Mono SemiBold" panose="02000009000000000000" pitchFamily="49" charset="0"/>
-                <a:cs typeface="JetBrains Mono SemiBold" panose="02000009000000000000" pitchFamily="49" charset="0"/>
-              </a:rPr>
-              <a:t>Sonuç</a:t>
-            </a:r>
-            <a:endParaRPr lang="tr-TR" dirty="0">
-              <a:latin typeface="JetBrains Mono SemiBold" panose="02000009000000000000" pitchFamily="49" charset="0"/>
-              <a:ea typeface="JetBrains Mono SemiBold" panose="02000009000000000000" pitchFamily="49" charset="0"/>
-              <a:cs typeface="JetBrains Mono SemiBold" panose="02000009000000000000" pitchFamily="49" charset="0"/>
-            </a:endParaRPr>
-          </a:p>
-        </p:txBody>
-      </p:sp>
-      <p:sp>
-        <p:nvSpPr>
-          <p:cNvPr id="4" name="Slide Number Placeholder 3">
-            <a:extLst>
-              <a:ext uri="{FF2B5EF4-FFF2-40B4-BE49-F238E27FC236}">
-                <a16:creationId xmlns:a16="http://schemas.microsoft.com/office/drawing/2014/main" id="{D42F8207-0480-1335-FCA6-597406E1640B}"/>
-              </a:ext>
-            </a:extLst>
-          </p:cNvPr>
-          <p:cNvSpPr>
-            <a:spLocks noGrp="1"/>
-          </p:cNvSpPr>
-          <p:nvPr>
-            <p:ph type="sldNum" sz="quarter" idx="12"/>
-          </p:nvPr>
-        </p:nvSpPr>
-        <p:spPr/>
-        <p:txBody>
-          <a:bodyPr/>
-          <a:lstStyle/>
-          <a:p>
-            <a:fld id="{E1749D0C-AFA5-4E71-A65E-422F634B557B}" type="slidenum">
-              <a:rPr lang="en-US" smtClean="0">
-                <a:solidFill>
-                  <a:srgbClr val="032F62"/>
-                </a:solidFill>
-                <a:latin typeface="JetBrains Mono SemiBold" panose="02000009000000000000" pitchFamily="49" charset="0"/>
-                <a:ea typeface="JetBrains Mono SemiBold" panose="02000009000000000000" pitchFamily="49" charset="0"/>
-                <a:cs typeface="JetBrains Mono SemiBold" panose="02000009000000000000" pitchFamily="49" charset="0"/>
-              </a:rPr>
-              <a:t>20</a:t>
-            </a:fld>
-            <a:endParaRPr lang="en-US" dirty="0">
-              <a:solidFill>
-                <a:srgbClr val="032F62"/>
-              </a:solidFill>
-              <a:latin typeface="JetBrains Mono SemiBold" panose="02000009000000000000" pitchFamily="49" charset="0"/>
-              <a:ea typeface="JetBrains Mono SemiBold" panose="02000009000000000000" pitchFamily="49" charset="0"/>
-              <a:cs typeface="JetBrains Mono SemiBold" panose="02000009000000000000" pitchFamily="49" charset="0"/>
-            </a:endParaRPr>
-          </a:p>
-        </p:txBody>
-      </p:sp>
-      <p:sp>
-        <p:nvSpPr>
-          <p:cNvPr id="9" name="Content Placeholder 8">
-            <a:extLst>
-              <a:ext uri="{FF2B5EF4-FFF2-40B4-BE49-F238E27FC236}">
-                <a16:creationId xmlns:a16="http://schemas.microsoft.com/office/drawing/2014/main" id="{39C04FB8-C38E-3EA2-57F5-AE51860F4503}"/>
-              </a:ext>
-            </a:extLst>
-          </p:cNvPr>
-          <p:cNvSpPr>
-            <a:spLocks noGrp="1"/>
-          </p:cNvSpPr>
-          <p:nvPr>
-            <p:ph idx="1"/>
-          </p:nvPr>
-        </p:nvSpPr>
-        <p:spPr/>
-        <p:txBody>
-          <a:bodyPr>
-            <a:normAutofit fontScale="85000" lnSpcReduction="20000"/>
-          </a:bodyPr>
-          <a:lstStyle/>
-          <a:p>
-            <a:pPr marL="0" indent="0">
-              <a:buNone/>
-            </a:pPr>
-            <a:r>
-              <a:rPr lang="tr-TR" dirty="0" err="1">
-                <a:latin typeface="JetBrains Mono SemiBold" panose="02000009000000000000" pitchFamily="49" charset="0"/>
-                <a:ea typeface="JetBrains Mono SemiBold" panose="02000009000000000000" pitchFamily="49" charset="0"/>
-                <a:cs typeface="JetBrains Mono SemiBold" panose="02000009000000000000" pitchFamily="49" charset="0"/>
-              </a:rPr>
-              <a:t>Contraction</a:t>
-            </a:r>
-            <a:r>
-              <a:rPr lang="tr-TR" dirty="0">
-                <a:latin typeface="JetBrains Mono SemiBold" panose="02000009000000000000" pitchFamily="49" charset="0"/>
-                <a:ea typeface="JetBrains Mono SemiBold" panose="02000009000000000000" pitchFamily="49" charset="0"/>
-                <a:cs typeface="JetBrains Mono SemiBold" panose="02000009000000000000" pitchFamily="49" charset="0"/>
-              </a:rPr>
-              <a:t> </a:t>
-            </a:r>
-            <a:r>
-              <a:rPr lang="tr-TR" dirty="0" err="1">
-                <a:latin typeface="JetBrains Mono SemiBold" panose="02000009000000000000" pitchFamily="49" charset="0"/>
-                <a:ea typeface="JetBrains Mono SemiBold" panose="02000009000000000000" pitchFamily="49" charset="0"/>
-                <a:cs typeface="JetBrains Mono SemiBold" panose="02000009000000000000" pitchFamily="49" charset="0"/>
-              </a:rPr>
-              <a:t>Hierarchies</a:t>
-            </a:r>
-            <a:r>
-              <a:rPr lang="tr-TR" dirty="0">
-                <a:latin typeface="JetBrains Mono SemiBold" panose="02000009000000000000" pitchFamily="49" charset="0"/>
-                <a:ea typeface="JetBrains Mono SemiBold" panose="02000009000000000000" pitchFamily="49" charset="0"/>
-                <a:cs typeface="JetBrains Mono SemiBold" panose="02000009000000000000" pitchFamily="49" charset="0"/>
-              </a:rPr>
-              <a:t>, tek seferlik bir önişleme süresi yatırımıyla sorgu sırasında incelenen düğüm sayısını büyük ölçüde azaltır. Bu ön işleme aşamasında, haritadaki tüm düğümler analiz edilerek önem sırasına göre sıralanır ve daha az önemli olan düğümler birleştirilerek atlama yolları (</a:t>
-            </a:r>
-            <a:r>
-              <a:rPr lang="tr-TR" dirty="0" err="1">
-                <a:latin typeface="JetBrains Mono SemiBold" panose="02000009000000000000" pitchFamily="49" charset="0"/>
-                <a:ea typeface="JetBrains Mono SemiBold" panose="02000009000000000000" pitchFamily="49" charset="0"/>
-                <a:cs typeface="JetBrains Mono SemiBold" panose="02000009000000000000" pitchFamily="49" charset="0"/>
-              </a:rPr>
-              <a:t>shortcuts</a:t>
-            </a:r>
-            <a:r>
-              <a:rPr lang="tr-TR" dirty="0">
-                <a:latin typeface="JetBrains Mono SemiBold" panose="02000009000000000000" pitchFamily="49" charset="0"/>
-                <a:ea typeface="JetBrains Mono SemiBold" panose="02000009000000000000" pitchFamily="49" charset="0"/>
-                <a:cs typeface="JetBrains Mono SemiBold" panose="02000009000000000000" pitchFamily="49" charset="0"/>
-              </a:rPr>
-              <a:t>) oluşturulur. Bu sayede, sorgu sırasında algoritma yalnızca gerekli düğümleri inceleyerek en kısa rotayı çok daha hızlı bir şekilde hesaplar. Özellikle büyük yol ağlarında, her sorguda tüm düğümleri baştan incelemenin getirdiği zaman maliyetinden kaçınılır.</a:t>
-            </a:r>
-          </a:p>
-        </p:txBody>
-      </p:sp>
-    </p:spTree>
-    <p:extLst>
-      <p:ext uri="{BB962C8B-B14F-4D97-AF65-F5344CB8AC3E}">
-        <p14:creationId xmlns:p14="http://schemas.microsoft.com/office/powerpoint/2010/main" val="1655677136"/>
-      </p:ext>
-    </p:extLst>
-  </p:cSld>
-  <p:clrMapOvr>
-    <a:masterClrMapping/>
-  </p:clrMapOvr>
-</p:sld>
-</file>
-
-<file path=ppt/slides/slide21.xml><?xml version="1.0" encoding="utf-8"?>
-<p:sld xmlns:a="http://schemas.openxmlformats.org/drawingml/2006/main" xmlns:r="http://schemas.openxmlformats.org/officeDocument/2006/relationships" xmlns:p="http://schemas.openxmlformats.org/presentationml/2006/main">
-  <p:cSld>
-    <p:spTree>
-      <p:nvGrpSpPr>
-        <p:cNvPr id="1" name=""/>
-        <p:cNvGrpSpPr/>
-        <p:nvPr/>
-      </p:nvGrpSpPr>
-      <p:grpSpPr>
-        <a:xfrm>
-          <a:off x="0" y="0"/>
-          <a:ext cx="0" cy="0"/>
-          <a:chOff x="0" y="0"/>
-          <a:chExt cx="0" cy="0"/>
-        </a:xfrm>
-      </p:grpSpPr>
-      <p:sp>
-        <p:nvSpPr>
-          <p:cNvPr id="2" name="Title 1">
-            <a:extLst>
-              <a:ext uri="{FF2B5EF4-FFF2-40B4-BE49-F238E27FC236}">
-                <a16:creationId xmlns:a16="http://schemas.microsoft.com/office/drawing/2014/main" id="{5AB92F4E-90DB-8ED2-7849-8BA1DEC5AF27}"/>
-              </a:ext>
-            </a:extLst>
-          </p:cNvPr>
-          <p:cNvSpPr>
-            <a:spLocks noGrp="1"/>
-          </p:cNvSpPr>
-          <p:nvPr>
-            <p:ph type="title"/>
-          </p:nvPr>
-        </p:nvSpPr>
-        <p:spPr/>
-        <p:txBody>
-          <a:bodyPr/>
-          <a:lstStyle/>
-          <a:p>
-            <a:pPr algn="ctr"/>
-            <a:r>
-              <a:rPr lang="en-US" dirty="0" err="1">
-                <a:latin typeface="JetBrains Mono SemiBold" panose="02000009000000000000" pitchFamily="49" charset="0"/>
-                <a:ea typeface="JetBrains Mono SemiBold" panose="02000009000000000000" pitchFamily="49" charset="0"/>
-                <a:cs typeface="JetBrains Mono SemiBold" panose="02000009000000000000" pitchFamily="49" charset="0"/>
-              </a:rPr>
-              <a:t>Sonuç</a:t>
-            </a:r>
-            <a:endParaRPr lang="tr-TR" dirty="0"/>
-          </a:p>
-        </p:txBody>
-      </p:sp>
-      <p:sp>
-        <p:nvSpPr>
-          <p:cNvPr id="3" name="Content Placeholder 2">
-            <a:extLst>
-              <a:ext uri="{FF2B5EF4-FFF2-40B4-BE49-F238E27FC236}">
-                <a16:creationId xmlns:a16="http://schemas.microsoft.com/office/drawing/2014/main" id="{5A5DF8E4-A48A-AB0D-5DA2-0BC9880F8A7F}"/>
-              </a:ext>
-            </a:extLst>
-          </p:cNvPr>
-          <p:cNvSpPr>
-            <a:spLocks noGrp="1"/>
-          </p:cNvSpPr>
-          <p:nvPr>
-            <p:ph idx="1"/>
-          </p:nvPr>
-        </p:nvSpPr>
-        <p:spPr/>
-        <p:txBody>
-          <a:bodyPr vert="horz" lIns="91440" tIns="45720" rIns="91440" bIns="45720" rtlCol="0" anchor="t">
-            <a:noAutofit/>
-          </a:bodyPr>
-          <a:lstStyle/>
-          <a:p>
-            <a:pPr marL="0" indent="0">
-              <a:spcBef>
-                <a:spcPts val="1200"/>
-              </a:spcBef>
-              <a:spcAft>
-                <a:spcPts val="1200"/>
-              </a:spcAft>
-              <a:buNone/>
-            </a:pPr>
-            <a:r>
-              <a:rPr lang="tr-TR" sz="2000" dirty="0">
-                <a:solidFill>
-                  <a:srgbClr val="000000"/>
-                </a:solidFill>
-                <a:latin typeface="JetBrains Mono SemiBold" panose="02000009000000000000" pitchFamily="49" charset="0"/>
-                <a:ea typeface="JetBrains Mono SemiBold" panose="02000009000000000000" pitchFamily="49" charset="0"/>
-                <a:cs typeface="JetBrains Mono SemiBold" panose="02000009000000000000" pitchFamily="49" charset="0"/>
-              </a:rPr>
-              <a:t>Bu yöntem, yoğun trafik ağları, büyük şehir haritaları veya sık sık en kısa yol hesaplaması gerektiren navigasyon uygulamaları gibi alanlarda </a:t>
-            </a:r>
-            <a:r>
-              <a:rPr lang="tr-TR" sz="2000" dirty="0" err="1">
-                <a:solidFill>
-                  <a:srgbClr val="000000"/>
-                </a:solidFill>
-                <a:latin typeface="JetBrains Mono SemiBold" panose="02000009000000000000" pitchFamily="49" charset="0"/>
-                <a:ea typeface="JetBrains Mono SemiBold" panose="02000009000000000000" pitchFamily="49" charset="0"/>
-                <a:cs typeface="JetBrains Mono SemiBold" panose="02000009000000000000" pitchFamily="49" charset="0"/>
-              </a:rPr>
-              <a:t>Dijkstra</a:t>
-            </a:r>
-            <a:r>
-              <a:rPr lang="tr-TR" sz="2000" dirty="0">
-                <a:solidFill>
-                  <a:srgbClr val="000000"/>
-                </a:solidFill>
-                <a:latin typeface="JetBrains Mono SemiBold" panose="02000009000000000000" pitchFamily="49" charset="0"/>
-                <a:ea typeface="JetBrains Mono SemiBold" panose="02000009000000000000" pitchFamily="49" charset="0"/>
-                <a:cs typeface="JetBrains Mono SemiBold" panose="02000009000000000000" pitchFamily="49" charset="0"/>
-              </a:rPr>
-              <a:t> algoritmasına kıyasla çok daha verimli bir seçenek olarak öne çıkar. Örneğin, bir şehirdeki yüzlerce kavşak ve yolun analiz edildiği bir ağda, </a:t>
-            </a:r>
-            <a:r>
-              <a:rPr lang="tr-TR" sz="2000" b="0" i="0" u="none" strike="noStrike" dirty="0" err="1">
-                <a:solidFill>
-                  <a:srgbClr val="000000"/>
-                </a:solidFill>
-                <a:effectLst/>
-                <a:latin typeface="JetBrains Mono SemiBold" panose="02000009000000000000" pitchFamily="49" charset="0"/>
-                <a:ea typeface="JetBrains Mono SemiBold" panose="02000009000000000000" pitchFamily="49" charset="0"/>
-                <a:cs typeface="JetBrains Mono SemiBold" panose="02000009000000000000" pitchFamily="49" charset="0"/>
-              </a:rPr>
-              <a:t>Contraction</a:t>
-            </a:r>
-            <a:r>
-              <a:rPr lang="tr-TR" sz="2000" b="0" i="0" u="none" strike="noStrike" dirty="0">
-                <a:solidFill>
-                  <a:srgbClr val="000000"/>
-                </a:solidFill>
-                <a:effectLst/>
-                <a:latin typeface="JetBrains Mono SemiBold" panose="02000009000000000000" pitchFamily="49" charset="0"/>
-                <a:ea typeface="JetBrains Mono SemiBold" panose="02000009000000000000" pitchFamily="49" charset="0"/>
-                <a:cs typeface="JetBrains Mono SemiBold" panose="02000009000000000000" pitchFamily="49" charset="0"/>
-              </a:rPr>
-              <a:t> </a:t>
-            </a:r>
-            <a:r>
-              <a:rPr lang="tr-TR" sz="2000" b="0" i="0" u="none" strike="noStrike" dirty="0" err="1">
-                <a:solidFill>
-                  <a:srgbClr val="000000"/>
-                </a:solidFill>
-                <a:effectLst/>
-                <a:latin typeface="JetBrains Mono SemiBold" panose="02000009000000000000" pitchFamily="49" charset="0"/>
-                <a:ea typeface="JetBrains Mono SemiBold" panose="02000009000000000000" pitchFamily="49" charset="0"/>
-                <a:cs typeface="JetBrains Mono SemiBold" panose="02000009000000000000" pitchFamily="49" charset="0"/>
-              </a:rPr>
-              <a:t>Hierarchies</a:t>
-            </a:r>
-            <a:r>
-              <a:rPr lang="tr-TR" sz="2000" b="0" i="0" u="none" strike="noStrike" dirty="0">
-                <a:solidFill>
-                  <a:srgbClr val="000000"/>
-                </a:solidFill>
-                <a:effectLst/>
-                <a:latin typeface="JetBrains Mono SemiBold" panose="02000009000000000000" pitchFamily="49" charset="0"/>
-                <a:ea typeface="JetBrains Mono SemiBold" panose="02000009000000000000" pitchFamily="49" charset="0"/>
-                <a:cs typeface="JetBrains Mono SemiBold" panose="02000009000000000000" pitchFamily="49" charset="0"/>
-              </a:rPr>
-              <a:t> </a:t>
-            </a:r>
-            <a:r>
-              <a:rPr lang="tr-TR" sz="2000" dirty="0">
-                <a:solidFill>
-                  <a:srgbClr val="000000"/>
-                </a:solidFill>
-                <a:latin typeface="JetBrains Mono SemiBold" panose="02000009000000000000" pitchFamily="49" charset="0"/>
-                <a:ea typeface="JetBrains Mono SemiBold" panose="02000009000000000000" pitchFamily="49" charset="0"/>
-                <a:cs typeface="JetBrains Mono SemiBold" panose="02000009000000000000" pitchFamily="49" charset="0"/>
-              </a:rPr>
-              <a:t>algoritması</a:t>
-            </a:r>
-            <a:r>
-              <a:rPr lang="tr-TR" sz="2000" b="0" i="0" u="none" strike="noStrike" dirty="0">
-                <a:solidFill>
-                  <a:srgbClr val="000000"/>
-                </a:solidFill>
-                <a:effectLst/>
-                <a:latin typeface="JetBrains Mono SemiBold" panose="02000009000000000000" pitchFamily="49" charset="0"/>
-                <a:ea typeface="JetBrains Mono SemiBold" panose="02000009000000000000" pitchFamily="49" charset="0"/>
-                <a:cs typeface="JetBrains Mono SemiBold" panose="02000009000000000000" pitchFamily="49" charset="0"/>
-              </a:rPr>
-              <a:t>, </a:t>
-            </a:r>
-            <a:r>
-              <a:rPr lang="tr-TR" sz="2000" dirty="0">
-                <a:solidFill>
-                  <a:srgbClr val="000000"/>
-                </a:solidFill>
-                <a:latin typeface="JetBrains Mono SemiBold" panose="02000009000000000000" pitchFamily="49" charset="0"/>
-                <a:ea typeface="JetBrains Mono SemiBold" panose="02000009000000000000" pitchFamily="49" charset="0"/>
-                <a:cs typeface="JetBrains Mono SemiBold" panose="02000009000000000000" pitchFamily="49" charset="0"/>
-              </a:rPr>
-              <a:t>yalnızca önemli kavşakları ve bağlantıları dikkate alarak </a:t>
-            </a:r>
-            <a:r>
-              <a:rPr lang="tr-TR" sz="2000" b="0" i="0" u="none" strike="noStrike" dirty="0">
-                <a:solidFill>
-                  <a:srgbClr val="000000"/>
-                </a:solidFill>
-                <a:effectLst/>
-                <a:latin typeface="JetBrains Mono SemiBold" panose="02000009000000000000" pitchFamily="49" charset="0"/>
-                <a:ea typeface="JetBrains Mono SemiBold" panose="02000009000000000000" pitchFamily="49" charset="0"/>
-                <a:cs typeface="JetBrains Mono SemiBold" panose="02000009000000000000" pitchFamily="49" charset="0"/>
-              </a:rPr>
-              <a:t>sorgu </a:t>
-            </a:r>
-            <a:r>
-              <a:rPr lang="tr-TR" sz="2000" dirty="0">
-                <a:solidFill>
-                  <a:srgbClr val="000000"/>
-                </a:solidFill>
-                <a:latin typeface="JetBrains Mono SemiBold" panose="02000009000000000000" pitchFamily="49" charset="0"/>
-                <a:ea typeface="JetBrains Mono SemiBold" panose="02000009000000000000" pitchFamily="49" charset="0"/>
-                <a:cs typeface="JetBrains Mono SemiBold" panose="02000009000000000000" pitchFamily="49" charset="0"/>
-              </a:rPr>
-              <a:t>süresini büyük ölçüde hızlandırabilir</a:t>
-            </a:r>
-            <a:r>
-              <a:rPr lang="tr-TR" sz="2000" b="0" i="0" u="none" strike="noStrike" dirty="0">
-                <a:solidFill>
-                  <a:srgbClr val="000000"/>
-                </a:solidFill>
-                <a:effectLst/>
-                <a:latin typeface="JetBrains Mono SemiBold" panose="02000009000000000000" pitchFamily="49" charset="0"/>
-                <a:ea typeface="JetBrains Mono SemiBold" panose="02000009000000000000" pitchFamily="49" charset="0"/>
-                <a:cs typeface="JetBrains Mono SemiBold" panose="02000009000000000000" pitchFamily="49" charset="0"/>
-              </a:rPr>
-              <a:t>. </a:t>
-            </a:r>
-            <a:r>
-              <a:rPr lang="tr-TR" sz="2000" dirty="0">
-                <a:solidFill>
-                  <a:srgbClr val="000000"/>
-                </a:solidFill>
-                <a:latin typeface="JetBrains Mono SemiBold" panose="02000009000000000000" pitchFamily="49" charset="0"/>
-                <a:ea typeface="JetBrains Mono SemiBold" panose="02000009000000000000" pitchFamily="49" charset="0"/>
-                <a:cs typeface="JetBrains Mono SemiBold" panose="02000009000000000000" pitchFamily="49" charset="0"/>
-              </a:rPr>
-              <a:t>Bu hız avantajı</a:t>
-            </a:r>
-            <a:r>
-              <a:rPr lang="tr-TR" sz="2000" b="0" i="0" u="none" strike="noStrike" dirty="0">
-                <a:solidFill>
-                  <a:srgbClr val="000000"/>
-                </a:solidFill>
-                <a:effectLst/>
-                <a:latin typeface="JetBrains Mono SemiBold" panose="02000009000000000000" pitchFamily="49" charset="0"/>
-                <a:ea typeface="JetBrains Mono SemiBold" panose="02000009000000000000" pitchFamily="49" charset="0"/>
-                <a:cs typeface="JetBrains Mono SemiBold" panose="02000009000000000000" pitchFamily="49" charset="0"/>
-              </a:rPr>
-              <a:t>, </a:t>
-            </a:r>
-            <a:r>
-              <a:rPr lang="tr-TR" sz="2000" dirty="0">
-                <a:solidFill>
-                  <a:srgbClr val="000000"/>
-                </a:solidFill>
-                <a:latin typeface="JetBrains Mono SemiBold" panose="02000009000000000000" pitchFamily="49" charset="0"/>
-                <a:ea typeface="JetBrains Mono SemiBold" panose="02000009000000000000" pitchFamily="49" charset="0"/>
-                <a:cs typeface="JetBrains Mono SemiBold" panose="02000009000000000000" pitchFamily="49" charset="0"/>
-              </a:rPr>
-              <a:t>gerçek zamanlı navigasyon veya </a:t>
-            </a:r>
-            <a:r>
-              <a:rPr lang="tr-TR" sz="2000" b="0" i="0" u="none" strike="noStrike" dirty="0">
-                <a:solidFill>
-                  <a:srgbClr val="000000"/>
-                </a:solidFill>
-                <a:effectLst/>
-                <a:latin typeface="JetBrains Mono SemiBold" panose="02000009000000000000" pitchFamily="49" charset="0"/>
-                <a:ea typeface="JetBrains Mono SemiBold" panose="02000009000000000000" pitchFamily="49" charset="0"/>
-                <a:cs typeface="JetBrains Mono SemiBold" panose="02000009000000000000" pitchFamily="49" charset="0"/>
-              </a:rPr>
-              <a:t>sık </a:t>
-            </a:r>
-            <a:r>
-              <a:rPr lang="tr-TR" sz="2000" dirty="0">
-                <a:solidFill>
-                  <a:srgbClr val="000000"/>
-                </a:solidFill>
-                <a:latin typeface="JetBrains Mono SemiBold" panose="02000009000000000000" pitchFamily="49" charset="0"/>
-                <a:ea typeface="JetBrains Mono SemiBold" panose="02000009000000000000" pitchFamily="49" charset="0"/>
-                <a:cs typeface="JetBrains Mono SemiBold" panose="02000009000000000000" pitchFamily="49" charset="0"/>
-              </a:rPr>
-              <a:t>sorgu gerektiren sistemlerde önemli bir fark yaratır </a:t>
-            </a:r>
-            <a:r>
-              <a:rPr lang="tr-TR" sz="2000" b="0" i="0" u="none" strike="noStrike" dirty="0">
-                <a:solidFill>
-                  <a:srgbClr val="000000"/>
-                </a:solidFill>
-                <a:effectLst/>
-                <a:latin typeface="JetBrains Mono SemiBold" panose="02000009000000000000" pitchFamily="49" charset="0"/>
-                <a:ea typeface="JetBrains Mono SemiBold" panose="02000009000000000000" pitchFamily="49" charset="0"/>
-                <a:cs typeface="JetBrains Mono SemiBold" panose="02000009000000000000" pitchFamily="49" charset="0"/>
-              </a:rPr>
-              <a:t>ve </a:t>
-            </a:r>
-            <a:r>
-              <a:rPr lang="tr-TR" sz="2000" dirty="0">
-                <a:solidFill>
-                  <a:srgbClr val="000000"/>
-                </a:solidFill>
-                <a:latin typeface="JetBrains Mono SemiBold" panose="02000009000000000000" pitchFamily="49" charset="0"/>
-                <a:ea typeface="JetBrains Mono SemiBold" panose="02000009000000000000" pitchFamily="49" charset="0"/>
-                <a:cs typeface="JetBrains Mono SemiBold" panose="02000009000000000000" pitchFamily="49" charset="0"/>
-              </a:rPr>
-              <a:t>hem kullanıcı deneyimini hem de işlem verimliliğini artırır</a:t>
-            </a:r>
-            <a:r>
-              <a:rPr lang="tr-TR" sz="2000" b="0" i="0" u="none" strike="noStrike" dirty="0">
-                <a:solidFill>
-                  <a:srgbClr val="000000"/>
-                </a:solidFill>
-                <a:effectLst/>
-                <a:latin typeface="JetBrains Mono SemiBold" panose="02000009000000000000" pitchFamily="49" charset="0"/>
-                <a:ea typeface="JetBrains Mono SemiBold" panose="02000009000000000000" pitchFamily="49" charset="0"/>
-                <a:cs typeface="JetBrains Mono SemiBold" panose="02000009000000000000" pitchFamily="49" charset="0"/>
-              </a:rPr>
-              <a:t>.</a:t>
-            </a:r>
-            <a:endParaRPr lang="en-US" sz="2000" dirty="0">
-              <a:latin typeface="JetBrains Mono SemiBold" panose="02000009000000000000" pitchFamily="49" charset="0"/>
-              <a:ea typeface="JetBrains Mono SemiBold" panose="02000009000000000000" pitchFamily="49" charset="0"/>
-              <a:cs typeface="JetBrains Mono SemiBold" panose="02000009000000000000" pitchFamily="49" charset="0"/>
-            </a:endParaRPr>
-          </a:p>
-          <a:p>
-            <a:pPr marL="0" indent="0" rtl="0" fontAlgn="base">
-              <a:spcBef>
-                <a:spcPts val="1200"/>
-              </a:spcBef>
-              <a:spcAft>
-                <a:spcPts val="1200"/>
-              </a:spcAft>
-              <a:buNone/>
-            </a:pPr>
-            <a:endParaRPr lang="tr-TR" sz="2000" b="0" i="0" u="none" strike="noStrike" dirty="0">
-              <a:solidFill>
-                <a:srgbClr val="000000"/>
-              </a:solidFill>
-              <a:effectLst/>
-              <a:latin typeface="JetBrains Mono SemiBold" panose="02000009000000000000" pitchFamily="49" charset="0"/>
-              <a:ea typeface="JetBrains Mono SemiBold" panose="02000009000000000000" pitchFamily="49" charset="0"/>
-              <a:cs typeface="JetBrains Mono SemiBold" panose="02000009000000000000" pitchFamily="49" charset="0"/>
-            </a:endParaRPr>
-          </a:p>
-        </p:txBody>
-      </p:sp>
-      <p:sp>
-        <p:nvSpPr>
-          <p:cNvPr id="4" name="Slide Number Placeholder 3">
-            <a:extLst>
-              <a:ext uri="{FF2B5EF4-FFF2-40B4-BE49-F238E27FC236}">
-                <a16:creationId xmlns:a16="http://schemas.microsoft.com/office/drawing/2014/main" id="{B514B326-B302-767C-29DC-B0E52C6399FC}"/>
-              </a:ext>
-            </a:extLst>
-          </p:cNvPr>
-          <p:cNvSpPr>
-            <a:spLocks noGrp="1"/>
-          </p:cNvSpPr>
-          <p:nvPr>
-            <p:ph type="sldNum" sz="quarter" idx="12"/>
-          </p:nvPr>
-        </p:nvSpPr>
-        <p:spPr/>
-        <p:txBody>
-          <a:bodyPr/>
-          <a:lstStyle/>
-          <a:p>
-            <a:fld id="{E1749D0C-AFA5-4E71-A65E-422F634B557B}" type="slidenum">
-              <a:rPr lang="en-US" smtClean="0">
-                <a:solidFill>
-                  <a:srgbClr val="032F62"/>
-                </a:solidFill>
-                <a:latin typeface="JetBrains Mono SemiBold" panose="02000009000000000000" pitchFamily="49" charset="0"/>
-                <a:ea typeface="JetBrains Mono SemiBold" panose="02000009000000000000" pitchFamily="49" charset="0"/>
-                <a:cs typeface="JetBrains Mono SemiBold" panose="02000009000000000000" pitchFamily="49" charset="0"/>
-              </a:rPr>
-              <a:t>21</a:t>
-            </a:fld>
-            <a:endParaRPr lang="en-US" dirty="0">
-              <a:solidFill>
-                <a:srgbClr val="032F62"/>
-              </a:solidFill>
-              <a:latin typeface="JetBrains Mono SemiBold" panose="02000009000000000000" pitchFamily="49" charset="0"/>
-              <a:ea typeface="JetBrains Mono SemiBold" panose="02000009000000000000" pitchFamily="49" charset="0"/>
-              <a:cs typeface="JetBrains Mono SemiBold" panose="02000009000000000000" pitchFamily="49" charset="0"/>
-            </a:endParaRPr>
-          </a:p>
-        </p:txBody>
-      </p:sp>
-    </p:spTree>
-    <p:extLst>
-      <p:ext uri="{BB962C8B-B14F-4D97-AF65-F5344CB8AC3E}">
-        <p14:creationId xmlns:p14="http://schemas.microsoft.com/office/powerpoint/2010/main" val="4160864636"/>
-      </p:ext>
-    </p:extLst>
-  </p:cSld>
-  <p:clrMapOvr>
-    <a:masterClrMapping/>
-  </p:clrMapOvr>
-</p:sld>
-</file>
-
-<file path=ppt/slides/slide22.xml><?xml version="1.0" encoding="utf-8"?>
-<p:sld xmlns:a="http://schemas.openxmlformats.org/drawingml/2006/main" xmlns:r="http://schemas.openxmlformats.org/officeDocument/2006/relationships" xmlns:p="http://schemas.openxmlformats.org/presentationml/2006/main">
-  <p:cSld>
-    <p:spTree>
-      <p:nvGrpSpPr>
-        <p:cNvPr id="1" name=""/>
-        <p:cNvGrpSpPr/>
-        <p:nvPr/>
-      </p:nvGrpSpPr>
-      <p:grpSpPr>
-        <a:xfrm>
-          <a:off x="0" y="0"/>
-          <a:ext cx="0" cy="0"/>
-          <a:chOff x="0" y="0"/>
-          <a:chExt cx="0" cy="0"/>
-        </a:xfrm>
-      </p:grpSpPr>
-      <p:sp>
-        <p:nvSpPr>
-          <p:cNvPr id="2" name="Title 1">
-            <a:extLst>
-              <a:ext uri="{FF2B5EF4-FFF2-40B4-BE49-F238E27FC236}">
                 <a16:creationId xmlns:a16="http://schemas.microsoft.com/office/drawing/2014/main" id="{85377F54-9599-288F-C312-342D89C9F5E5}"/>
               </a:ext>
             </a:extLst>
@@ -7909,7 +7243,7 @@
           <a:p>
             <a:fld id="{E1749D0C-AFA5-4E71-A65E-422F634B557B}" type="slidenum">
               <a:rPr lang="en-US" smtClean="0"/>
-              <a:t>22</a:t>
+              <a:t>20</a:t>
             </a:fld>
             <a:endParaRPr lang="en-US"/>
           </a:p>
@@ -9701,31 +9035,6 @@
       </p:sp>
       <p:sp>
         <p:nvSpPr>
-          <p:cNvPr id="3" name="Content Placeholder 2">
-            <a:extLst>
-              <a:ext uri="{FF2B5EF4-FFF2-40B4-BE49-F238E27FC236}">
-                <a16:creationId xmlns:a16="http://schemas.microsoft.com/office/drawing/2014/main" id="{0D606059-2228-2388-0769-CB2A90516B81}"/>
-              </a:ext>
-            </a:extLst>
-          </p:cNvPr>
-          <p:cNvSpPr>
-            <a:spLocks noGrp="1"/>
-          </p:cNvSpPr>
-          <p:nvPr>
-            <p:ph idx="1"/>
-          </p:nvPr>
-        </p:nvSpPr>
-        <p:spPr/>
-        <p:txBody>
-          <a:bodyPr/>
-          <a:lstStyle/>
-          <a:p>
-            <a:endParaRPr lang="tr-TR"/>
-          </a:p>
-        </p:txBody>
-      </p:sp>
-      <p:sp>
-        <p:nvSpPr>
           <p:cNvPr id="4" name="Slide Number Placeholder 3">
             <a:extLst>
               <a:ext uri="{FF2B5EF4-FFF2-40B4-BE49-F238E27FC236}">
@@ -9774,8 +9083,40 @@
         </p:blipFill>
         <p:spPr>
           <a:xfrm>
-            <a:off x="1369285" y="1555685"/>
-            <a:ext cx="6405430" cy="4456303"/>
+            <a:off x="2006792" y="277274"/>
+            <a:ext cx="4451158" cy="3096702"/>
+          </a:xfrm>
+          <a:prstGeom prst="rect">
+            <a:avLst/>
+          </a:prstGeom>
+        </p:spPr>
+      </p:pic>
+      <p:pic>
+        <p:nvPicPr>
+          <p:cNvPr id="5" name="Picture 5">
+            <a:extLst>
+              <a:ext uri="{FF2B5EF4-FFF2-40B4-BE49-F238E27FC236}">
+                <a16:creationId xmlns:a16="http://schemas.microsoft.com/office/drawing/2014/main" id="{AA57CB8D-4AF0-255B-F72D-D2C05C3F6F8F}"/>
+              </a:ext>
+            </a:extLst>
+          </p:cNvPr>
+          <p:cNvPicPr>
+            <a:picLocks noGrp="1" noChangeAspect="1"/>
+          </p:cNvPicPr>
+          <p:nvPr>
+            <p:ph idx="1"/>
+          </p:nvPr>
+        </p:nvPicPr>
+        <p:blipFill>
+          <a:blip r:embed="rId3"/>
+          <a:stretch>
+            <a:fillRect/>
+          </a:stretch>
+        </p:blipFill>
+        <p:spPr>
+          <a:xfrm>
+            <a:off x="1684805" y="3396142"/>
+            <a:ext cx="5269798" cy="3165068"/>
           </a:xfrm>
           <a:prstGeom prst="rect">
             <a:avLst/>
@@ -9817,145 +9158,6 @@
           <p:cNvPr id="2" name="Title 1">
             <a:extLst>
               <a:ext uri="{FF2B5EF4-FFF2-40B4-BE49-F238E27FC236}">
-                <a16:creationId xmlns:a16="http://schemas.microsoft.com/office/drawing/2014/main" id="{966C5E09-8770-6A6E-F1DC-B8CF185DFF8C}"/>
-              </a:ext>
-            </a:extLst>
-          </p:cNvPr>
-          <p:cNvSpPr>
-            <a:spLocks noGrp="1"/>
-          </p:cNvSpPr>
-          <p:nvPr>
-            <p:ph type="title"/>
-          </p:nvPr>
-        </p:nvSpPr>
-        <p:spPr/>
-        <p:txBody>
-          <a:bodyPr/>
-          <a:lstStyle/>
-          <a:p>
-            <a:endParaRPr lang="tr-TR"/>
-          </a:p>
-        </p:txBody>
-      </p:sp>
-      <p:sp>
-        <p:nvSpPr>
-          <p:cNvPr id="3" name="Content Placeholder 2">
-            <a:extLst>
-              <a:ext uri="{FF2B5EF4-FFF2-40B4-BE49-F238E27FC236}">
-                <a16:creationId xmlns:a16="http://schemas.microsoft.com/office/drawing/2014/main" id="{D9D4EAEF-1B3F-DF6B-3C73-0C59F4F7DD2C}"/>
-              </a:ext>
-            </a:extLst>
-          </p:cNvPr>
-          <p:cNvSpPr>
-            <a:spLocks noGrp="1"/>
-          </p:cNvSpPr>
-          <p:nvPr>
-            <p:ph idx="1"/>
-          </p:nvPr>
-        </p:nvSpPr>
-        <p:spPr/>
-        <p:txBody>
-          <a:bodyPr/>
-          <a:lstStyle/>
-          <a:p>
-            <a:endParaRPr lang="tr-TR"/>
-          </a:p>
-        </p:txBody>
-      </p:sp>
-      <p:sp>
-        <p:nvSpPr>
-          <p:cNvPr id="4" name="Slide Number Placeholder 3">
-            <a:extLst>
-              <a:ext uri="{FF2B5EF4-FFF2-40B4-BE49-F238E27FC236}">
-                <a16:creationId xmlns:a16="http://schemas.microsoft.com/office/drawing/2014/main" id="{C24EAC88-DD8C-7845-18E9-45AA62D96416}"/>
-              </a:ext>
-            </a:extLst>
-          </p:cNvPr>
-          <p:cNvSpPr>
-            <a:spLocks noGrp="1"/>
-          </p:cNvSpPr>
-          <p:nvPr>
-            <p:ph type="sldNum" sz="quarter" idx="12"/>
-          </p:nvPr>
-        </p:nvSpPr>
-        <p:spPr/>
-        <p:txBody>
-          <a:bodyPr/>
-          <a:lstStyle/>
-          <a:p>
-            <a:fld id="{E1749D0C-AFA5-4E71-A65E-422F634B557B}" type="slidenum">
-              <a:rPr lang="en-US" smtClean="0"/>
-              <a:t>8</a:t>
-            </a:fld>
-            <a:endParaRPr lang="en-US"/>
-          </a:p>
-        </p:txBody>
-      </p:sp>
-      <p:pic>
-        <p:nvPicPr>
-          <p:cNvPr id="6" name="Picture 5">
-            <a:extLst>
-              <a:ext uri="{FF2B5EF4-FFF2-40B4-BE49-F238E27FC236}">
-                <a16:creationId xmlns:a16="http://schemas.microsoft.com/office/drawing/2014/main" id="{4621E5F9-03E6-83D6-A9B0-4321FFCC8312}"/>
-              </a:ext>
-            </a:extLst>
-          </p:cNvPr>
-          <p:cNvPicPr>
-            <a:picLocks noChangeAspect="1"/>
-          </p:cNvPicPr>
-          <p:nvPr/>
-        </p:nvPicPr>
-        <p:blipFill>
-          <a:blip r:embed="rId2"/>
-          <a:stretch>
-            <a:fillRect/>
-          </a:stretch>
-        </p:blipFill>
-        <p:spPr>
-          <a:xfrm>
-            <a:off x="682689" y="1463040"/>
-            <a:ext cx="7848622" cy="4713923"/>
-          </a:xfrm>
-          <a:prstGeom prst="rect">
-            <a:avLst/>
-          </a:prstGeom>
-        </p:spPr>
-      </p:pic>
-    </p:spTree>
-    <p:extLst>
-      <p:ext uri="{BB962C8B-B14F-4D97-AF65-F5344CB8AC3E}">
-        <p14:creationId xmlns:p14="http://schemas.microsoft.com/office/powerpoint/2010/main" val="1892228557"/>
-      </p:ext>
-    </p:extLst>
-  </p:cSld>
-  <p:clrMapOvr>
-    <a:masterClrMapping/>
-  </p:clrMapOvr>
-</p:sld>
-</file>
-
-<file path=ppt/slides/slide9.xml><?xml version="1.0" encoding="utf-8"?>
-<p:sld xmlns:a="http://schemas.openxmlformats.org/drawingml/2006/main" xmlns:r="http://schemas.openxmlformats.org/officeDocument/2006/relationships" xmlns:p="http://schemas.openxmlformats.org/presentationml/2006/main">
-  <p:cSld>
-    <p:spTree>
-      <p:nvGrpSpPr>
-        <p:cNvPr id="1" name=""/>
-        <p:cNvGrpSpPr/>
-        <p:nvPr/>
-      </p:nvGrpSpPr>
-      <p:grpSpPr>
-        <a:xfrm>
-          <a:off x="0" y="0"/>
-          <a:ext cx="0" cy="0"/>
-          <a:chOff x="0" y="0"/>
-          <a:chExt cx="0" cy="0"/>
-        </a:xfrm>
-      </p:grpSpPr>
-      <p:sp>
-        <p:nvSpPr>
-          <p:cNvPr id="2" name="Title 1">
-            <a:extLst>
-              <a:ext uri="{FF2B5EF4-FFF2-40B4-BE49-F238E27FC236}">
                 <a16:creationId xmlns:a16="http://schemas.microsoft.com/office/drawing/2014/main" id="{85DC71E1-5FBE-44D5-4156-49DA60FE5C77}"/>
               </a:ext>
             </a:extLst>
@@ -10310,7 +9512,7 @@
           <a:p>
             <a:fld id="{E1749D0C-AFA5-4E71-A65E-422F634B557B}" type="slidenum">
               <a:rPr lang="en-US" smtClean="0"/>
-              <a:t>9</a:t>
+              <a:t>8</a:t>
             </a:fld>
             <a:endParaRPr lang="en-US"/>
           </a:p>
@@ -10350,6 +9552,536 @@
     <p:extLst>
       <p:ext uri="{BB962C8B-B14F-4D97-AF65-F5344CB8AC3E}">
         <p14:creationId xmlns:p14="http://schemas.microsoft.com/office/powerpoint/2010/main" val="3020802244"/>
+      </p:ext>
+    </p:extLst>
+  </p:cSld>
+  <p:clrMapOvr>
+    <a:masterClrMapping/>
+  </p:clrMapOvr>
+</p:sld>
+</file>
+
+<file path=ppt/slides/slide9.xml><?xml version="1.0" encoding="utf-8"?>
+<p:sld xmlns:a="http://schemas.openxmlformats.org/drawingml/2006/main" xmlns:r="http://schemas.openxmlformats.org/officeDocument/2006/relationships" xmlns:p="http://schemas.openxmlformats.org/presentationml/2006/main">
+  <p:cSld>
+    <p:spTree>
+      <p:nvGrpSpPr>
+        <p:cNvPr id="1" name=""/>
+        <p:cNvGrpSpPr/>
+        <p:nvPr/>
+      </p:nvGrpSpPr>
+      <p:grpSpPr>
+        <a:xfrm>
+          <a:off x="0" y="0"/>
+          <a:ext cx="0" cy="0"/>
+          <a:chOff x="0" y="0"/>
+          <a:chExt cx="0" cy="0"/>
+        </a:xfrm>
+      </p:grpSpPr>
+      <p:sp>
+        <p:nvSpPr>
+          <p:cNvPr id="2" name="Title 1">
+            <a:extLst>
+              <a:ext uri="{FF2B5EF4-FFF2-40B4-BE49-F238E27FC236}">
+                <a16:creationId xmlns:a16="http://schemas.microsoft.com/office/drawing/2014/main" id="{063B1997-01F6-FE23-E03D-CC4641ACA113}"/>
+              </a:ext>
+            </a:extLst>
+          </p:cNvPr>
+          <p:cNvSpPr>
+            <a:spLocks noGrp="1"/>
+          </p:cNvSpPr>
+          <p:nvPr>
+            <p:ph type="title"/>
+          </p:nvPr>
+        </p:nvSpPr>
+        <p:spPr/>
+        <p:txBody>
+          <a:bodyPr/>
+          <a:lstStyle/>
+          <a:p>
+            <a:endParaRPr lang="en-US" dirty="0"/>
+          </a:p>
+        </p:txBody>
+      </p:sp>
+      <p:sp>
+        <p:nvSpPr>
+          <p:cNvPr id="3" name="Content Placeholder 2">
+            <a:extLst>
+              <a:ext uri="{FF2B5EF4-FFF2-40B4-BE49-F238E27FC236}">
+                <a16:creationId xmlns:a16="http://schemas.microsoft.com/office/drawing/2014/main" id="{B5FD4C51-2A84-576E-02E7-2DC51D1CED84}"/>
+              </a:ext>
+            </a:extLst>
+          </p:cNvPr>
+          <p:cNvSpPr>
+            <a:spLocks noGrp="1"/>
+          </p:cNvSpPr>
+          <p:nvPr>
+            <p:ph idx="1"/>
+          </p:nvPr>
+        </p:nvSpPr>
+        <p:spPr>
+          <a:xfrm>
+            <a:off x="628650" y="1825625"/>
+            <a:ext cx="7886700" cy="4351338"/>
+          </a:xfrm>
+        </p:spPr>
+        <p:txBody>
+          <a:bodyPr vert="horz" lIns="91440" tIns="45720" rIns="91440" bIns="45720" rtlCol="0" anchor="t">
+            <a:normAutofit/>
+          </a:bodyPr>
+          <a:lstStyle/>
+          <a:p>
+            <a:pPr marL="0" indent="0">
+              <a:buNone/>
+            </a:pPr>
+            <a:r>
+              <a:rPr lang="en-US" b="1" dirty="0">
+                <a:solidFill>
+                  <a:srgbClr val="C00000"/>
+                </a:solidFill>
+                <a:latin typeface="JetBrains Mono SemiBold"/>
+                <a:cs typeface="Times New Roman"/>
+              </a:rPr>
+              <a:t>preprocess(): </a:t>
+            </a:r>
+            <a:r>
+              <a:rPr lang="en-US" dirty="0">
+                <a:latin typeface="JetBrains Mono SemiBold"/>
+                <a:cs typeface="Times New Roman"/>
+              </a:rPr>
+              <a:t>Bu </a:t>
+            </a:r>
+            <a:r>
+              <a:rPr lang="en-US" dirty="0" err="1">
+                <a:latin typeface="JetBrains Mono SemiBold"/>
+                <a:cs typeface="Times New Roman"/>
+              </a:rPr>
+              <a:t>yöntem</a:t>
+            </a:r>
+            <a:r>
+              <a:rPr lang="en-US" dirty="0">
+                <a:latin typeface="JetBrains Mono SemiBold"/>
+                <a:cs typeface="Times New Roman"/>
+              </a:rPr>
+              <a:t>, </a:t>
+            </a:r>
+            <a:r>
+              <a:rPr lang="en-US" dirty="0" err="1">
+                <a:latin typeface="JetBrains Mono SemiBold"/>
+                <a:cs typeface="Times New Roman"/>
+              </a:rPr>
+              <a:t>bir</a:t>
+            </a:r>
+            <a:r>
+              <a:rPr lang="en-US" dirty="0">
+                <a:latin typeface="JetBrains Mono SemiBold"/>
+                <a:cs typeface="Times New Roman"/>
+              </a:rPr>
+              <a:t> contraction hierarchy </a:t>
+            </a:r>
+            <a:r>
+              <a:rPr lang="en-US" dirty="0" err="1">
+                <a:latin typeface="JetBrains Mono SemiBold"/>
+                <a:cs typeface="Times New Roman"/>
+              </a:rPr>
+              <a:t>ön</a:t>
+            </a:r>
+            <a:r>
+              <a:rPr lang="en-US" dirty="0">
+                <a:latin typeface="JetBrains Mono SemiBold"/>
+                <a:cs typeface="Times New Roman"/>
+              </a:rPr>
+              <a:t> </a:t>
+            </a:r>
+            <a:r>
+              <a:rPr lang="en-US" dirty="0" err="1">
+                <a:latin typeface="JetBrains Mono SemiBold"/>
+                <a:cs typeface="Times New Roman"/>
+              </a:rPr>
+              <a:t>işleme</a:t>
+            </a:r>
+            <a:r>
+              <a:rPr lang="en-US" dirty="0">
+                <a:latin typeface="JetBrains Mono SemiBold"/>
+                <a:cs typeface="Times New Roman"/>
+              </a:rPr>
+              <a:t> </a:t>
+            </a:r>
+            <a:r>
+              <a:rPr lang="en-US" dirty="0" err="1">
+                <a:latin typeface="JetBrains Mono SemiBold"/>
+                <a:cs typeface="Times New Roman"/>
+              </a:rPr>
+              <a:t>adımını</a:t>
+            </a:r>
+            <a:r>
+              <a:rPr lang="en-US" dirty="0">
+                <a:latin typeface="JetBrains Mono SemiBold"/>
+                <a:cs typeface="Times New Roman"/>
+              </a:rPr>
+              <a:t> </a:t>
+            </a:r>
+            <a:r>
+              <a:rPr lang="en-US" dirty="0" err="1">
+                <a:latin typeface="JetBrains Mono SemiBold"/>
+                <a:cs typeface="Times New Roman"/>
+              </a:rPr>
+              <a:t>gerçekleştirir</a:t>
+            </a:r>
+            <a:r>
+              <a:rPr lang="en-US" dirty="0">
+                <a:latin typeface="JetBrains Mono SemiBold"/>
+                <a:cs typeface="Times New Roman"/>
+              </a:rPr>
+              <a:t>. Her </a:t>
+            </a:r>
+            <a:r>
+              <a:rPr lang="en-US" dirty="0" err="1">
+                <a:latin typeface="JetBrains Mono SemiBold"/>
+                <a:cs typeface="Times New Roman"/>
+              </a:rPr>
+              <a:t>düğümün</a:t>
+            </a:r>
+            <a:r>
+              <a:rPr lang="en-US" dirty="0">
+                <a:latin typeface="JetBrains Mono SemiBold"/>
+                <a:cs typeface="Times New Roman"/>
+              </a:rPr>
+              <a:t> "</a:t>
+            </a:r>
+            <a:r>
+              <a:rPr lang="en-US" dirty="0" err="1">
+                <a:latin typeface="JetBrains Mono SemiBold"/>
+                <a:cs typeface="Times New Roman"/>
+              </a:rPr>
+              <a:t>önemini</a:t>
+            </a:r>
+            <a:r>
+              <a:rPr lang="en-US" dirty="0">
+                <a:latin typeface="JetBrains Mono SemiBold"/>
+                <a:cs typeface="Times New Roman"/>
+              </a:rPr>
+              <a:t>" </a:t>
+            </a:r>
+            <a:r>
+              <a:rPr lang="en-US" dirty="0" err="1">
+                <a:latin typeface="JetBrains Mono SemiBold"/>
+                <a:cs typeface="Times New Roman"/>
+              </a:rPr>
+              <a:t>kenar</a:t>
+            </a:r>
+            <a:r>
+              <a:rPr lang="en-US" dirty="0">
+                <a:latin typeface="JetBrains Mono SemiBold"/>
+                <a:cs typeface="Times New Roman"/>
+              </a:rPr>
+              <a:t> </a:t>
+            </a:r>
+            <a:r>
+              <a:rPr lang="en-US" dirty="0" err="1">
+                <a:latin typeface="JetBrains Mono SemiBold"/>
+                <a:cs typeface="Times New Roman"/>
+              </a:rPr>
+              <a:t>farkları</a:t>
+            </a:r>
+            <a:r>
+              <a:rPr lang="en-US" dirty="0">
+                <a:latin typeface="JetBrains Mono SemiBold"/>
+                <a:cs typeface="Times New Roman"/>
+              </a:rPr>
+              <a:t> </a:t>
+            </a:r>
+            <a:r>
+              <a:rPr lang="en-US" dirty="0" err="1">
+                <a:latin typeface="JetBrains Mono SemiBold"/>
+                <a:cs typeface="Times New Roman"/>
+              </a:rPr>
+              <a:t>kullanarak</a:t>
+            </a:r>
+            <a:r>
+              <a:rPr lang="en-US" dirty="0">
+                <a:latin typeface="JetBrains Mono SemiBold"/>
+                <a:cs typeface="Times New Roman"/>
+              </a:rPr>
+              <a:t> </a:t>
+            </a:r>
+            <a:r>
+              <a:rPr lang="en-US" dirty="0" err="1">
+                <a:latin typeface="JetBrains Mono SemiBold"/>
+                <a:cs typeface="Times New Roman"/>
+              </a:rPr>
+              <a:t>hesaplar</a:t>
+            </a:r>
+            <a:r>
+              <a:rPr lang="en-US" dirty="0">
+                <a:latin typeface="JetBrains Mono SemiBold"/>
+                <a:cs typeface="Times New Roman"/>
+              </a:rPr>
+              <a:t> </a:t>
+            </a:r>
+            <a:r>
+              <a:rPr lang="en-US" dirty="0" err="1">
+                <a:latin typeface="JetBrains Mono SemiBold"/>
+                <a:cs typeface="Times New Roman"/>
+              </a:rPr>
+              <a:t>ve</a:t>
+            </a:r>
+            <a:r>
+              <a:rPr lang="en-US" dirty="0">
+                <a:latin typeface="JetBrains Mono SemiBold"/>
+                <a:cs typeface="Times New Roman"/>
+              </a:rPr>
+              <a:t> </a:t>
+            </a:r>
+            <a:r>
+              <a:rPr lang="en-US" dirty="0" err="1">
+                <a:latin typeface="JetBrains Mono SemiBold"/>
+                <a:cs typeface="Times New Roman"/>
+              </a:rPr>
+              <a:t>en</a:t>
+            </a:r>
+            <a:r>
+              <a:rPr lang="en-US" dirty="0">
+                <a:latin typeface="JetBrains Mono SemiBold"/>
+                <a:cs typeface="Times New Roman"/>
+              </a:rPr>
+              <a:t> </a:t>
+            </a:r>
+            <a:r>
+              <a:rPr lang="en-US" dirty="0" err="1">
+                <a:latin typeface="JetBrains Mono SemiBold"/>
+                <a:cs typeface="Times New Roman"/>
+              </a:rPr>
+              <a:t>az</a:t>
+            </a:r>
+            <a:r>
+              <a:rPr lang="en-US" dirty="0">
+                <a:latin typeface="JetBrains Mono SemiBold"/>
+                <a:cs typeface="Times New Roman"/>
+              </a:rPr>
+              <a:t> </a:t>
+            </a:r>
+            <a:r>
+              <a:rPr lang="en-US" dirty="0" err="1">
+                <a:latin typeface="JetBrains Mono SemiBold"/>
+                <a:cs typeface="Times New Roman"/>
+              </a:rPr>
+              <a:t>önemli</a:t>
+            </a:r>
+            <a:r>
+              <a:rPr lang="en-US" dirty="0">
+                <a:latin typeface="JetBrains Mono SemiBold"/>
+                <a:cs typeface="Times New Roman"/>
+              </a:rPr>
+              <a:t> </a:t>
+            </a:r>
+            <a:r>
+              <a:rPr lang="en-US" dirty="0" err="1">
+                <a:latin typeface="JetBrains Mono SemiBold"/>
+                <a:cs typeface="Times New Roman"/>
+              </a:rPr>
+              <a:t>düğümleri</a:t>
+            </a:r>
+            <a:r>
+              <a:rPr lang="en-US" dirty="0">
+                <a:latin typeface="JetBrains Mono SemiBold"/>
+                <a:cs typeface="Times New Roman"/>
+              </a:rPr>
+              <a:t> </a:t>
+            </a:r>
+            <a:r>
+              <a:rPr lang="en-US" dirty="0" err="1">
+                <a:latin typeface="JetBrains Mono SemiBold"/>
+                <a:cs typeface="Times New Roman"/>
+              </a:rPr>
+              <a:t>kontrat</a:t>
+            </a:r>
+            <a:r>
+              <a:rPr lang="en-US" dirty="0">
+                <a:latin typeface="JetBrains Mono SemiBold"/>
+                <a:cs typeface="Times New Roman"/>
+              </a:rPr>
+              <a:t> </a:t>
+            </a:r>
+            <a:r>
+              <a:rPr lang="en-US" dirty="0" err="1">
+                <a:latin typeface="JetBrains Mono SemiBold"/>
+                <a:cs typeface="Times New Roman"/>
+              </a:rPr>
+              <a:t>eder</a:t>
+            </a:r>
+            <a:r>
+              <a:rPr lang="en-US" dirty="0">
+                <a:latin typeface="JetBrains Mono SemiBold"/>
+                <a:cs typeface="Times New Roman"/>
+              </a:rPr>
+              <a:t>. Bu, </a:t>
+            </a:r>
+            <a:r>
+              <a:rPr lang="en-US" dirty="0" err="1">
+                <a:latin typeface="JetBrains Mono SemiBold"/>
+                <a:cs typeface="Times New Roman"/>
+              </a:rPr>
+              <a:t>yol</a:t>
+            </a:r>
+            <a:r>
+              <a:rPr lang="en-US" dirty="0">
+                <a:latin typeface="JetBrains Mono SemiBold"/>
+                <a:cs typeface="Times New Roman"/>
+              </a:rPr>
+              <a:t> </a:t>
+            </a:r>
+            <a:r>
+              <a:rPr lang="en-US" dirty="0" err="1">
+                <a:latin typeface="JetBrains Mono SemiBold"/>
+                <a:cs typeface="Times New Roman"/>
+              </a:rPr>
+              <a:t>bulma</a:t>
+            </a:r>
+            <a:r>
+              <a:rPr lang="en-US" dirty="0">
+                <a:latin typeface="JetBrains Mono SemiBold"/>
+                <a:cs typeface="Times New Roman"/>
+              </a:rPr>
+              <a:t> </a:t>
+            </a:r>
+            <a:r>
+              <a:rPr lang="en-US" dirty="0" err="1">
+                <a:latin typeface="JetBrains Mono SemiBold"/>
+                <a:cs typeface="Times New Roman"/>
+              </a:rPr>
+              <a:t>sorguları</a:t>
+            </a:r>
+            <a:r>
+              <a:rPr lang="en-US" dirty="0">
+                <a:latin typeface="JetBrains Mono SemiBold"/>
+                <a:cs typeface="Times New Roman"/>
+              </a:rPr>
+              <a:t> </a:t>
+            </a:r>
+            <a:r>
+              <a:rPr lang="en-US" dirty="0" err="1">
+                <a:latin typeface="JetBrains Mono SemiBold"/>
+                <a:cs typeface="Times New Roman"/>
+              </a:rPr>
+              <a:t>sırasında</a:t>
+            </a:r>
+            <a:r>
+              <a:rPr lang="en-US" dirty="0">
+                <a:latin typeface="JetBrains Mono SemiBold"/>
+                <a:cs typeface="Times New Roman"/>
+              </a:rPr>
+              <a:t> </a:t>
+            </a:r>
+            <a:r>
+              <a:rPr lang="en-US" dirty="0" err="1">
+                <a:latin typeface="JetBrains Mono SemiBold"/>
+                <a:cs typeface="Times New Roman"/>
+              </a:rPr>
+              <a:t>arama</a:t>
+            </a:r>
+            <a:r>
+              <a:rPr lang="en-US" dirty="0">
+                <a:latin typeface="JetBrains Mono SemiBold"/>
+                <a:cs typeface="Times New Roman"/>
+              </a:rPr>
+              <a:t> </a:t>
+            </a:r>
+            <a:r>
+              <a:rPr lang="en-US" dirty="0" err="1">
+                <a:latin typeface="JetBrains Mono SemiBold"/>
+                <a:cs typeface="Times New Roman"/>
+              </a:rPr>
+              <a:t>alanını</a:t>
+            </a:r>
+            <a:r>
+              <a:rPr lang="en-US" dirty="0">
+                <a:latin typeface="JetBrains Mono SemiBold"/>
+                <a:cs typeface="Times New Roman"/>
+              </a:rPr>
+              <a:t> </a:t>
+            </a:r>
+            <a:r>
+              <a:rPr lang="en-US" dirty="0" err="1">
+                <a:latin typeface="JetBrains Mono SemiBold"/>
+                <a:cs typeface="Times New Roman"/>
+              </a:rPr>
+              <a:t>azaltmaya</a:t>
+            </a:r>
+            <a:r>
+              <a:rPr lang="en-US" dirty="0">
+                <a:latin typeface="JetBrains Mono SemiBold"/>
+                <a:cs typeface="Times New Roman"/>
+              </a:rPr>
+              <a:t> </a:t>
+            </a:r>
+            <a:r>
+              <a:rPr lang="en-US" dirty="0" err="1">
+                <a:latin typeface="JetBrains Mono SemiBold"/>
+                <a:cs typeface="Times New Roman"/>
+              </a:rPr>
+              <a:t>yardımcı</a:t>
+            </a:r>
+            <a:r>
+              <a:rPr lang="en-US" dirty="0">
+                <a:latin typeface="JetBrains Mono SemiBold"/>
+                <a:cs typeface="Times New Roman"/>
+              </a:rPr>
+              <a:t> </a:t>
+            </a:r>
+            <a:r>
+              <a:rPr lang="en-US" dirty="0" err="1">
+                <a:latin typeface="JetBrains Mono SemiBold"/>
+                <a:cs typeface="Times New Roman"/>
+              </a:rPr>
+              <a:t>olur</a:t>
+            </a:r>
+            <a:r>
+              <a:rPr lang="en-US" dirty="0">
+                <a:latin typeface="JetBrains Mono SemiBold"/>
+                <a:cs typeface="Times New Roman"/>
+              </a:rPr>
+              <a:t>.</a:t>
+            </a:r>
+            <a:endParaRPr lang="en-US" dirty="0">
+              <a:latin typeface="JetBrains Mono SemiBold"/>
+            </a:endParaRPr>
+          </a:p>
+        </p:txBody>
+      </p:sp>
+      <p:sp>
+        <p:nvSpPr>
+          <p:cNvPr id="4" name="Slide Number Placeholder 3">
+            <a:extLst>
+              <a:ext uri="{FF2B5EF4-FFF2-40B4-BE49-F238E27FC236}">
+                <a16:creationId xmlns:a16="http://schemas.microsoft.com/office/drawing/2014/main" id="{4726161D-57E6-A958-259E-7C266968AEF7}"/>
+              </a:ext>
+            </a:extLst>
+          </p:cNvPr>
+          <p:cNvSpPr>
+            <a:spLocks noGrp="1"/>
+          </p:cNvSpPr>
+          <p:nvPr>
+            <p:ph type="sldNum" sz="quarter" idx="12"/>
+          </p:nvPr>
+        </p:nvSpPr>
+        <p:spPr/>
+        <p:txBody>
+          <a:bodyPr/>
+          <a:lstStyle/>
+          <a:p>
+            <a:fld id="{E1749D0C-AFA5-4E71-A65E-422F634B557B}" type="slidenum">
+              <a:rPr lang="en-US" smtClean="0"/>
+              <a:t>9</a:t>
+            </a:fld>
+            <a:endParaRPr lang="en-US"/>
+          </a:p>
+        </p:txBody>
+      </p:sp>
+    </p:spTree>
+    <p:extLst>
+      <p:ext uri="{BB962C8B-B14F-4D97-AF65-F5344CB8AC3E}">
+        <p14:creationId xmlns:p14="http://schemas.microsoft.com/office/powerpoint/2010/main" val="1844381228"/>
       </p:ext>
     </p:extLst>
   </p:cSld>
